--- a/Presentations/1 - Introduction - ReSharper Course.pptx
+++ b/Presentations/1 - Introduction - ReSharper Course.pptx
@@ -18,17 +18,17 @@
     <p:sldId id="274" r:id="rId9"/>
     <p:sldId id="272" r:id="rId10"/>
     <p:sldId id="276" r:id="rId11"/>
-    <p:sldId id="286" r:id="rId12"/>
-    <p:sldId id="267" r:id="rId13"/>
-    <p:sldId id="266" r:id="rId14"/>
-    <p:sldId id="280" r:id="rId15"/>
-    <p:sldId id="281" r:id="rId16"/>
-    <p:sldId id="282" r:id="rId17"/>
-    <p:sldId id="283" r:id="rId18"/>
-    <p:sldId id="284" r:id="rId19"/>
-    <p:sldId id="285" r:id="rId20"/>
-    <p:sldId id="269" r:id="rId21"/>
-    <p:sldId id="264" r:id="rId22"/>
+    <p:sldId id="267" r:id="rId12"/>
+    <p:sldId id="266" r:id="rId13"/>
+    <p:sldId id="280" r:id="rId14"/>
+    <p:sldId id="281" r:id="rId15"/>
+    <p:sldId id="282" r:id="rId16"/>
+    <p:sldId id="283" r:id="rId17"/>
+    <p:sldId id="284" r:id="rId18"/>
+    <p:sldId id="285" r:id="rId19"/>
+    <p:sldId id="269" r:id="rId20"/>
+    <p:sldId id="264" r:id="rId21"/>
+    <p:sldId id="286" r:id="rId22"/>
   </p:sldIdLst>
   <p:sldSz cx="9144000" cy="6858000" type="screen4x3"/>
   <p:notesSz cx="6858000" cy="9144000"/>
@@ -150,7 +150,6 @@
             <p14:sldId id="274"/>
             <p14:sldId id="272"/>
             <p14:sldId id="276"/>
-            <p14:sldId id="286"/>
           </p14:sldIdLst>
         </p14:section>
         <p14:section name="ReSharper Introduction" id="{8955F9EF-48A0-4A9E-BD35-AAD8B62DA111}">
@@ -169,6 +168,7 @@
         <p14:section name="Agenda" id="{52521F17-2C58-47AD-BC70-5EA618F03BA1}">
           <p14:sldIdLst>
             <p14:sldId id="264"/>
+            <p14:sldId id="286"/>
           </p14:sldIdLst>
         </p14:section>
       </p14:sectionLst>
@@ -321,11 +321,11 @@
         </c:dLbls>
         <c:marker val="1"/>
         <c:smooth val="0"/>
-        <c:axId val="125602432"/>
-        <c:axId val="34328960"/>
+        <c:axId val="42278912"/>
+        <c:axId val="42280448"/>
       </c:lineChart>
       <c:catAx>
-        <c:axId val="125602432"/>
+        <c:axId val="42278912"/>
         <c:scaling>
           <c:orientation val="minMax"/>
         </c:scaling>
@@ -335,7 +335,7 @@
         <c:majorTickMark val="out"/>
         <c:minorTickMark val="none"/>
         <c:tickLblPos val="nextTo"/>
-        <c:crossAx val="34328960"/>
+        <c:crossAx val="42280448"/>
         <c:crosses val="autoZero"/>
         <c:auto val="1"/>
         <c:lblAlgn val="ctr"/>
@@ -343,7 +343,7 @@
         <c:noMultiLvlLbl val="0"/>
       </c:catAx>
       <c:valAx>
-        <c:axId val="34328960"/>
+        <c:axId val="42280448"/>
         <c:scaling>
           <c:orientation val="minMax"/>
         </c:scaling>
@@ -354,7 +354,7 @@
         <c:majorTickMark val="out"/>
         <c:minorTickMark val="none"/>
         <c:tickLblPos val="none"/>
-        <c:crossAx val="125602432"/>
+        <c:crossAx val="42278912"/>
         <c:crosses val="autoZero"/>
         <c:crossBetween val="between"/>
       </c:valAx>
@@ -1202,7 +1202,7 @@
             <a:fld id="{25D31F56-D80D-4507-AC0F-AB5E545C4181}" type="datetimeFigureOut">
               <a:rPr lang="da-DK" smtClean="0"/>
               <a:pPr/>
-              <a:t>17-05-2012</a:t>
+              <a:t>20-05-2012</a:t>
             </a:fld>
             <a:endParaRPr lang="da-DK"/>
           </a:p>
@@ -1564,7 +1564,7 @@
             <a:fld id="{2E43D8CB-A428-4652-9379-FEB5A48D221E}" type="slidenum">
               <a:rPr lang="da-DK" smtClean="0"/>
               <a:pPr/>
-              <a:t>20</a:t>
+              <a:t>19</a:t>
             </a:fld>
             <a:endParaRPr lang="da-DK"/>
           </a:p>
@@ -1765,7 +1765,7 @@
             <a:fld id="{1D8BD707-D9CF-40AE-B4C6-C98DA3205C09}" type="datetimeFigureOut">
               <a:rPr lang="en-US" smtClean="0"/>
               <a:pPr/>
-              <a:t>5/17/2012</a:t>
+              <a:t>5/20/2012</a:t>
             </a:fld>
             <a:endParaRPr lang="en-US"/>
           </a:p>
@@ -1932,7 +1932,7 @@
             <a:fld id="{1D8BD707-D9CF-40AE-B4C6-C98DA3205C09}" type="datetimeFigureOut">
               <a:rPr lang="en-US" smtClean="0"/>
               <a:pPr/>
-              <a:t>5/17/2012</a:t>
+              <a:t>5/20/2012</a:t>
             </a:fld>
             <a:endParaRPr lang="en-US"/>
           </a:p>
@@ -2109,7 +2109,7 @@
             <a:fld id="{1D8BD707-D9CF-40AE-B4C6-C98DA3205C09}" type="datetimeFigureOut">
               <a:rPr lang="en-US" smtClean="0"/>
               <a:pPr/>
-              <a:t>5/17/2012</a:t>
+              <a:t>5/20/2012</a:t>
             </a:fld>
             <a:endParaRPr lang="en-US"/>
           </a:p>
@@ -2276,7 +2276,7 @@
             <a:fld id="{1D8BD707-D9CF-40AE-B4C6-C98DA3205C09}" type="datetimeFigureOut">
               <a:rPr lang="en-US" smtClean="0"/>
               <a:pPr/>
-              <a:t>5/17/2012</a:t>
+              <a:t>5/20/2012</a:t>
             </a:fld>
             <a:endParaRPr lang="en-US"/>
           </a:p>
@@ -2519,7 +2519,7 @@
             <a:fld id="{1D8BD707-D9CF-40AE-B4C6-C98DA3205C09}" type="datetimeFigureOut">
               <a:rPr lang="en-US" smtClean="0"/>
               <a:pPr/>
-              <a:t>5/17/2012</a:t>
+              <a:t>5/20/2012</a:t>
             </a:fld>
             <a:endParaRPr lang="en-US"/>
           </a:p>
@@ -2804,7 +2804,7 @@
             <a:fld id="{1D8BD707-D9CF-40AE-B4C6-C98DA3205C09}" type="datetimeFigureOut">
               <a:rPr lang="en-US" smtClean="0"/>
               <a:pPr/>
-              <a:t>5/17/2012</a:t>
+              <a:t>5/20/2012</a:t>
             </a:fld>
             <a:endParaRPr lang="en-US"/>
           </a:p>
@@ -3223,7 +3223,7 @@
             <a:fld id="{1D8BD707-D9CF-40AE-B4C6-C98DA3205C09}" type="datetimeFigureOut">
               <a:rPr lang="en-US" smtClean="0"/>
               <a:pPr/>
-              <a:t>5/17/2012</a:t>
+              <a:t>5/20/2012</a:t>
             </a:fld>
             <a:endParaRPr lang="en-US"/>
           </a:p>
@@ -3338,7 +3338,7 @@
             <a:fld id="{1D8BD707-D9CF-40AE-B4C6-C98DA3205C09}" type="datetimeFigureOut">
               <a:rPr lang="en-US" smtClean="0"/>
               <a:pPr/>
-              <a:t>5/17/2012</a:t>
+              <a:t>5/20/2012</a:t>
             </a:fld>
             <a:endParaRPr lang="en-US"/>
           </a:p>
@@ -3430,7 +3430,7 @@
             <a:fld id="{1D8BD707-D9CF-40AE-B4C6-C98DA3205C09}" type="datetimeFigureOut">
               <a:rPr lang="en-US" smtClean="0"/>
               <a:pPr/>
-              <a:t>5/17/2012</a:t>
+              <a:t>5/20/2012</a:t>
             </a:fld>
             <a:endParaRPr lang="en-US"/>
           </a:p>
@@ -3704,7 +3704,7 @@
             <a:fld id="{1D8BD707-D9CF-40AE-B4C6-C98DA3205C09}" type="datetimeFigureOut">
               <a:rPr lang="en-US" smtClean="0"/>
               <a:pPr/>
-              <a:t>5/17/2012</a:t>
+              <a:t>5/20/2012</a:t>
             </a:fld>
             <a:endParaRPr lang="en-US"/>
           </a:p>
@@ -3954,7 +3954,7 @@
             <a:fld id="{1D8BD707-D9CF-40AE-B4C6-C98DA3205C09}" type="datetimeFigureOut">
               <a:rPr lang="en-US" smtClean="0"/>
               <a:pPr/>
-              <a:t>5/17/2012</a:t>
+              <a:t>5/20/2012</a:t>
             </a:fld>
             <a:endParaRPr lang="en-US"/>
           </a:p>
@@ -4164,7 +4164,7 @@
             <a:fld id="{1D8BD707-D9CF-40AE-B4C6-C98DA3205C09}" type="datetimeFigureOut">
               <a:rPr lang="en-US" smtClean="0"/>
               <a:pPr/>
-              <a:t>5/17/2012</a:t>
+              <a:t>5/20/2012</a:t>
             </a:fld>
             <a:endParaRPr lang="en-US"/>
           </a:p>
@@ -4673,7 +4673,15 @@
                   <a:schemeClr val="bg1"/>
                 </a:solidFill>
               </a:rPr>
-              <a:t>First Assignment follow-up</a:t>
+              <a:t>First </a:t>
+            </a:r>
+            <a:r>
+              <a:rPr lang="da-DK" dirty="0" smtClean="0">
+                <a:solidFill>
+                  <a:schemeClr val="bg1"/>
+                </a:solidFill>
+              </a:rPr>
+              <a:t>Exercise follow-up</a:t>
             </a:r>
             <a:endParaRPr lang="da-DK" dirty="0">
               <a:solidFill>
@@ -4720,40 +4728,24 @@
                   <a:schemeClr val="bg1"/>
                 </a:solidFill>
               </a:rPr>
-              <a:t>Times</a:t>
-            </a:r>
+              <a:t>Times?</a:t>
+            </a:r>
+          </a:p>
+          <a:p>
+            <a:endParaRPr lang="da-DK" dirty="0">
+              <a:solidFill>
+                <a:schemeClr val="bg1"/>
+              </a:solidFill>
+            </a:endParaRPr>
+          </a:p>
+          <a:p>
             <a:r>
               <a:rPr lang="da-DK" dirty="0" smtClean="0">
                 <a:solidFill>
                   <a:schemeClr val="bg1"/>
                 </a:solidFill>
               </a:rPr>
-              <a:t>?</a:t>
-            </a:r>
-          </a:p>
-          <a:p>
-            <a:endParaRPr lang="da-DK" dirty="0">
-              <a:solidFill>
-                <a:schemeClr val="bg1"/>
-              </a:solidFill>
-            </a:endParaRPr>
-          </a:p>
-          <a:p>
-            <a:r>
-              <a:rPr lang="da-DK" dirty="0" smtClean="0">
-                <a:solidFill>
-                  <a:schemeClr val="bg1"/>
-                </a:solidFill>
-              </a:rPr>
-              <a:t>Experiences</a:t>
-            </a:r>
-            <a:r>
-              <a:rPr lang="da-DK" dirty="0" smtClean="0">
-                <a:solidFill>
-                  <a:schemeClr val="bg1"/>
-                </a:solidFill>
-              </a:rPr>
-              <a:t>?</a:t>
+              <a:t>Experiences?</a:t>
             </a:r>
           </a:p>
           <a:p>
@@ -4788,14 +4780,6 @@
 <file path=ppt/slides/slide11.xml><?xml version="1.0" encoding="utf-8"?>
 <p:sld xmlns:a="http://schemas.openxmlformats.org/drawingml/2006/main" xmlns:r="http://schemas.openxmlformats.org/officeDocument/2006/relationships" xmlns:p="http://schemas.openxmlformats.org/presentationml/2006/main">
   <p:cSld>
-    <p:bg>
-      <p:bgPr>
-        <a:solidFill>
-          <a:schemeClr val="tx1"/>
-        </a:solidFill>
-        <a:effectLst/>
-      </p:bgPr>
-    </p:bg>
     <p:spTree>
       <p:nvGrpSpPr>
         <p:cNvPr id="1" name=""/>
@@ -4826,18 +4810,10 @@
           <a:lstStyle/>
           <a:p>
             <a:r>
-              <a:rPr lang="da-DK" dirty="0" smtClean="0">
-                <a:solidFill>
-                  <a:schemeClr val="bg1"/>
-                </a:solidFill>
-              </a:rPr>
-              <a:t>Demo</a:t>
-            </a:r>
-            <a:endParaRPr lang="da-DK" dirty="0">
-              <a:solidFill>
-                <a:schemeClr val="bg1"/>
-              </a:solidFill>
-            </a:endParaRPr>
+              <a:rPr lang="da-DK" dirty="0" smtClean="0"/>
+              <a:t>ReSharper - What?</a:t>
+            </a:r>
+            <a:endParaRPr lang="da-DK" dirty="0"/>
           </a:p>
         </p:txBody>
       </p:sp>
@@ -4856,110 +4832,6 @@
           <a:bodyPr/>
           <a:lstStyle/>
           <a:p>
-            <a:endParaRPr lang="da-DK" dirty="0" smtClean="0"/>
-          </a:p>
-          <a:p>
-            <a:endParaRPr lang="da-DK" dirty="0"/>
-          </a:p>
-          <a:p>
-            <a:endParaRPr lang="da-DK" dirty="0" smtClean="0"/>
-          </a:p>
-        </p:txBody>
-      </p:sp>
-      <p:pic>
-        <p:nvPicPr>
-          <p:cNvPr id="4" name="Picture 2" descr="C:\Users\RASMUSKL\Desktop\My Dropbox\Presentations\ReSharper 5 - ANUG VS Launch\Content\ReSharper_15.png"/>
-          <p:cNvPicPr>
-            <a:picLocks noChangeAspect="1" noChangeArrowheads="1"/>
-          </p:cNvPicPr>
-          <p:nvPr/>
-        </p:nvPicPr>
-        <p:blipFill>
-          <a:blip r:embed="rId2" cstate="print"/>
-          <a:srcRect/>
-          <a:stretch>
-            <a:fillRect/>
-          </a:stretch>
-        </p:blipFill>
-        <p:spPr bwMode="auto">
-          <a:xfrm>
-            <a:off x="3276600" y="2667000"/>
-            <a:ext cx="2647944" cy="2173041"/>
-          </a:xfrm>
-          <a:prstGeom prst="rect">
-            <a:avLst/>
-          </a:prstGeom>
-          <a:noFill/>
-        </p:spPr>
-      </p:pic>
-    </p:spTree>
-    <p:extLst>
-      <p:ext uri="{BB962C8B-B14F-4D97-AF65-F5344CB8AC3E}">
-        <p14:creationId xmlns:p14="http://schemas.microsoft.com/office/powerpoint/2010/main" val="3694097885"/>
-      </p:ext>
-    </p:extLst>
-  </p:cSld>
-  <p:clrMapOvr>
-    <a:masterClrMapping/>
-  </p:clrMapOvr>
-</p:sld>
-</file>
-
-<file path=ppt/slides/slide12.xml><?xml version="1.0" encoding="utf-8"?>
-<p:sld xmlns:a="http://schemas.openxmlformats.org/drawingml/2006/main" xmlns:r="http://schemas.openxmlformats.org/officeDocument/2006/relationships" xmlns:p="http://schemas.openxmlformats.org/presentationml/2006/main">
-  <p:cSld>
-    <p:spTree>
-      <p:nvGrpSpPr>
-        <p:cNvPr id="1" name=""/>
-        <p:cNvGrpSpPr/>
-        <p:nvPr/>
-      </p:nvGrpSpPr>
-      <p:grpSpPr>
-        <a:xfrm>
-          <a:off x="0" y="0"/>
-          <a:ext cx="0" cy="0"/>
-          <a:chOff x="0" y="0"/>
-          <a:chExt cx="0" cy="0"/>
-        </a:xfrm>
-      </p:grpSpPr>
-      <p:sp>
-        <p:nvSpPr>
-          <p:cNvPr id="2" name="Title 1"/>
-          <p:cNvSpPr>
-            <a:spLocks noGrp="1"/>
-          </p:cNvSpPr>
-          <p:nvPr>
-            <p:ph type="title"/>
-          </p:nvPr>
-        </p:nvSpPr>
-        <p:spPr/>
-        <p:txBody>
-          <a:bodyPr/>
-          <a:lstStyle/>
-          <a:p>
-            <a:r>
-              <a:rPr lang="da-DK" dirty="0" smtClean="0"/>
-              <a:t>ReSharper - What?</a:t>
-            </a:r>
-            <a:endParaRPr lang="da-DK" dirty="0"/>
-          </a:p>
-        </p:txBody>
-      </p:sp>
-      <p:sp>
-        <p:nvSpPr>
-          <p:cNvPr id="3" name="Content Placeholder 2"/>
-          <p:cNvSpPr>
-            <a:spLocks noGrp="1"/>
-          </p:cNvSpPr>
-          <p:nvPr>
-            <p:ph idx="1"/>
-          </p:nvPr>
-        </p:nvSpPr>
-        <p:spPr/>
-        <p:txBody>
-          <a:bodyPr/>
-          <a:lstStyle/>
-          <a:p>
             <a:r>
               <a:rPr lang="da-DK" dirty="0" smtClean="0"/>
               <a:t>Visual Studio </a:t>
@@ -5012,7 +4884,6 @@
               <a:rPr lang="da-DK" dirty="0" smtClean="0"/>
               <a:t>...</a:t>
             </a:r>
-            <a:endParaRPr lang="da-DK" dirty="0" smtClean="0"/>
           </a:p>
           <a:p>
             <a:endParaRPr lang="da-DK" dirty="0"/>
@@ -5068,7 +4939,7 @@
 </p:sld>
 </file>
 
-<file path=ppt/slides/slide13.xml><?xml version="1.0" encoding="utf-8"?>
+<file path=ppt/slides/slide12.xml><?xml version="1.0" encoding="utf-8"?>
 <p:sld xmlns:a="http://schemas.openxmlformats.org/drawingml/2006/main" xmlns:r="http://schemas.openxmlformats.org/officeDocument/2006/relationships" xmlns:p="http://schemas.openxmlformats.org/presentationml/2006/main">
   <p:cSld>
     <p:spTree>
@@ -5229,6 +5100,88 @@
 </p:sld>
 </file>
 
+<file path=ppt/slides/slide13.xml><?xml version="1.0" encoding="utf-8"?>
+<p:sld xmlns:a="http://schemas.openxmlformats.org/drawingml/2006/main" xmlns:r="http://schemas.openxmlformats.org/officeDocument/2006/relationships" xmlns:p="http://schemas.openxmlformats.org/presentationml/2006/main">
+  <p:cSld>
+    <p:spTree>
+      <p:nvGrpSpPr>
+        <p:cNvPr id="1" name=""/>
+        <p:cNvGrpSpPr/>
+        <p:nvPr/>
+      </p:nvGrpSpPr>
+      <p:grpSpPr>
+        <a:xfrm>
+          <a:off x="0" y="0"/>
+          <a:ext cx="0" cy="0"/>
+          <a:chOff x="0" y="0"/>
+          <a:chExt cx="0" cy="0"/>
+        </a:xfrm>
+      </p:grpSpPr>
+      <p:sp>
+        <p:nvSpPr>
+          <p:cNvPr id="2" name="Title 1"/>
+          <p:cNvSpPr>
+            <a:spLocks noGrp="1"/>
+          </p:cNvSpPr>
+          <p:nvPr>
+            <p:ph type="title"/>
+          </p:nvPr>
+        </p:nvSpPr>
+        <p:spPr/>
+        <p:txBody>
+          <a:bodyPr/>
+          <a:lstStyle/>
+          <a:p>
+            <a:r>
+              <a:rPr lang="da-DK" dirty="0" smtClean="0"/>
+              <a:t>Developer Time</a:t>
+            </a:r>
+            <a:endParaRPr lang="da-DK" dirty="0"/>
+          </a:p>
+        </p:txBody>
+      </p:sp>
+      <p:graphicFrame>
+        <p:nvGraphicFramePr>
+          <p:cNvPr id="4" name="Chart 3"/>
+          <p:cNvGraphicFramePr/>
+          <p:nvPr>
+            <p:extLst>
+              <p:ext uri="{D42A27DB-BD31-4B8C-83A1-F6EECF244321}">
+                <p14:modId xmlns:p14="http://schemas.microsoft.com/office/powerpoint/2010/main" val="228964426"/>
+              </p:ext>
+            </p:extLst>
+          </p:nvPr>
+        </p:nvGraphicFramePr>
+        <p:xfrm>
+          <a:off x="0" y="1905000"/>
+          <a:ext cx="9144000" cy="4064000"/>
+        </p:xfrm>
+        <a:graphic>
+          <a:graphicData uri="http://schemas.openxmlformats.org/drawingml/2006/chart">
+            <c:chart xmlns:c="http://schemas.openxmlformats.org/drawingml/2006/chart" xmlns:r="http://schemas.openxmlformats.org/officeDocument/2006/relationships" r:id="rId2"/>
+          </a:graphicData>
+        </a:graphic>
+      </p:graphicFrame>
+    </p:spTree>
+    <p:extLst>
+      <p:ext uri="{BB962C8B-B14F-4D97-AF65-F5344CB8AC3E}">
+        <p14:creationId xmlns:p14="http://schemas.microsoft.com/office/powerpoint/2010/main" val="3764213864"/>
+      </p:ext>
+    </p:extLst>
+  </p:cSld>
+  <p:clrMapOvr>
+    <a:masterClrMapping/>
+  </p:clrMapOvr>
+  <p:timing>
+    <p:tnLst>
+      <p:par>
+        <p:cTn id="1" dur="indefinite" restart="never" nodeType="tmRoot"/>
+      </p:par>
+    </p:tnLst>
+  </p:timing>
+</p:sld>
+</file>
+
 <file path=ppt/slides/slide14.xml><?xml version="1.0" encoding="utf-8"?>
 <p:sld xmlns:a="http://schemas.openxmlformats.org/drawingml/2006/main" xmlns:r="http://schemas.openxmlformats.org/officeDocument/2006/relationships" xmlns:p="http://schemas.openxmlformats.org/presentationml/2006/main">
   <p:cSld>
@@ -5276,7 +5229,7 @@
           <p:nvPr>
             <p:extLst>
               <p:ext uri="{D42A27DB-BD31-4B8C-83A1-F6EECF244321}">
-                <p14:modId xmlns:p14="http://schemas.microsoft.com/office/powerpoint/2010/main" val="228964426"/>
+                <p14:modId xmlns:p14="http://schemas.microsoft.com/office/powerpoint/2010/main" val="2320101748"/>
               </p:ext>
             </p:extLst>
           </p:nvPr>
@@ -5294,7 +5247,7 @@
     </p:spTree>
     <p:extLst>
       <p:ext uri="{BB962C8B-B14F-4D97-AF65-F5344CB8AC3E}">
-        <p14:creationId xmlns:p14="http://schemas.microsoft.com/office/powerpoint/2010/main" val="3764213864"/>
+        <p14:creationId xmlns:p14="http://schemas.microsoft.com/office/powerpoint/2010/main" val="996800918"/>
       </p:ext>
     </p:extLst>
   </p:cSld>
@@ -5358,7 +5311,7 @@
           <p:nvPr>
             <p:extLst>
               <p:ext uri="{D42A27DB-BD31-4B8C-83A1-F6EECF244321}">
-                <p14:modId xmlns:p14="http://schemas.microsoft.com/office/powerpoint/2010/main" val="2320101748"/>
+                <p14:modId xmlns:p14="http://schemas.microsoft.com/office/powerpoint/2010/main" val="896780294"/>
               </p:ext>
             </p:extLst>
           </p:nvPr>
@@ -5376,7 +5329,7 @@
     </p:spTree>
     <p:extLst>
       <p:ext uri="{BB962C8B-B14F-4D97-AF65-F5344CB8AC3E}">
-        <p14:creationId xmlns:p14="http://schemas.microsoft.com/office/powerpoint/2010/main" val="996800918"/>
+        <p14:creationId xmlns:p14="http://schemas.microsoft.com/office/powerpoint/2010/main" val="12642191"/>
       </p:ext>
     </p:extLst>
   </p:cSld>
@@ -5440,7 +5393,7 @@
           <p:nvPr>
             <p:extLst>
               <p:ext uri="{D42A27DB-BD31-4B8C-83A1-F6EECF244321}">
-                <p14:modId xmlns:p14="http://schemas.microsoft.com/office/powerpoint/2010/main" val="896780294"/>
+                <p14:modId xmlns:p14="http://schemas.microsoft.com/office/powerpoint/2010/main" val="4222226759"/>
               </p:ext>
             </p:extLst>
           </p:nvPr>
@@ -5458,7 +5411,7 @@
     </p:spTree>
     <p:extLst>
       <p:ext uri="{BB962C8B-B14F-4D97-AF65-F5344CB8AC3E}">
-        <p14:creationId xmlns:p14="http://schemas.microsoft.com/office/powerpoint/2010/main" val="12642191"/>
+        <p14:creationId xmlns:p14="http://schemas.microsoft.com/office/powerpoint/2010/main" val="4222572546"/>
       </p:ext>
     </p:extLst>
   </p:cSld>
@@ -5522,7 +5475,7 @@
           <p:nvPr>
             <p:extLst>
               <p:ext uri="{D42A27DB-BD31-4B8C-83A1-F6EECF244321}">
-                <p14:modId xmlns:p14="http://schemas.microsoft.com/office/powerpoint/2010/main" val="4222226759"/>
+                <p14:modId xmlns:p14="http://schemas.microsoft.com/office/powerpoint/2010/main" val="443036598"/>
               </p:ext>
             </p:extLst>
           </p:nvPr>
@@ -5540,7 +5493,7 @@
     </p:spTree>
     <p:extLst>
       <p:ext uri="{BB962C8B-B14F-4D97-AF65-F5344CB8AC3E}">
-        <p14:creationId xmlns:p14="http://schemas.microsoft.com/office/powerpoint/2010/main" val="4222572546"/>
+        <p14:creationId xmlns:p14="http://schemas.microsoft.com/office/powerpoint/2010/main" val="355807101"/>
       </p:ext>
     </p:extLst>
   </p:cSld>
@@ -5604,7 +5557,7 @@
           <p:nvPr>
             <p:extLst>
               <p:ext uri="{D42A27DB-BD31-4B8C-83A1-F6EECF244321}">
-                <p14:modId xmlns:p14="http://schemas.microsoft.com/office/powerpoint/2010/main" val="443036598"/>
+                <p14:modId xmlns:p14="http://schemas.microsoft.com/office/powerpoint/2010/main" val="728387088"/>
               </p:ext>
             </p:extLst>
           </p:nvPr>
@@ -5622,7 +5575,7 @@
     </p:spTree>
     <p:extLst>
       <p:ext uri="{BB962C8B-B14F-4D97-AF65-F5344CB8AC3E}">
-        <p14:creationId xmlns:p14="http://schemas.microsoft.com/office/powerpoint/2010/main" val="355807101"/>
+        <p14:creationId xmlns:p14="http://schemas.microsoft.com/office/powerpoint/2010/main" val="3238537544"/>
       </p:ext>
     </p:extLst>
   </p:cSld>
@@ -5668,43 +5621,97 @@
         </p:nvSpPr>
         <p:spPr/>
         <p:txBody>
-          <a:bodyPr/>
+          <a:bodyPr>
+            <a:normAutofit/>
+          </a:bodyPr>
           <a:lstStyle/>
           <a:p>
             <a:r>
               <a:rPr lang="da-DK" dirty="0" smtClean="0"/>
-              <a:t>Developer Time</a:t>
+              <a:t>ReSharper – How?</a:t>
             </a:r>
             <a:endParaRPr lang="da-DK" dirty="0"/>
           </a:p>
         </p:txBody>
       </p:sp>
-      <p:graphicFrame>
-        <p:nvGraphicFramePr>
-          <p:cNvPr id="4" name="Chart 3"/>
-          <p:cNvGraphicFramePr/>
-          <p:nvPr>
-            <p:extLst>
-              <p:ext uri="{D42A27DB-BD31-4B8C-83A1-F6EECF244321}">
-                <p14:modId xmlns:p14="http://schemas.microsoft.com/office/powerpoint/2010/main" val="728387088"/>
-              </p:ext>
-            </p:extLst>
-          </p:nvPr>
-        </p:nvGraphicFramePr>
-        <p:xfrm>
-          <a:off x="0" y="1905000"/>
-          <a:ext cx="9144000" cy="4064000"/>
-        </p:xfrm>
-        <a:graphic>
-          <a:graphicData uri="http://schemas.openxmlformats.org/drawingml/2006/chart">
-            <c:chart xmlns:c="http://schemas.openxmlformats.org/drawingml/2006/chart" xmlns:r="http://schemas.openxmlformats.org/officeDocument/2006/relationships" r:id="rId2"/>
-          </a:graphicData>
-        </a:graphic>
-      </p:graphicFrame>
+      <p:sp>
+        <p:nvSpPr>
+          <p:cNvPr id="3" name="Content Placeholder 2"/>
+          <p:cNvSpPr>
+            <a:spLocks noGrp="1"/>
+          </p:cNvSpPr>
+          <p:nvPr>
+            <p:ph idx="1"/>
+          </p:nvPr>
+        </p:nvSpPr>
+        <p:spPr/>
+        <p:txBody>
+          <a:bodyPr>
+            <a:normAutofit/>
+          </a:bodyPr>
+          <a:lstStyle/>
+          <a:p>
+            <a:r>
+              <a:rPr lang="da-DK" dirty="0" smtClean="0"/>
+              <a:t>Pick Keyboard Scheme</a:t>
+            </a:r>
+          </a:p>
+          <a:p>
+            <a:pPr lvl="1"/>
+            <a:r>
+              <a:rPr lang="da-DK" b="1" dirty="0" smtClean="0"/>
+              <a:t>Visual Studio</a:t>
+            </a:r>
+          </a:p>
+          <a:p>
+            <a:pPr lvl="1"/>
+            <a:r>
+              <a:rPr lang="da-DK" dirty="0" smtClean="0"/>
+              <a:t>IDEA / IntelliJ</a:t>
+            </a:r>
+          </a:p>
+          <a:p>
+            <a:pPr lvl="1"/>
+            <a:endParaRPr lang="da-DK" dirty="0" smtClean="0"/>
+          </a:p>
+          <a:p>
+            <a:r>
+              <a:rPr lang="da-DK" dirty="0"/>
+              <a:t>Take this course </a:t>
+            </a:r>
+            <a:r>
+              <a:rPr lang="da-DK" dirty="0">
+                <a:sym typeface="Wingdings" pitchFamily="2" charset="2"/>
+              </a:rPr>
+              <a:t></a:t>
+            </a:r>
+            <a:endParaRPr lang="da-DK" dirty="0"/>
+          </a:p>
+          <a:p>
+            <a:endParaRPr lang="da-DK" dirty="0" smtClean="0"/>
+          </a:p>
+          <a:p>
+            <a:r>
+              <a:rPr lang="da-DK" dirty="0" smtClean="0"/>
+              <a:t>Use cheat sheet</a:t>
+            </a:r>
+          </a:p>
+          <a:p>
+            <a:r>
+              <a:rPr lang="da-DK" dirty="0" smtClean="0"/>
+              <a:t>Learn a new shortcut / day / week</a:t>
+            </a:r>
+          </a:p>
+          <a:p>
+            <a:pPr lvl="1"/>
+            <a:endParaRPr lang="da-DK" dirty="0"/>
+          </a:p>
+        </p:txBody>
+      </p:sp>
     </p:spTree>
     <p:extLst>
       <p:ext uri="{BB962C8B-B14F-4D97-AF65-F5344CB8AC3E}">
-        <p14:creationId xmlns:p14="http://schemas.microsoft.com/office/powerpoint/2010/main" val="3238537544"/>
+        <p14:creationId xmlns:p14="http://schemas.microsoft.com/office/powerpoint/2010/main" val="1149839373"/>
       </p:ext>
     </p:extLst>
   </p:cSld>
@@ -5906,184 +5913,43 @@
         </p:nvSpPr>
         <p:spPr/>
         <p:txBody>
+          <a:bodyPr/>
+          <a:lstStyle/>
+          <a:p>
+            <a:r>
+              <a:rPr lang="da-DK" dirty="0" smtClean="0"/>
+              <a:t>Rest of the day</a:t>
+            </a:r>
+            <a:endParaRPr lang="da-DK" dirty="0"/>
+          </a:p>
+        </p:txBody>
+      </p:sp>
+      <p:sp>
+        <p:nvSpPr>
+          <p:cNvPr id="3" name="Content Placeholder 2"/>
+          <p:cNvSpPr>
+            <a:spLocks noGrp="1"/>
+          </p:cNvSpPr>
+          <p:nvPr>
+            <p:ph idx="1"/>
+          </p:nvPr>
+        </p:nvSpPr>
+        <p:spPr/>
+        <p:txBody>
           <a:bodyPr>
-            <a:normAutofit/>
+            <a:normAutofit fontScale="92500" lnSpcReduction="10000"/>
           </a:bodyPr>
           <a:lstStyle/>
           <a:p>
             <a:r>
               <a:rPr lang="da-DK" dirty="0" smtClean="0"/>
-              <a:t>ReSharper </a:t>
-            </a:r>
-            <a:r>
-              <a:rPr lang="da-DK" dirty="0" smtClean="0"/>
-              <a:t>– How?</a:t>
-            </a:r>
-            <a:endParaRPr lang="da-DK" dirty="0"/>
-          </a:p>
-        </p:txBody>
-      </p:sp>
-      <p:sp>
-        <p:nvSpPr>
-          <p:cNvPr id="3" name="Content Placeholder 2"/>
-          <p:cNvSpPr>
-            <a:spLocks noGrp="1"/>
-          </p:cNvSpPr>
-          <p:nvPr>
-            <p:ph idx="1"/>
-          </p:nvPr>
-        </p:nvSpPr>
-        <p:spPr/>
-        <p:txBody>
-          <a:bodyPr>
-            <a:normAutofit/>
-          </a:bodyPr>
-          <a:lstStyle/>
-          <a:p>
-            <a:r>
-              <a:rPr lang="da-DK" dirty="0" smtClean="0"/>
-              <a:t>Pick Keyboard Scheme</a:t>
-            </a:r>
-            <a:endParaRPr lang="da-DK" dirty="0" smtClean="0"/>
-          </a:p>
-          <a:p>
-            <a:pPr lvl="1"/>
-            <a:r>
-              <a:rPr lang="da-DK" b="1" dirty="0" smtClean="0"/>
-              <a:t>Visual </a:t>
-            </a:r>
-            <a:r>
-              <a:rPr lang="da-DK" b="1" dirty="0" smtClean="0"/>
-              <a:t>Studio</a:t>
-            </a:r>
-          </a:p>
-          <a:p>
-            <a:pPr lvl="1"/>
-            <a:r>
-              <a:rPr lang="da-DK" dirty="0" smtClean="0"/>
-              <a:t>IDEA / </a:t>
-            </a:r>
-            <a:r>
-              <a:rPr lang="da-DK" dirty="0" smtClean="0"/>
-              <a:t>IntelliJ</a:t>
-            </a:r>
-          </a:p>
-          <a:p>
-            <a:pPr lvl="1"/>
-            <a:endParaRPr lang="da-DK" dirty="0" smtClean="0"/>
-          </a:p>
-          <a:p>
-            <a:r>
-              <a:rPr lang="da-DK" dirty="0"/>
-              <a:t>Take this course </a:t>
-            </a:r>
-            <a:r>
-              <a:rPr lang="da-DK" dirty="0">
-                <a:sym typeface="Wingdings" pitchFamily="2" charset="2"/>
-              </a:rPr>
-              <a:t></a:t>
-            </a:r>
-            <a:endParaRPr lang="da-DK" dirty="0"/>
-          </a:p>
-          <a:p>
-            <a:endParaRPr lang="da-DK" dirty="0" smtClean="0"/>
-          </a:p>
-          <a:p>
-            <a:r>
-              <a:rPr lang="da-DK" dirty="0" smtClean="0"/>
-              <a:t>Use cheat sheet</a:t>
-            </a:r>
-          </a:p>
-          <a:p>
-            <a:r>
-              <a:rPr lang="da-DK" dirty="0" smtClean="0"/>
-              <a:t>Learn a new shortcut / day / week</a:t>
-            </a:r>
-            <a:endParaRPr lang="da-DK" dirty="0" smtClean="0"/>
-          </a:p>
-          <a:p>
-            <a:pPr lvl="1"/>
-            <a:endParaRPr lang="da-DK" dirty="0"/>
-          </a:p>
-        </p:txBody>
-      </p:sp>
-    </p:spTree>
-    <p:extLst>
-      <p:ext uri="{BB962C8B-B14F-4D97-AF65-F5344CB8AC3E}">
-        <p14:creationId xmlns:p14="http://schemas.microsoft.com/office/powerpoint/2010/main" val="1149839373"/>
-      </p:ext>
-    </p:extLst>
-  </p:cSld>
-  <p:clrMapOvr>
-    <a:masterClrMapping/>
-  </p:clrMapOvr>
-  <p:timing>
-    <p:tnLst>
-      <p:par>
-        <p:cTn id="1" dur="indefinite" restart="never" nodeType="tmRoot"/>
-      </p:par>
-    </p:tnLst>
-  </p:timing>
-</p:sld>
-</file>
-
-<file path=ppt/slides/slide21.xml><?xml version="1.0" encoding="utf-8"?>
-<p:sld xmlns:a="http://schemas.openxmlformats.org/drawingml/2006/main" xmlns:r="http://schemas.openxmlformats.org/officeDocument/2006/relationships" xmlns:p="http://schemas.openxmlformats.org/presentationml/2006/main">
-  <p:cSld>
-    <p:spTree>
-      <p:nvGrpSpPr>
-        <p:cNvPr id="1" name=""/>
-        <p:cNvGrpSpPr/>
-        <p:nvPr/>
-      </p:nvGrpSpPr>
-      <p:grpSpPr>
-        <a:xfrm>
-          <a:off x="0" y="0"/>
-          <a:ext cx="0" cy="0"/>
-          <a:chOff x="0" y="0"/>
-          <a:chExt cx="0" cy="0"/>
-        </a:xfrm>
-      </p:grpSpPr>
-      <p:sp>
-        <p:nvSpPr>
-          <p:cNvPr id="2" name="Title 1"/>
-          <p:cNvSpPr>
-            <a:spLocks noGrp="1"/>
-          </p:cNvSpPr>
-          <p:nvPr>
-            <p:ph type="title"/>
-          </p:nvPr>
-        </p:nvSpPr>
-        <p:spPr/>
-        <p:txBody>
-          <a:bodyPr/>
-          <a:lstStyle/>
-          <a:p>
-            <a:r>
-              <a:rPr lang="da-DK" dirty="0" smtClean="0"/>
-              <a:t>Rest of the day</a:t>
-            </a:r>
-            <a:endParaRPr lang="da-DK" dirty="0"/>
-          </a:p>
-        </p:txBody>
-      </p:sp>
-      <p:sp>
-        <p:nvSpPr>
-          <p:cNvPr id="3" name="Content Placeholder 2"/>
-          <p:cNvSpPr>
-            <a:spLocks noGrp="1"/>
-          </p:cNvSpPr>
-          <p:nvPr>
-            <p:ph idx="1"/>
-          </p:nvPr>
-        </p:nvSpPr>
-        <p:spPr/>
-        <p:txBody>
-          <a:bodyPr>
-            <a:normAutofit lnSpcReduction="10000"/>
-          </a:bodyPr>
-          <a:lstStyle/>
-          <a:p>
+              <a:t>ReSharper Demo</a:t>
+            </a:r>
+          </a:p>
+          <a:p>
+            <a:pPr marL="0" indent="0">
+              <a:buNone/>
+            </a:pPr>
             <a:r>
               <a:rPr lang="da-DK" b="1" dirty="0" smtClean="0"/>
               <a:t>Break</a:t>
@@ -6092,7 +5958,44 @@
           <a:p>
             <a:r>
               <a:rPr lang="da-DK" dirty="0" smtClean="0"/>
+              <a:t>Reading </a:t>
+            </a:r>
+            <a:r>
+              <a:rPr lang="da-DK" dirty="0"/>
+              <a:t>code</a:t>
+            </a:r>
+          </a:p>
+          <a:p>
+            <a:pPr marL="0" indent="0">
+              <a:buNone/>
+            </a:pPr>
+            <a:r>
+              <a:rPr lang="da-DK" b="1" dirty="0" smtClean="0"/>
+              <a:t>Break</a:t>
+            </a:r>
+          </a:p>
+          <a:p>
+            <a:r>
+              <a:rPr lang="da-DK" dirty="0" smtClean="0"/>
               <a:t>Writing </a:t>
+            </a:r>
+            <a:r>
+              <a:rPr lang="da-DK" dirty="0"/>
+              <a:t>code</a:t>
+            </a:r>
+          </a:p>
+          <a:p>
+            <a:pPr lvl="1"/>
+            <a:r>
+              <a:rPr lang="da-DK" dirty="0"/>
+              <a:t>New code</a:t>
+            </a:r>
+          </a:p>
+          <a:p>
+            <a:pPr lvl="1"/>
+            <a:r>
+              <a:rPr lang="da-DK" dirty="0"/>
+              <a:t>Changing existing </a:t>
             </a:r>
             <a:r>
               <a:rPr lang="da-DK" dirty="0" smtClean="0"/>
@@ -6100,42 +6003,9 @@
             </a:r>
           </a:p>
           <a:p>
-            <a:pPr lvl="1"/>
-            <a:r>
-              <a:rPr lang="da-DK" dirty="0" smtClean="0"/>
-              <a:t>New code</a:t>
-            </a:r>
-            <a:endParaRPr lang="da-DK" dirty="0" smtClean="0"/>
-          </a:p>
-          <a:p>
-            <a:pPr lvl="1"/>
-            <a:r>
-              <a:rPr lang="da-DK" dirty="0" smtClean="0"/>
-              <a:t>Changing </a:t>
-            </a:r>
-            <a:r>
-              <a:rPr lang="da-DK" dirty="0" smtClean="0"/>
-              <a:t>existing code</a:t>
-            </a:r>
-          </a:p>
-          <a:p>
-            <a:r>
-              <a:rPr lang="da-DK" b="1" dirty="0" smtClean="0"/>
-              <a:t>Break</a:t>
-            </a:r>
-            <a:endParaRPr lang="da-DK" b="1" dirty="0" smtClean="0"/>
-          </a:p>
-          <a:p>
-            <a:r>
-              <a:rPr lang="da-DK" dirty="0"/>
-              <a:t>Reading </a:t>
-            </a:r>
-            <a:r>
-              <a:rPr lang="da-DK" dirty="0" smtClean="0"/>
-              <a:t>code</a:t>
-            </a:r>
-          </a:p>
-          <a:p>
+            <a:pPr marL="0" indent="0">
+              <a:buNone/>
+            </a:pPr>
             <a:r>
               <a:rPr lang="da-DK" b="1" dirty="0" smtClean="0"/>
               <a:t>Break</a:t>
@@ -6171,6 +6041,126 @@
 </p:sld>
 </file>
 
+<file path=ppt/slides/slide21.xml><?xml version="1.0" encoding="utf-8"?>
+<p:sld xmlns:a="http://schemas.openxmlformats.org/drawingml/2006/main" xmlns:r="http://schemas.openxmlformats.org/officeDocument/2006/relationships" xmlns:p="http://schemas.openxmlformats.org/presentationml/2006/main">
+  <p:cSld>
+    <p:bg>
+      <p:bgPr>
+        <a:solidFill>
+          <a:schemeClr val="tx1"/>
+        </a:solidFill>
+        <a:effectLst/>
+      </p:bgPr>
+    </p:bg>
+    <p:spTree>
+      <p:nvGrpSpPr>
+        <p:cNvPr id="1" name=""/>
+        <p:cNvGrpSpPr/>
+        <p:nvPr/>
+      </p:nvGrpSpPr>
+      <p:grpSpPr>
+        <a:xfrm>
+          <a:off x="0" y="0"/>
+          <a:ext cx="0" cy="0"/>
+          <a:chOff x="0" y="0"/>
+          <a:chExt cx="0" cy="0"/>
+        </a:xfrm>
+      </p:grpSpPr>
+      <p:sp>
+        <p:nvSpPr>
+          <p:cNvPr id="2" name="Title 1"/>
+          <p:cNvSpPr>
+            <a:spLocks noGrp="1"/>
+          </p:cNvSpPr>
+          <p:nvPr>
+            <p:ph type="title"/>
+          </p:nvPr>
+        </p:nvSpPr>
+        <p:spPr/>
+        <p:txBody>
+          <a:bodyPr/>
+          <a:lstStyle/>
+          <a:p>
+            <a:r>
+              <a:rPr lang="da-DK" dirty="0" smtClean="0">
+                <a:solidFill>
+                  <a:schemeClr val="bg1"/>
+                </a:solidFill>
+              </a:rPr>
+              <a:t>Demo</a:t>
+            </a:r>
+            <a:endParaRPr lang="da-DK" dirty="0">
+              <a:solidFill>
+                <a:schemeClr val="bg1"/>
+              </a:solidFill>
+            </a:endParaRPr>
+          </a:p>
+        </p:txBody>
+      </p:sp>
+      <p:sp>
+        <p:nvSpPr>
+          <p:cNvPr id="3" name="Content Placeholder 2"/>
+          <p:cNvSpPr>
+            <a:spLocks noGrp="1"/>
+          </p:cNvSpPr>
+          <p:nvPr>
+            <p:ph idx="1"/>
+          </p:nvPr>
+        </p:nvSpPr>
+        <p:spPr/>
+        <p:txBody>
+          <a:bodyPr/>
+          <a:lstStyle/>
+          <a:p>
+            <a:endParaRPr lang="da-DK" dirty="0" smtClean="0"/>
+          </a:p>
+          <a:p>
+            <a:endParaRPr lang="da-DK" dirty="0"/>
+          </a:p>
+          <a:p>
+            <a:endParaRPr lang="da-DK" dirty="0" smtClean="0"/>
+          </a:p>
+        </p:txBody>
+      </p:sp>
+      <p:pic>
+        <p:nvPicPr>
+          <p:cNvPr id="4" name="Picture 2" descr="C:\Users\RASMUSKL\Desktop\My Dropbox\Presentations\ReSharper 5 - ANUG VS Launch\Content\ReSharper_15.png"/>
+          <p:cNvPicPr>
+            <a:picLocks noChangeAspect="1" noChangeArrowheads="1"/>
+          </p:cNvPicPr>
+          <p:nvPr/>
+        </p:nvPicPr>
+        <p:blipFill>
+          <a:blip r:embed="rId2" cstate="print"/>
+          <a:srcRect/>
+          <a:stretch>
+            <a:fillRect/>
+          </a:stretch>
+        </p:blipFill>
+        <p:spPr bwMode="auto">
+          <a:xfrm>
+            <a:off x="3276600" y="2667000"/>
+            <a:ext cx="2647944" cy="2173041"/>
+          </a:xfrm>
+          <a:prstGeom prst="rect">
+            <a:avLst/>
+          </a:prstGeom>
+          <a:noFill/>
+        </p:spPr>
+      </p:pic>
+    </p:spTree>
+    <p:extLst>
+      <p:ext uri="{BB962C8B-B14F-4D97-AF65-F5344CB8AC3E}">
+        <p14:creationId xmlns:p14="http://schemas.microsoft.com/office/powerpoint/2010/main" val="2102622275"/>
+      </p:ext>
+    </p:extLst>
+  </p:cSld>
+  <p:clrMapOvr>
+    <a:masterClrMapping/>
+  </p:clrMapOvr>
+</p:sld>
+</file>
+
 <file path=ppt/slides/slide3.xml><?xml version="1.0" encoding="utf-8"?>
 <p:sld xmlns:a="http://schemas.openxmlformats.org/drawingml/2006/main" xmlns:r="http://schemas.openxmlformats.org/officeDocument/2006/relationships" xmlns:p="http://schemas.openxmlformats.org/presentationml/2006/main">
   <p:cSld>
@@ -6258,8 +6248,9 @@
             <a:pPr lvl="1"/>
             <a:r>
               <a:rPr lang="da-DK" dirty="0" smtClean="0"/>
-              <a:t>Jedi?</a:t>
-            </a:r>
+              <a:t>Expert?</a:t>
+            </a:r>
+            <a:endParaRPr lang="da-DK" dirty="0" smtClean="0"/>
           </a:p>
           <a:p>
             <a:pPr lvl="1"/>
@@ -6365,8 +6356,13 @@
           <a:p>
             <a:r>
               <a:rPr lang="da-DK" dirty="0" smtClean="0"/>
-              <a:t>Lots of hands-on</a:t>
-            </a:r>
+              <a:t>Lots of </a:t>
+            </a:r>
+            <a:r>
+              <a:rPr lang="da-DK" dirty="0" smtClean="0"/>
+              <a:t>exercises</a:t>
+            </a:r>
+            <a:endParaRPr lang="da-DK" dirty="0" smtClean="0"/>
           </a:p>
           <a:p>
             <a:endParaRPr lang="da-DK" dirty="0"/>
@@ -6381,10 +6377,10 @@
         </p:nvGrpSpPr>
         <p:grpSpPr>
           <a:xfrm>
-            <a:off x="3048000" y="3124199"/>
-            <a:ext cx="5486400" cy="3128865"/>
-            <a:chOff x="3200400" y="2738535"/>
-            <a:chExt cx="5486400" cy="3128865"/>
+            <a:off x="3276600" y="3200400"/>
+            <a:ext cx="5147850" cy="3265325"/>
+            <a:chOff x="3429000" y="2738535"/>
+            <a:chExt cx="5147850" cy="3265325"/>
           </a:xfrm>
         </p:grpSpPr>
         <p:sp>
@@ -6438,7 +6434,7 @@
           </p:nvSpPr>
           <p:spPr>
             <a:xfrm>
-              <a:off x="3200400" y="4495800"/>
+              <a:off x="6290850" y="4632260"/>
               <a:ext cx="2286000" cy="1371600"/>
             </a:xfrm>
             <a:prstGeom prst="ellipse">
@@ -6468,7 +6464,7 @@
               <a:pPr algn="ctr"/>
               <a:r>
                 <a:rPr lang="da-DK" dirty="0" smtClean="0"/>
-                <a:t>Hands-on</a:t>
+                <a:t>Exercises</a:t>
               </a:r>
               <a:endParaRPr lang="da-DK" dirty="0"/>
             </a:p>
@@ -6482,7 +6478,7 @@
           </p:nvSpPr>
           <p:spPr>
             <a:xfrm>
-              <a:off x="6400800" y="4495800"/>
+              <a:off x="3429000" y="4631871"/>
               <a:ext cx="2286000" cy="1371600"/>
             </a:xfrm>
             <a:prstGeom prst="ellipse">
@@ -6522,15 +6518,15 @@
           <p:nvCxnSpPr>
             <p:cNvPr id="8" name="Straight Arrow Connector 7"/>
             <p:cNvCxnSpPr>
-              <a:stCxn id="4" idx="3"/>
+              <a:stCxn id="4" idx="5"/>
               <a:endCxn id="5" idx="0"/>
             </p:cNvCxnSpPr>
             <p:nvPr/>
           </p:nvCxnSpPr>
           <p:spPr>
-            <a:xfrm flipH="1">
-              <a:off x="4343400" y="3909269"/>
-              <a:ext cx="837571" cy="586531"/>
+            <a:xfrm>
+              <a:off x="6797417" y="3909269"/>
+              <a:ext cx="636433" cy="722991"/>
             </a:xfrm>
             <a:prstGeom prst="straightConnector1">
               <a:avLst/>
@@ -6561,15 +6557,15 @@
           <p:nvCxnSpPr>
             <p:cNvPr id="9" name="Straight Arrow Connector 8"/>
             <p:cNvCxnSpPr>
-              <a:stCxn id="5" idx="6"/>
-              <a:endCxn id="6" idx="2"/>
+              <a:stCxn id="5" idx="2"/>
+              <a:endCxn id="6" idx="6"/>
             </p:cNvCxnSpPr>
             <p:nvPr/>
           </p:nvCxnSpPr>
           <p:spPr>
-            <a:xfrm>
-              <a:off x="5486400" y="5181600"/>
-              <a:ext cx="914400" cy="0"/>
+            <a:xfrm flipH="1" flipV="1">
+              <a:off x="5715000" y="5317671"/>
+              <a:ext cx="575850" cy="389"/>
             </a:xfrm>
             <a:prstGeom prst="straightConnector1">
               <a:avLst/>
@@ -6601,14 +6597,14 @@
             <p:cNvPr id="12" name="Straight Arrow Connector 11"/>
             <p:cNvCxnSpPr>
               <a:stCxn id="6" idx="0"/>
-              <a:endCxn id="4" idx="5"/>
+              <a:endCxn id="4" idx="3"/>
             </p:cNvCxnSpPr>
             <p:nvPr/>
           </p:nvCxnSpPr>
           <p:spPr>
-            <a:xfrm flipH="1" flipV="1">
-              <a:off x="6797417" y="3909269"/>
-              <a:ext cx="746383" cy="586531"/>
+            <a:xfrm flipV="1">
+              <a:off x="4572000" y="3909269"/>
+              <a:ext cx="608971" cy="722602"/>
             </a:xfrm>
             <a:prstGeom prst="straightConnector1">
               <a:avLst/>
@@ -6731,8 +6727,13 @@
             <a:pPr lvl="1"/>
             <a:r>
               <a:rPr lang="da-DK" dirty="0" smtClean="0"/>
-              <a:t>Solves the problem</a:t>
-            </a:r>
+              <a:t>Solves the </a:t>
+            </a:r>
+            <a:r>
+              <a:rPr lang="da-DK" dirty="0" smtClean="0"/>
+              <a:t>exercise</a:t>
+            </a:r>
+            <a:endParaRPr lang="da-DK" dirty="0" smtClean="0"/>
           </a:p>
           <a:p>
             <a:endParaRPr lang="da-DK" dirty="0" smtClean="0"/>
@@ -6747,20 +6748,20 @@
             <a:pPr lvl="1"/>
             <a:r>
               <a:rPr lang="da-DK" dirty="0" smtClean="0"/>
-              <a:t>Provides guidance and overview</a:t>
+              <a:t>Provides guidance and </a:t>
+            </a:r>
+            <a:r>
+              <a:rPr lang="da-DK" dirty="0" smtClean="0"/>
+              <a:t>overview</a:t>
             </a:r>
           </a:p>
           <a:p>
             <a:pPr lvl="1"/>
             <a:r>
-              <a:rPr lang="da-DK" dirty="0"/>
-              <a:t>Mouse </a:t>
-            </a:r>
-            <a:r>
               <a:rPr lang="da-DK" dirty="0" smtClean="0"/>
-              <a:t>Cop™</a:t>
-            </a:r>
-            <a:endParaRPr lang="da-DK" dirty="0"/>
+              <a:t>Shortcut helper</a:t>
+            </a:r>
+            <a:endParaRPr lang="da-DK" dirty="0" smtClean="0"/>
           </a:p>
           <a:p>
             <a:pPr lvl="1"/>
@@ -6826,7 +6827,7 @@
           <a:p>
             <a:r>
               <a:rPr lang="da-DK" dirty="0" smtClean="0"/>
-              <a:t>Why Keyboard?</a:t>
+              <a:t>Focus: More Keyboard</a:t>
             </a:r>
             <a:endParaRPr lang="da-DK" dirty="0"/>
           </a:p>
@@ -6876,7 +6877,7 @@
         </p:spPr>
         <p:txBody>
           <a:bodyPr vert="horz" lIns="91440" tIns="45720" rIns="91440" bIns="45720" rtlCol="0">
-            <a:normAutofit fontScale="92500" lnSpcReduction="10000"/>
+            <a:normAutofit lnSpcReduction="10000"/>
           </a:bodyPr>
           <a:lstStyle>
             <a:lvl1pPr marL="342900" indent="-342900" algn="l" defTabSz="914400" rtl="0" eaLnBrk="1" latinLnBrk="0" hangingPunct="1">
@@ -7025,15 +7026,6 @@
             </a:r>
           </a:p>
           <a:p>
-            <a:r>
-              <a:rPr lang="da-DK" dirty="0" smtClean="0"/>
-              <a:t>Health</a:t>
-            </a:r>
-          </a:p>
-          <a:p>
-            <a:endParaRPr lang="da-DK" dirty="0" smtClean="0"/>
-          </a:p>
-          <a:p>
             <a:endParaRPr lang="da-DK" b="1" dirty="0" smtClean="0"/>
           </a:p>
           <a:p>
@@ -7053,10 +7045,22 @@
             <a:endParaRPr lang="da-DK" dirty="0" smtClean="0"/>
           </a:p>
           <a:p>
+            <a:endParaRPr lang="da-DK" dirty="0" smtClean="0"/>
+          </a:p>
+          <a:p>
             <a:r>
               <a:rPr lang="da-DK" dirty="0" smtClean="0"/>
-              <a:t>Today: No deadlines. More keyboard! </a:t>
-            </a:r>
+              <a:t>Today: No deadlines. More </a:t>
+            </a:r>
+            <a:r>
+              <a:rPr lang="da-DK" dirty="0" smtClean="0"/>
+              <a:t>keyboard</a:t>
+            </a:r>
+            <a:r>
+              <a:rPr lang="da-DK" dirty="0"/>
+              <a:t>.</a:t>
+            </a:r>
+            <a:endParaRPr lang="da-DK" dirty="0" smtClean="0"/>
           </a:p>
           <a:p>
             <a:endParaRPr lang="da-DK" dirty="0" smtClean="0"/>
@@ -7494,7 +7498,15 @@
                   <a:schemeClr val="bg1"/>
                 </a:solidFill>
               </a:rPr>
-              <a:t>First Assignment</a:t>
+              <a:t>First </a:t>
+            </a:r>
+            <a:r>
+              <a:rPr lang="da-DK" dirty="0" smtClean="0">
+                <a:solidFill>
+                  <a:schemeClr val="bg1"/>
+                </a:solidFill>
+              </a:rPr>
+              <a:t>Excercise</a:t>
             </a:r>
             <a:endParaRPr lang="da-DK" dirty="0">
               <a:solidFill>
@@ -7527,8 +7539,13 @@
                   <a:schemeClr val="bg1"/>
                 </a:solidFill>
               </a:rPr>
-              <a:t>Assignments:</a:t>
-            </a:r>
+              <a:t>Exercises:</a:t>
+            </a:r>
+            <a:endParaRPr lang="da-DK" dirty="0" smtClean="0">
+              <a:solidFill>
+                <a:schemeClr val="bg1"/>
+              </a:solidFill>
+            </a:endParaRPr>
           </a:p>
           <a:p>
             <a:pPr lvl="1"/>
@@ -7560,7 +7577,23 @@
                   <a:schemeClr val="bg1"/>
                 </a:solidFill>
               </a:rPr>
-              <a:t>Solve assignment as you normally would</a:t>
+              <a:t>Solve </a:t>
+            </a:r>
+            <a:r>
+              <a:rPr lang="da-DK" dirty="0" smtClean="0">
+                <a:solidFill>
+                  <a:schemeClr val="bg1"/>
+                </a:solidFill>
+              </a:rPr>
+              <a:t>exercise as </a:t>
+            </a:r>
+            <a:r>
+              <a:rPr lang="da-DK" dirty="0" smtClean="0">
+                <a:solidFill>
+                  <a:schemeClr val="bg1"/>
+                </a:solidFill>
+              </a:rPr>
+              <a:t>you normally would</a:t>
             </a:r>
           </a:p>
           <a:p>
@@ -7594,15 +7627,7 @@
                   <a:schemeClr val="bg1"/>
                 </a:solidFill>
               </a:rPr>
-              <a:t>Navigator times </a:t>
-            </a:r>
-            <a:r>
-              <a:rPr lang="da-DK" dirty="0" smtClean="0">
-                <a:solidFill>
-                  <a:schemeClr val="bg1"/>
-                </a:solidFill>
-              </a:rPr>
-              <a:t>it</a:t>
+              <a:t>Navigator times it</a:t>
             </a:r>
             <a:endParaRPr lang="da-DK" dirty="0">
               <a:solidFill>

--- a/Presentations/1 - Introduction - ReSharper Course.pptx
+++ b/Presentations/1 - Introduction - ReSharper Course.pptx
@@ -20,13 +20,13 @@
     <p:sldId id="276" r:id="rId11"/>
     <p:sldId id="267" r:id="rId12"/>
     <p:sldId id="266" r:id="rId13"/>
-    <p:sldId id="280" r:id="rId14"/>
-    <p:sldId id="281" r:id="rId15"/>
-    <p:sldId id="282" r:id="rId16"/>
-    <p:sldId id="283" r:id="rId17"/>
-    <p:sldId id="284" r:id="rId18"/>
-    <p:sldId id="285" r:id="rId19"/>
-    <p:sldId id="269" r:id="rId20"/>
+    <p:sldId id="269" r:id="rId14"/>
+    <p:sldId id="280" r:id="rId15"/>
+    <p:sldId id="281" r:id="rId16"/>
+    <p:sldId id="282" r:id="rId17"/>
+    <p:sldId id="283" r:id="rId18"/>
+    <p:sldId id="284" r:id="rId19"/>
+    <p:sldId id="285" r:id="rId20"/>
     <p:sldId id="264" r:id="rId21"/>
     <p:sldId id="286" r:id="rId22"/>
   </p:sldIdLst>
@@ -156,13 +156,13 @@
           <p14:sldIdLst>
             <p14:sldId id="267"/>
             <p14:sldId id="266"/>
+            <p14:sldId id="269"/>
             <p14:sldId id="280"/>
             <p14:sldId id="281"/>
             <p14:sldId id="282"/>
             <p14:sldId id="283"/>
             <p14:sldId id="284"/>
             <p14:sldId id="285"/>
-            <p14:sldId id="269"/>
           </p14:sldIdLst>
         </p14:section>
         <p14:section name="Agenda" id="{52521F17-2C58-47AD-BC70-5EA618F03BA1}">
@@ -321,11 +321,11 @@
         </c:dLbls>
         <c:marker val="1"/>
         <c:smooth val="0"/>
-        <c:axId val="42278912"/>
-        <c:axId val="42280448"/>
+        <c:axId val="5185536"/>
+        <c:axId val="5187072"/>
       </c:lineChart>
       <c:catAx>
-        <c:axId val="42278912"/>
+        <c:axId val="5185536"/>
         <c:scaling>
           <c:orientation val="minMax"/>
         </c:scaling>
@@ -335,7 +335,7 @@
         <c:majorTickMark val="out"/>
         <c:minorTickMark val="none"/>
         <c:tickLblPos val="nextTo"/>
-        <c:crossAx val="42280448"/>
+        <c:crossAx val="5187072"/>
         <c:crosses val="autoZero"/>
         <c:auto val="1"/>
         <c:lblAlgn val="ctr"/>
@@ -343,7 +343,7 @@
         <c:noMultiLvlLbl val="0"/>
       </c:catAx>
       <c:valAx>
-        <c:axId val="42280448"/>
+        <c:axId val="5187072"/>
         <c:scaling>
           <c:orientation val="minMax"/>
         </c:scaling>
@@ -354,7 +354,7 @@
         <c:majorTickMark val="out"/>
         <c:minorTickMark val="none"/>
         <c:tickLblPos val="none"/>
-        <c:crossAx val="42278912"/>
+        <c:crossAx val="5185536"/>
         <c:crosses val="autoZero"/>
         <c:crossBetween val="between"/>
       </c:valAx>
@@ -1202,7 +1202,7 @@
             <a:fld id="{25D31F56-D80D-4507-AC0F-AB5E545C4181}" type="datetimeFigureOut">
               <a:rPr lang="da-DK" smtClean="0"/>
               <a:pPr/>
-              <a:t>20-05-2012</a:t>
+              <a:t>21-05-2012</a:t>
             </a:fld>
             <a:endParaRPr lang="da-DK"/>
           </a:p>
@@ -1564,7 +1564,7 @@
             <a:fld id="{2E43D8CB-A428-4652-9379-FEB5A48D221E}" type="slidenum">
               <a:rPr lang="da-DK" smtClean="0"/>
               <a:pPr/>
-              <a:t>19</a:t>
+              <a:t>13</a:t>
             </a:fld>
             <a:endParaRPr lang="da-DK"/>
           </a:p>
@@ -1765,7 +1765,7 @@
             <a:fld id="{1D8BD707-D9CF-40AE-B4C6-C98DA3205C09}" type="datetimeFigureOut">
               <a:rPr lang="en-US" smtClean="0"/>
               <a:pPr/>
-              <a:t>5/20/2012</a:t>
+              <a:t>5/21/2012</a:t>
             </a:fld>
             <a:endParaRPr lang="en-US"/>
           </a:p>
@@ -1932,7 +1932,7 @@
             <a:fld id="{1D8BD707-D9CF-40AE-B4C6-C98DA3205C09}" type="datetimeFigureOut">
               <a:rPr lang="en-US" smtClean="0"/>
               <a:pPr/>
-              <a:t>5/20/2012</a:t>
+              <a:t>5/21/2012</a:t>
             </a:fld>
             <a:endParaRPr lang="en-US"/>
           </a:p>
@@ -2109,7 +2109,7 @@
             <a:fld id="{1D8BD707-D9CF-40AE-B4C6-C98DA3205C09}" type="datetimeFigureOut">
               <a:rPr lang="en-US" smtClean="0"/>
               <a:pPr/>
-              <a:t>5/20/2012</a:t>
+              <a:t>5/21/2012</a:t>
             </a:fld>
             <a:endParaRPr lang="en-US"/>
           </a:p>
@@ -2276,7 +2276,7 @@
             <a:fld id="{1D8BD707-D9CF-40AE-B4C6-C98DA3205C09}" type="datetimeFigureOut">
               <a:rPr lang="en-US" smtClean="0"/>
               <a:pPr/>
-              <a:t>5/20/2012</a:t>
+              <a:t>5/21/2012</a:t>
             </a:fld>
             <a:endParaRPr lang="en-US"/>
           </a:p>
@@ -2519,7 +2519,7 @@
             <a:fld id="{1D8BD707-D9CF-40AE-B4C6-C98DA3205C09}" type="datetimeFigureOut">
               <a:rPr lang="en-US" smtClean="0"/>
               <a:pPr/>
-              <a:t>5/20/2012</a:t>
+              <a:t>5/21/2012</a:t>
             </a:fld>
             <a:endParaRPr lang="en-US"/>
           </a:p>
@@ -2804,7 +2804,7 @@
             <a:fld id="{1D8BD707-D9CF-40AE-B4C6-C98DA3205C09}" type="datetimeFigureOut">
               <a:rPr lang="en-US" smtClean="0"/>
               <a:pPr/>
-              <a:t>5/20/2012</a:t>
+              <a:t>5/21/2012</a:t>
             </a:fld>
             <a:endParaRPr lang="en-US"/>
           </a:p>
@@ -3223,7 +3223,7 @@
             <a:fld id="{1D8BD707-D9CF-40AE-B4C6-C98DA3205C09}" type="datetimeFigureOut">
               <a:rPr lang="en-US" smtClean="0"/>
               <a:pPr/>
-              <a:t>5/20/2012</a:t>
+              <a:t>5/21/2012</a:t>
             </a:fld>
             <a:endParaRPr lang="en-US"/>
           </a:p>
@@ -3338,7 +3338,7 @@
             <a:fld id="{1D8BD707-D9CF-40AE-B4C6-C98DA3205C09}" type="datetimeFigureOut">
               <a:rPr lang="en-US" smtClean="0"/>
               <a:pPr/>
-              <a:t>5/20/2012</a:t>
+              <a:t>5/21/2012</a:t>
             </a:fld>
             <a:endParaRPr lang="en-US"/>
           </a:p>
@@ -3430,7 +3430,7 @@
             <a:fld id="{1D8BD707-D9CF-40AE-B4C6-C98DA3205C09}" type="datetimeFigureOut">
               <a:rPr lang="en-US" smtClean="0"/>
               <a:pPr/>
-              <a:t>5/20/2012</a:t>
+              <a:t>5/21/2012</a:t>
             </a:fld>
             <a:endParaRPr lang="en-US"/>
           </a:p>
@@ -3704,7 +3704,7 @@
             <a:fld id="{1D8BD707-D9CF-40AE-B4C6-C98DA3205C09}" type="datetimeFigureOut">
               <a:rPr lang="en-US" smtClean="0"/>
               <a:pPr/>
-              <a:t>5/20/2012</a:t>
+              <a:t>5/21/2012</a:t>
             </a:fld>
             <a:endParaRPr lang="en-US"/>
           </a:p>
@@ -3954,7 +3954,7 @@
             <a:fld id="{1D8BD707-D9CF-40AE-B4C6-C98DA3205C09}" type="datetimeFigureOut">
               <a:rPr lang="en-US" smtClean="0"/>
               <a:pPr/>
-              <a:t>5/20/2012</a:t>
+              <a:t>5/21/2012</a:t>
             </a:fld>
             <a:endParaRPr lang="en-US"/>
           </a:p>
@@ -4164,7 +4164,7 @@
             <a:fld id="{1D8BD707-D9CF-40AE-B4C6-C98DA3205C09}" type="datetimeFigureOut">
               <a:rPr lang="en-US" smtClean="0"/>
               <a:pPr/>
-              <a:t>5/20/2012</a:t>
+              <a:t>5/21/2012</a:t>
             </a:fld>
             <a:endParaRPr lang="en-US"/>
           </a:p>
@@ -4673,15 +4673,7 @@
                   <a:schemeClr val="bg1"/>
                 </a:solidFill>
               </a:rPr>
-              <a:t>First </a:t>
-            </a:r>
-            <a:r>
-              <a:rPr lang="da-DK" dirty="0" smtClean="0">
-                <a:solidFill>
-                  <a:schemeClr val="bg1"/>
-                </a:solidFill>
-              </a:rPr>
-              <a:t>Exercise follow-up</a:t>
+              <a:t>First Exercise follow-up</a:t>
             </a:r>
             <a:endParaRPr lang="da-DK" dirty="0">
               <a:solidFill>
@@ -5129,43 +5121,97 @@
         </p:nvSpPr>
         <p:spPr/>
         <p:txBody>
-          <a:bodyPr/>
+          <a:bodyPr>
+            <a:normAutofit/>
+          </a:bodyPr>
           <a:lstStyle/>
           <a:p>
             <a:r>
               <a:rPr lang="da-DK" dirty="0" smtClean="0"/>
-              <a:t>Developer Time</a:t>
+              <a:t>ReSharper – How?</a:t>
             </a:r>
             <a:endParaRPr lang="da-DK" dirty="0"/>
           </a:p>
         </p:txBody>
       </p:sp>
-      <p:graphicFrame>
-        <p:nvGraphicFramePr>
-          <p:cNvPr id="4" name="Chart 3"/>
-          <p:cNvGraphicFramePr/>
-          <p:nvPr>
-            <p:extLst>
-              <p:ext uri="{D42A27DB-BD31-4B8C-83A1-F6EECF244321}">
-                <p14:modId xmlns:p14="http://schemas.microsoft.com/office/powerpoint/2010/main" val="228964426"/>
-              </p:ext>
-            </p:extLst>
-          </p:nvPr>
-        </p:nvGraphicFramePr>
-        <p:xfrm>
-          <a:off x="0" y="1905000"/>
-          <a:ext cx="9144000" cy="4064000"/>
-        </p:xfrm>
-        <a:graphic>
-          <a:graphicData uri="http://schemas.openxmlformats.org/drawingml/2006/chart">
-            <c:chart xmlns:c="http://schemas.openxmlformats.org/drawingml/2006/chart" xmlns:r="http://schemas.openxmlformats.org/officeDocument/2006/relationships" r:id="rId2"/>
-          </a:graphicData>
-        </a:graphic>
-      </p:graphicFrame>
+      <p:sp>
+        <p:nvSpPr>
+          <p:cNvPr id="3" name="Content Placeholder 2"/>
+          <p:cNvSpPr>
+            <a:spLocks noGrp="1"/>
+          </p:cNvSpPr>
+          <p:nvPr>
+            <p:ph idx="1"/>
+          </p:nvPr>
+        </p:nvSpPr>
+        <p:spPr/>
+        <p:txBody>
+          <a:bodyPr>
+            <a:normAutofit/>
+          </a:bodyPr>
+          <a:lstStyle/>
+          <a:p>
+            <a:r>
+              <a:rPr lang="da-DK" dirty="0" smtClean="0"/>
+              <a:t>Pick Keyboard Scheme</a:t>
+            </a:r>
+          </a:p>
+          <a:p>
+            <a:pPr lvl="1"/>
+            <a:r>
+              <a:rPr lang="da-DK" b="1" dirty="0" smtClean="0"/>
+              <a:t>Visual Studio</a:t>
+            </a:r>
+          </a:p>
+          <a:p>
+            <a:pPr lvl="1"/>
+            <a:r>
+              <a:rPr lang="da-DK" dirty="0" smtClean="0"/>
+              <a:t>IDEA / IntelliJ</a:t>
+            </a:r>
+          </a:p>
+          <a:p>
+            <a:pPr lvl="1"/>
+            <a:endParaRPr lang="da-DK" dirty="0" smtClean="0"/>
+          </a:p>
+          <a:p>
+            <a:r>
+              <a:rPr lang="da-DK" dirty="0"/>
+              <a:t>Take this course </a:t>
+            </a:r>
+            <a:r>
+              <a:rPr lang="da-DK" dirty="0">
+                <a:sym typeface="Wingdings" pitchFamily="2" charset="2"/>
+              </a:rPr>
+              <a:t></a:t>
+            </a:r>
+            <a:endParaRPr lang="da-DK" dirty="0"/>
+          </a:p>
+          <a:p>
+            <a:endParaRPr lang="da-DK" dirty="0" smtClean="0"/>
+          </a:p>
+          <a:p>
+            <a:r>
+              <a:rPr lang="da-DK" dirty="0" smtClean="0"/>
+              <a:t>Use cheat sheet</a:t>
+            </a:r>
+          </a:p>
+          <a:p>
+            <a:r>
+              <a:rPr lang="da-DK" dirty="0" smtClean="0"/>
+              <a:t>Learn a new shortcut / day / week</a:t>
+            </a:r>
+          </a:p>
+          <a:p>
+            <a:pPr lvl="1"/>
+            <a:endParaRPr lang="da-DK" dirty="0"/>
+          </a:p>
+        </p:txBody>
+      </p:sp>
     </p:spTree>
     <p:extLst>
       <p:ext uri="{BB962C8B-B14F-4D97-AF65-F5344CB8AC3E}">
-        <p14:creationId xmlns:p14="http://schemas.microsoft.com/office/powerpoint/2010/main" val="3764213864"/>
+        <p14:creationId xmlns:p14="http://schemas.microsoft.com/office/powerpoint/2010/main" val="1149839373"/>
       </p:ext>
     </p:extLst>
   </p:cSld>
@@ -5229,7 +5275,7 @@
           <p:nvPr>
             <p:extLst>
               <p:ext uri="{D42A27DB-BD31-4B8C-83A1-F6EECF244321}">
-                <p14:modId xmlns:p14="http://schemas.microsoft.com/office/powerpoint/2010/main" val="2320101748"/>
+                <p14:modId xmlns:p14="http://schemas.microsoft.com/office/powerpoint/2010/main" val="228964426"/>
               </p:ext>
             </p:extLst>
           </p:nvPr>
@@ -5247,7 +5293,7 @@
     </p:spTree>
     <p:extLst>
       <p:ext uri="{BB962C8B-B14F-4D97-AF65-F5344CB8AC3E}">
-        <p14:creationId xmlns:p14="http://schemas.microsoft.com/office/powerpoint/2010/main" val="996800918"/>
+        <p14:creationId xmlns:p14="http://schemas.microsoft.com/office/powerpoint/2010/main" val="3764213864"/>
       </p:ext>
     </p:extLst>
   </p:cSld>
@@ -5311,7 +5357,7 @@
           <p:nvPr>
             <p:extLst>
               <p:ext uri="{D42A27DB-BD31-4B8C-83A1-F6EECF244321}">
-                <p14:modId xmlns:p14="http://schemas.microsoft.com/office/powerpoint/2010/main" val="896780294"/>
+                <p14:modId xmlns:p14="http://schemas.microsoft.com/office/powerpoint/2010/main" val="2320101748"/>
               </p:ext>
             </p:extLst>
           </p:nvPr>
@@ -5329,7 +5375,7 @@
     </p:spTree>
     <p:extLst>
       <p:ext uri="{BB962C8B-B14F-4D97-AF65-F5344CB8AC3E}">
-        <p14:creationId xmlns:p14="http://schemas.microsoft.com/office/powerpoint/2010/main" val="12642191"/>
+        <p14:creationId xmlns:p14="http://schemas.microsoft.com/office/powerpoint/2010/main" val="996800918"/>
       </p:ext>
     </p:extLst>
   </p:cSld>
@@ -5393,7 +5439,7 @@
           <p:nvPr>
             <p:extLst>
               <p:ext uri="{D42A27DB-BD31-4B8C-83A1-F6EECF244321}">
-                <p14:modId xmlns:p14="http://schemas.microsoft.com/office/powerpoint/2010/main" val="4222226759"/>
+                <p14:modId xmlns:p14="http://schemas.microsoft.com/office/powerpoint/2010/main" val="896780294"/>
               </p:ext>
             </p:extLst>
           </p:nvPr>
@@ -5411,7 +5457,7 @@
     </p:spTree>
     <p:extLst>
       <p:ext uri="{BB962C8B-B14F-4D97-AF65-F5344CB8AC3E}">
-        <p14:creationId xmlns:p14="http://schemas.microsoft.com/office/powerpoint/2010/main" val="4222572546"/>
+        <p14:creationId xmlns:p14="http://schemas.microsoft.com/office/powerpoint/2010/main" val="12642191"/>
       </p:ext>
     </p:extLst>
   </p:cSld>
@@ -5475,7 +5521,7 @@
           <p:nvPr>
             <p:extLst>
               <p:ext uri="{D42A27DB-BD31-4B8C-83A1-F6EECF244321}">
-                <p14:modId xmlns:p14="http://schemas.microsoft.com/office/powerpoint/2010/main" val="443036598"/>
+                <p14:modId xmlns:p14="http://schemas.microsoft.com/office/powerpoint/2010/main" val="4222226759"/>
               </p:ext>
             </p:extLst>
           </p:nvPr>
@@ -5493,7 +5539,7 @@
     </p:spTree>
     <p:extLst>
       <p:ext uri="{BB962C8B-B14F-4D97-AF65-F5344CB8AC3E}">
-        <p14:creationId xmlns:p14="http://schemas.microsoft.com/office/powerpoint/2010/main" val="355807101"/>
+        <p14:creationId xmlns:p14="http://schemas.microsoft.com/office/powerpoint/2010/main" val="4222572546"/>
       </p:ext>
     </p:extLst>
   </p:cSld>
@@ -5557,7 +5603,7 @@
           <p:nvPr>
             <p:extLst>
               <p:ext uri="{D42A27DB-BD31-4B8C-83A1-F6EECF244321}">
-                <p14:modId xmlns:p14="http://schemas.microsoft.com/office/powerpoint/2010/main" val="728387088"/>
+                <p14:modId xmlns:p14="http://schemas.microsoft.com/office/powerpoint/2010/main" val="443036598"/>
               </p:ext>
             </p:extLst>
           </p:nvPr>
@@ -5575,7 +5621,7 @@
     </p:spTree>
     <p:extLst>
       <p:ext uri="{BB962C8B-B14F-4D97-AF65-F5344CB8AC3E}">
-        <p14:creationId xmlns:p14="http://schemas.microsoft.com/office/powerpoint/2010/main" val="3238537544"/>
+        <p14:creationId xmlns:p14="http://schemas.microsoft.com/office/powerpoint/2010/main" val="355807101"/>
       </p:ext>
     </p:extLst>
   </p:cSld>
@@ -5621,97 +5667,43 @@
         </p:nvSpPr>
         <p:spPr/>
         <p:txBody>
-          <a:bodyPr>
-            <a:normAutofit/>
-          </a:bodyPr>
+          <a:bodyPr/>
           <a:lstStyle/>
           <a:p>
             <a:r>
               <a:rPr lang="da-DK" dirty="0" smtClean="0"/>
-              <a:t>ReSharper – How?</a:t>
+              <a:t>Developer Time</a:t>
             </a:r>
             <a:endParaRPr lang="da-DK" dirty="0"/>
           </a:p>
         </p:txBody>
       </p:sp>
-      <p:sp>
-        <p:nvSpPr>
-          <p:cNvPr id="3" name="Content Placeholder 2"/>
-          <p:cNvSpPr>
-            <a:spLocks noGrp="1"/>
-          </p:cNvSpPr>
-          <p:nvPr>
-            <p:ph idx="1"/>
-          </p:nvPr>
-        </p:nvSpPr>
-        <p:spPr/>
-        <p:txBody>
-          <a:bodyPr>
-            <a:normAutofit/>
-          </a:bodyPr>
-          <a:lstStyle/>
-          <a:p>
-            <a:r>
-              <a:rPr lang="da-DK" dirty="0" smtClean="0"/>
-              <a:t>Pick Keyboard Scheme</a:t>
-            </a:r>
-          </a:p>
-          <a:p>
-            <a:pPr lvl="1"/>
-            <a:r>
-              <a:rPr lang="da-DK" b="1" dirty="0" smtClean="0"/>
-              <a:t>Visual Studio</a:t>
-            </a:r>
-          </a:p>
-          <a:p>
-            <a:pPr lvl="1"/>
-            <a:r>
-              <a:rPr lang="da-DK" dirty="0" smtClean="0"/>
-              <a:t>IDEA / IntelliJ</a:t>
-            </a:r>
-          </a:p>
-          <a:p>
-            <a:pPr lvl="1"/>
-            <a:endParaRPr lang="da-DK" dirty="0" smtClean="0"/>
-          </a:p>
-          <a:p>
-            <a:r>
-              <a:rPr lang="da-DK" dirty="0"/>
-              <a:t>Take this course </a:t>
-            </a:r>
-            <a:r>
-              <a:rPr lang="da-DK" dirty="0">
-                <a:sym typeface="Wingdings" pitchFamily="2" charset="2"/>
-              </a:rPr>
-              <a:t></a:t>
-            </a:r>
-            <a:endParaRPr lang="da-DK" dirty="0"/>
-          </a:p>
-          <a:p>
-            <a:endParaRPr lang="da-DK" dirty="0" smtClean="0"/>
-          </a:p>
-          <a:p>
-            <a:r>
-              <a:rPr lang="da-DK" dirty="0" smtClean="0"/>
-              <a:t>Use cheat sheet</a:t>
-            </a:r>
-          </a:p>
-          <a:p>
-            <a:r>
-              <a:rPr lang="da-DK" dirty="0" smtClean="0"/>
-              <a:t>Learn a new shortcut / day / week</a:t>
-            </a:r>
-          </a:p>
-          <a:p>
-            <a:pPr lvl="1"/>
-            <a:endParaRPr lang="da-DK" dirty="0"/>
-          </a:p>
-        </p:txBody>
-      </p:sp>
+      <p:graphicFrame>
+        <p:nvGraphicFramePr>
+          <p:cNvPr id="4" name="Chart 3"/>
+          <p:cNvGraphicFramePr/>
+          <p:nvPr>
+            <p:extLst>
+              <p:ext uri="{D42A27DB-BD31-4B8C-83A1-F6EECF244321}">
+                <p14:modId xmlns:p14="http://schemas.microsoft.com/office/powerpoint/2010/main" val="728387088"/>
+              </p:ext>
+            </p:extLst>
+          </p:nvPr>
+        </p:nvGraphicFramePr>
+        <p:xfrm>
+          <a:off x="0" y="1905000"/>
+          <a:ext cx="9144000" cy="4064000"/>
+        </p:xfrm>
+        <a:graphic>
+          <a:graphicData uri="http://schemas.openxmlformats.org/drawingml/2006/chart">
+            <c:chart xmlns:c="http://schemas.openxmlformats.org/drawingml/2006/chart" xmlns:r="http://schemas.openxmlformats.org/officeDocument/2006/relationships" r:id="rId2"/>
+          </a:graphicData>
+        </a:graphic>
+      </p:graphicFrame>
     </p:spTree>
     <p:extLst>
       <p:ext uri="{BB962C8B-B14F-4D97-AF65-F5344CB8AC3E}">
-        <p14:creationId xmlns:p14="http://schemas.microsoft.com/office/powerpoint/2010/main" val="1149839373"/>
+        <p14:creationId xmlns:p14="http://schemas.microsoft.com/office/powerpoint/2010/main" val="3238537544"/>
       </p:ext>
     </p:extLst>
   </p:cSld>
@@ -6250,7 +6242,6 @@
               <a:rPr lang="da-DK" dirty="0" smtClean="0"/>
               <a:t>Expert?</a:t>
             </a:r>
-            <a:endParaRPr lang="da-DK" dirty="0" smtClean="0"/>
           </a:p>
           <a:p>
             <a:pPr lvl="1"/>
@@ -6356,13 +6347,8 @@
           <a:p>
             <a:r>
               <a:rPr lang="da-DK" dirty="0" smtClean="0"/>
-              <a:t>Lots of </a:t>
-            </a:r>
-            <a:r>
-              <a:rPr lang="da-DK" dirty="0" smtClean="0"/>
-              <a:t>exercises</a:t>
-            </a:r>
-            <a:endParaRPr lang="da-DK" dirty="0" smtClean="0"/>
+              <a:t>Lots of exercises</a:t>
+            </a:r>
           </a:p>
           <a:p>
             <a:endParaRPr lang="da-DK" dirty="0"/>
@@ -6727,13 +6713,8 @@
             <a:pPr lvl="1"/>
             <a:r>
               <a:rPr lang="da-DK" dirty="0" smtClean="0"/>
-              <a:t>Solves the </a:t>
-            </a:r>
-            <a:r>
-              <a:rPr lang="da-DK" dirty="0" smtClean="0"/>
-              <a:t>exercise</a:t>
-            </a:r>
-            <a:endParaRPr lang="da-DK" dirty="0" smtClean="0"/>
+              <a:t>Solves the exercise</a:t>
+            </a:r>
           </a:p>
           <a:p>
             <a:endParaRPr lang="da-DK" dirty="0" smtClean="0"/>
@@ -6748,11 +6729,7 @@
             <a:pPr lvl="1"/>
             <a:r>
               <a:rPr lang="da-DK" dirty="0" smtClean="0"/>
-              <a:t>Provides guidance and </a:t>
-            </a:r>
-            <a:r>
-              <a:rPr lang="da-DK" dirty="0" smtClean="0"/>
-              <a:t>overview</a:t>
+              <a:t>Provides guidance and overview</a:t>
             </a:r>
           </a:p>
           <a:p>
@@ -6761,7 +6738,6 @@
               <a:rPr lang="da-DK" dirty="0" smtClean="0"/>
               <a:t>Shortcut helper</a:t>
             </a:r>
-            <a:endParaRPr lang="da-DK" dirty="0" smtClean="0"/>
           </a:p>
           <a:p>
             <a:pPr lvl="1"/>
@@ -7050,11 +7026,7 @@
           <a:p>
             <a:r>
               <a:rPr lang="da-DK" dirty="0" smtClean="0"/>
-              <a:t>Today: No deadlines. More </a:t>
-            </a:r>
-            <a:r>
-              <a:rPr lang="da-DK" dirty="0" smtClean="0"/>
-              <a:t>keyboard</a:t>
+              <a:t>Today: No deadlines. More keyboard</a:t>
             </a:r>
             <a:r>
               <a:rPr lang="da-DK" dirty="0"/>
@@ -7498,15 +7470,7 @@
                   <a:schemeClr val="bg1"/>
                 </a:solidFill>
               </a:rPr>
-              <a:t>First </a:t>
-            </a:r>
-            <a:r>
-              <a:rPr lang="da-DK" dirty="0" smtClean="0">
-                <a:solidFill>
-                  <a:schemeClr val="bg1"/>
-                </a:solidFill>
-              </a:rPr>
-              <a:t>Excercise</a:t>
+              <a:t>First Excercise</a:t>
             </a:r>
             <a:endParaRPr lang="da-DK" dirty="0">
               <a:solidFill>
@@ -7541,6 +7505,24 @@
               </a:rPr>
               <a:t>Exercises:</a:t>
             </a:r>
+          </a:p>
+          <a:p>
+            <a:pPr lvl="1"/>
+            <a:r>
+              <a:rPr lang="da-DK" b="1" dirty="0" smtClean="0">
+                <a:solidFill>
+                  <a:schemeClr val="bg1"/>
+                </a:solidFill>
+              </a:rPr>
+              <a:t>http://bit.ly/resharperexercises</a:t>
+            </a:r>
+            <a:endParaRPr lang="da-DK" b="1" dirty="0">
+              <a:solidFill>
+                <a:schemeClr val="bg1"/>
+              </a:solidFill>
+            </a:endParaRPr>
+          </a:p>
+          <a:p>
             <a:endParaRPr lang="da-DK" dirty="0" smtClean="0">
               <a:solidFill>
                 <a:schemeClr val="bg1"/>
@@ -7548,52 +7530,13 @@
             </a:endParaRPr>
           </a:p>
           <a:p>
-            <a:pPr lvl="1"/>
             <a:r>
               <a:rPr lang="da-DK" dirty="0" smtClean="0">
                 <a:solidFill>
                   <a:schemeClr val="bg1"/>
                 </a:solidFill>
               </a:rPr>
-              <a:t>[Insert short link]</a:t>
-            </a:r>
-            <a:endParaRPr lang="da-DK" dirty="0">
-              <a:solidFill>
-                <a:schemeClr val="bg1"/>
-              </a:solidFill>
-            </a:endParaRPr>
-          </a:p>
-          <a:p>
-            <a:endParaRPr lang="da-DK" dirty="0" smtClean="0">
-              <a:solidFill>
-                <a:schemeClr val="bg1"/>
-              </a:solidFill>
-            </a:endParaRPr>
-          </a:p>
-          <a:p>
-            <a:r>
-              <a:rPr lang="da-DK" dirty="0" smtClean="0">
-                <a:solidFill>
-                  <a:schemeClr val="bg1"/>
-                </a:solidFill>
-              </a:rPr>
-              <a:t>Solve </a:t>
-            </a:r>
-            <a:r>
-              <a:rPr lang="da-DK" dirty="0" smtClean="0">
-                <a:solidFill>
-                  <a:schemeClr val="bg1"/>
-                </a:solidFill>
-              </a:rPr>
-              <a:t>exercise as </a:t>
-            </a:r>
-            <a:r>
-              <a:rPr lang="da-DK" dirty="0" smtClean="0">
-                <a:solidFill>
-                  <a:schemeClr val="bg1"/>
-                </a:solidFill>
-              </a:rPr>
-              <a:t>you normally would</a:t>
+              <a:t>Solve exercise as you normally would</a:t>
             </a:r>
           </a:p>
           <a:p>

--- a/Presentations/1 - Introduction - ReSharper Course.pptx
+++ b/Presentations/1 - Introduction - ReSharper Course.pptx
@@ -129,7 +129,7 @@
   </p:defaultTextStyle>
   <p:extLst>
     <p:ext uri="{521415D9-36F7-43E2-AB2F-B90AF26B5E84}">
-      <p14:sectionLst xmlns:p14="http://schemas.microsoft.com/office/powerpoint/2010/main">
+      <p14:sectionLst xmlns:p14="http://schemas.microsoft.com/office/powerpoint/2010/main" xmlns="">
         <p14:section name="Introduction" id="{39D98063-5C61-484A-A1C2-F0AEF4936815}">
           <p14:sldIdLst>
             <p14:sldId id="256"/>
@@ -179,24 +179,12 @@
 
 <file path=ppt/charts/chart1.xml><?xml version="1.0" encoding="utf-8"?>
 <c:chartSpace xmlns:c="http://schemas.openxmlformats.org/drawingml/2006/chart" xmlns:a="http://schemas.openxmlformats.org/drawingml/2006/main" xmlns:r="http://schemas.openxmlformats.org/officeDocument/2006/relationships">
-  <c:date1904 val="0"/>
   <c:lang val="da-DK"/>
-  <c:roundedCorners val="0"/>
-  <mc:AlternateContent xmlns:mc="http://schemas.openxmlformats.org/markup-compatibility/2006">
-    <mc:Choice xmlns:c14="http://schemas.microsoft.com/office/drawing/2007/8/2/chart" Requires="c14">
-      <c14:style val="102"/>
-    </mc:Choice>
-    <mc:Fallback>
-      <c:style val="2"/>
-    </mc:Fallback>
-  </mc:AlternateContent>
   <c:chart>
-    <c:autoTitleDeleted val="0"/>
     <c:plotArea>
       <c:layout/>
       <c:lineChart>
         <c:grouping val="standard"/>
-        <c:varyColors val="0"/>
         <c:ser>
           <c:idx val="0"/>
           <c:order val="0"/>
@@ -252,7 +240,6 @@
               </c:numCache>
             </c:numRef>
           </c:val>
-          <c:smooth val="0"/>
         </c:ser>
         <c:ser>
           <c:idx val="1"/>
@@ -309,52 +296,36 @@
               </c:numCache>
             </c:numRef>
           </c:val>
-          <c:smooth val="0"/>
         </c:ser>
-        <c:dLbls>
-          <c:showLegendKey val="0"/>
-          <c:showVal val="0"/>
-          <c:showCatName val="0"/>
-          <c:showSerName val="0"/>
-          <c:showPercent val="0"/>
-          <c:showBubbleSize val="0"/>
-        </c:dLbls>
+        <c:dLbls/>
         <c:marker val="1"/>
-        <c:smooth val="0"/>
-        <c:axId val="5185536"/>
-        <c:axId val="5187072"/>
+        <c:axId val="115460736"/>
+        <c:axId val="115474816"/>
       </c:lineChart>
       <c:catAx>
-        <c:axId val="5185536"/>
+        <c:axId val="115460736"/>
         <c:scaling>
           <c:orientation val="minMax"/>
         </c:scaling>
-        <c:delete val="0"/>
         <c:axPos val="b"/>
         <c:numFmt formatCode="General" sourceLinked="1"/>
-        <c:majorTickMark val="out"/>
-        <c:minorTickMark val="none"/>
         <c:tickLblPos val="nextTo"/>
-        <c:crossAx val="5187072"/>
+        <c:crossAx val="115474816"/>
         <c:crosses val="autoZero"/>
         <c:auto val="1"/>
         <c:lblAlgn val="ctr"/>
         <c:lblOffset val="100"/>
-        <c:noMultiLvlLbl val="0"/>
       </c:catAx>
       <c:valAx>
-        <c:axId val="5187072"/>
+        <c:axId val="115474816"/>
         <c:scaling>
           <c:orientation val="minMax"/>
         </c:scaling>
-        <c:delete val="0"/>
         <c:axPos val="l"/>
         <c:majorGridlines/>
         <c:numFmt formatCode="General" sourceLinked="1"/>
-        <c:majorTickMark val="out"/>
-        <c:minorTickMark val="none"/>
         <c:tickLblPos val="none"/>
-        <c:crossAx val="5185536"/>
+        <c:crossAx val="115460736"/>
         <c:crosses val="autoZero"/>
         <c:crossBetween val="between"/>
       </c:valAx>
@@ -365,17 +336,16 @@
         <c:manualLayout>
           <c:xMode val="edge"/>
           <c:yMode val="edge"/>
-          <c:x val="5.3899562554680647E-2"/>
+          <c:x val="5.3899562554680661E-2"/>
           <c:y val="9.198891998979869E-2"/>
           <c:w val="0.30225817227392032"/>
-          <c:h val="0.25004681847201532"/>
+          <c:h val="0.25004681847201526"/>
         </c:manualLayout>
       </c:layout>
       <c:overlay val="1"/>
     </c:legend>
     <c:plotVisOnly val="1"/>
     <c:dispBlanksAs val="zero"/>
-    <c:showDLblsOverMax val="0"/>
   </c:chart>
   <c:txPr>
     <a:bodyPr/>
@@ -387,25 +357,13 @@
       <a:endParaRPr lang="da-DK"/>
     </a:p>
   </c:txPr>
-  <c:externalData r:id="rId1">
-    <c:autoUpdate val="0"/>
-  </c:externalData>
+  <c:externalData r:id="rId1"/>
 </c:chartSpace>
 </file>
 
 <file path=ppt/charts/chart2.xml><?xml version="1.0" encoding="utf-8"?>
 <c:chartSpace xmlns:c="http://schemas.openxmlformats.org/drawingml/2006/chart" xmlns:a="http://schemas.openxmlformats.org/drawingml/2006/main" xmlns:r="http://schemas.openxmlformats.org/officeDocument/2006/relationships">
-  <c:date1904 val="0"/>
   <c:lang val="da-DK"/>
-  <c:roundedCorners val="0"/>
-  <mc:AlternateContent xmlns:mc="http://schemas.openxmlformats.org/markup-compatibility/2006">
-    <mc:Choice xmlns:c14="http://schemas.microsoft.com/office/drawing/2007/8/2/chart" Requires="c14">
-      <c14:style val="102"/>
-    </mc:Choice>
-    <mc:Fallback>
-      <c:style val="2"/>
-    </mc:Fallback>
-  </mc:AlternateContent>
   <c:chart>
     <c:autoTitleDeleted val="1"/>
     <c:plotArea>
@@ -460,15 +418,7 @@
             </c:numRef>
           </c:val>
         </c:ser>
-        <c:dLbls>
-          <c:showLegendKey val="0"/>
-          <c:showVal val="0"/>
-          <c:showCatName val="0"/>
-          <c:showSerName val="0"/>
-          <c:showPercent val="0"/>
-          <c:showBubbleSize val="0"/>
-          <c:showLeaderLines val="1"/>
-        </c:dLbls>
+        <c:dLbls/>
         <c:firstSliceAng val="338"/>
       </c:pieChart>
     </c:plotArea>
@@ -478,8 +428,7 @@
       <c:overlay val="1"/>
     </c:legend>
     <c:plotVisOnly val="1"/>
-    <c:dispBlanksAs val="gap"/>
-    <c:showDLblsOverMax val="0"/>
+    <c:dispBlanksAs val="zero"/>
   </c:chart>
   <c:txPr>
     <a:bodyPr/>
@@ -491,25 +440,13 @@
       <a:endParaRPr lang="da-DK"/>
     </a:p>
   </c:txPr>
-  <c:externalData r:id="rId1">
-    <c:autoUpdate val="0"/>
-  </c:externalData>
+  <c:externalData r:id="rId1"/>
 </c:chartSpace>
 </file>
 
 <file path=ppt/charts/chart3.xml><?xml version="1.0" encoding="utf-8"?>
 <c:chartSpace xmlns:c="http://schemas.openxmlformats.org/drawingml/2006/chart" xmlns:a="http://schemas.openxmlformats.org/drawingml/2006/main" xmlns:r="http://schemas.openxmlformats.org/officeDocument/2006/relationships">
-  <c:date1904 val="0"/>
   <c:lang val="da-DK"/>
-  <c:roundedCorners val="0"/>
-  <mc:AlternateContent xmlns:mc="http://schemas.openxmlformats.org/markup-compatibility/2006">
-    <mc:Choice xmlns:c14="http://schemas.microsoft.com/office/drawing/2007/8/2/chart" Requires="c14">
-      <c14:style val="102"/>
-    </mc:Choice>
-    <mc:Fallback>
-      <c:style val="2"/>
-    </mc:Fallback>
-  </mc:AlternateContent>
   <c:chart>
     <c:autoTitleDeleted val="1"/>
     <c:plotArea>
@@ -570,15 +507,7 @@
             </c:numRef>
           </c:val>
         </c:ser>
-        <c:dLbls>
-          <c:showLegendKey val="0"/>
-          <c:showVal val="0"/>
-          <c:showCatName val="0"/>
-          <c:showSerName val="0"/>
-          <c:showPercent val="0"/>
-          <c:showBubbleSize val="0"/>
-          <c:showLeaderLines val="1"/>
-        </c:dLbls>
+        <c:dLbls/>
         <c:firstSliceAng val="338"/>
       </c:pieChart>
     </c:plotArea>
@@ -588,8 +517,7 @@
       <c:overlay val="1"/>
     </c:legend>
     <c:plotVisOnly val="1"/>
-    <c:dispBlanksAs val="gap"/>
-    <c:showDLblsOverMax val="0"/>
+    <c:dispBlanksAs val="zero"/>
   </c:chart>
   <c:txPr>
     <a:bodyPr/>
@@ -601,25 +529,13 @@
       <a:endParaRPr lang="da-DK"/>
     </a:p>
   </c:txPr>
-  <c:externalData r:id="rId1">
-    <c:autoUpdate val="0"/>
-  </c:externalData>
+  <c:externalData r:id="rId1"/>
 </c:chartSpace>
 </file>
 
 <file path=ppt/charts/chart4.xml><?xml version="1.0" encoding="utf-8"?>
 <c:chartSpace xmlns:c="http://schemas.openxmlformats.org/drawingml/2006/chart" xmlns:a="http://schemas.openxmlformats.org/drawingml/2006/main" xmlns:r="http://schemas.openxmlformats.org/officeDocument/2006/relationships">
-  <c:date1904 val="0"/>
   <c:lang val="da-DK"/>
-  <c:roundedCorners val="0"/>
-  <mc:AlternateContent xmlns:mc="http://schemas.openxmlformats.org/markup-compatibility/2006">
-    <mc:Choice xmlns:c14="http://schemas.microsoft.com/office/drawing/2007/8/2/chart" Requires="c14">
-      <c14:style val="102"/>
-    </mc:Choice>
-    <mc:Fallback>
-      <c:style val="2"/>
-    </mc:Fallback>
-  </mc:AlternateContent>
   <c:chart>
     <c:autoTitleDeleted val="1"/>
     <c:plotArea>
@@ -686,15 +602,7 @@
             </c:numRef>
           </c:val>
         </c:ser>
-        <c:dLbls>
-          <c:showLegendKey val="0"/>
-          <c:showVal val="0"/>
-          <c:showCatName val="0"/>
-          <c:showSerName val="0"/>
-          <c:showPercent val="0"/>
-          <c:showBubbleSize val="0"/>
-          <c:showLeaderLines val="1"/>
-        </c:dLbls>
+        <c:dLbls/>
         <c:firstSliceAng val="338"/>
       </c:pieChart>
     </c:plotArea>
@@ -704,8 +612,7 @@
       <c:overlay val="1"/>
     </c:legend>
     <c:plotVisOnly val="1"/>
-    <c:dispBlanksAs val="gap"/>
-    <c:showDLblsOverMax val="0"/>
+    <c:dispBlanksAs val="zero"/>
   </c:chart>
   <c:txPr>
     <a:bodyPr/>
@@ -717,25 +624,13 @@
       <a:endParaRPr lang="da-DK"/>
     </a:p>
   </c:txPr>
-  <c:externalData r:id="rId1">
-    <c:autoUpdate val="0"/>
-  </c:externalData>
+  <c:externalData r:id="rId1"/>
 </c:chartSpace>
 </file>
 
 <file path=ppt/charts/chart5.xml><?xml version="1.0" encoding="utf-8"?>
 <c:chartSpace xmlns:c="http://schemas.openxmlformats.org/drawingml/2006/chart" xmlns:a="http://schemas.openxmlformats.org/drawingml/2006/main" xmlns:r="http://schemas.openxmlformats.org/officeDocument/2006/relationships">
-  <c:date1904 val="0"/>
   <c:lang val="da-DK"/>
-  <c:roundedCorners val="0"/>
-  <mc:AlternateContent xmlns:mc="http://schemas.openxmlformats.org/markup-compatibility/2006">
-    <mc:Choice xmlns:c14="http://schemas.microsoft.com/office/drawing/2007/8/2/chart" Requires="c14">
-      <c14:style val="102"/>
-    </mc:Choice>
-    <mc:Fallback>
-      <c:style val="2"/>
-    </mc:Fallback>
-  </mc:AlternateContent>
   <c:chart>
     <c:autoTitleDeleted val="1"/>
     <c:plotArea>
@@ -808,15 +703,7 @@
             </c:numRef>
           </c:val>
         </c:ser>
-        <c:dLbls>
-          <c:showLegendKey val="0"/>
-          <c:showVal val="0"/>
-          <c:showCatName val="0"/>
-          <c:showSerName val="0"/>
-          <c:showPercent val="0"/>
-          <c:showBubbleSize val="0"/>
-          <c:showLeaderLines val="1"/>
-        </c:dLbls>
+        <c:dLbls/>
         <c:firstSliceAng val="338"/>
       </c:pieChart>
     </c:plotArea>
@@ -826,8 +713,7 @@
       <c:overlay val="1"/>
     </c:legend>
     <c:plotVisOnly val="1"/>
-    <c:dispBlanksAs val="gap"/>
-    <c:showDLblsOverMax val="0"/>
+    <c:dispBlanksAs val="zero"/>
   </c:chart>
   <c:txPr>
     <a:bodyPr/>
@@ -839,25 +725,13 @@
       <a:endParaRPr lang="da-DK"/>
     </a:p>
   </c:txPr>
-  <c:externalData r:id="rId1">
-    <c:autoUpdate val="0"/>
-  </c:externalData>
+  <c:externalData r:id="rId1"/>
 </c:chartSpace>
 </file>
 
 <file path=ppt/charts/chart6.xml><?xml version="1.0" encoding="utf-8"?>
 <c:chartSpace xmlns:c="http://schemas.openxmlformats.org/drawingml/2006/chart" xmlns:a="http://schemas.openxmlformats.org/drawingml/2006/main" xmlns:r="http://schemas.openxmlformats.org/officeDocument/2006/relationships">
-  <c:date1904 val="0"/>
   <c:lang val="da-DK"/>
-  <c:roundedCorners val="0"/>
-  <mc:AlternateContent xmlns:mc="http://schemas.openxmlformats.org/markup-compatibility/2006">
-    <mc:Choice xmlns:c14="http://schemas.microsoft.com/office/drawing/2007/8/2/chart" Requires="c14">
-      <c14:style val="102"/>
-    </mc:Choice>
-    <mc:Fallback>
-      <c:style val="2"/>
-    </mc:Fallback>
-  </mc:AlternateContent>
   <c:chart>
     <c:autoTitleDeleted val="1"/>
     <c:plotArea>
@@ -930,15 +804,7 @@
             </c:numRef>
           </c:val>
         </c:ser>
-        <c:dLbls>
-          <c:showLegendKey val="0"/>
-          <c:showVal val="0"/>
-          <c:showCatName val="0"/>
-          <c:showSerName val="0"/>
-          <c:showPercent val="0"/>
-          <c:showBubbleSize val="0"/>
-          <c:showLeaderLines val="1"/>
-        </c:dLbls>
+        <c:dLbls/>
         <c:firstSliceAng val="338"/>
       </c:pieChart>
     </c:plotArea>
@@ -948,8 +814,7 @@
       <c:overlay val="1"/>
     </c:legend>
     <c:plotVisOnly val="1"/>
-    <c:dispBlanksAs val="gap"/>
-    <c:showDLblsOverMax val="0"/>
+    <c:dispBlanksAs val="zero"/>
   </c:chart>
   <c:txPr>
     <a:bodyPr/>
@@ -961,25 +826,13 @@
       <a:endParaRPr lang="da-DK"/>
     </a:p>
   </c:txPr>
-  <c:externalData r:id="rId1">
-    <c:autoUpdate val="0"/>
-  </c:externalData>
+  <c:externalData r:id="rId1"/>
 </c:chartSpace>
 </file>
 
 <file path=ppt/charts/chart7.xml><?xml version="1.0" encoding="utf-8"?>
 <c:chartSpace xmlns:c="http://schemas.openxmlformats.org/drawingml/2006/chart" xmlns:a="http://schemas.openxmlformats.org/drawingml/2006/main" xmlns:r="http://schemas.openxmlformats.org/officeDocument/2006/relationships">
-  <c:date1904 val="0"/>
   <c:lang val="da-DK"/>
-  <c:roundedCorners val="0"/>
-  <mc:AlternateContent xmlns:mc="http://schemas.openxmlformats.org/markup-compatibility/2006">
-    <mc:Choice xmlns:c14="http://schemas.microsoft.com/office/drawing/2007/8/2/chart" Requires="c14">
-      <c14:style val="102"/>
-    </mc:Choice>
-    <mc:Fallback>
-      <c:style val="2"/>
-    </mc:Fallback>
-  </mc:AlternateContent>
   <c:chart>
     <c:autoTitleDeleted val="1"/>
     <c:plotArea>
@@ -1012,7 +865,6 @@
           </c:spPr>
           <c:dPt>
             <c:idx val="2"/>
-            <c:bubble3D val="0"/>
             <c:spPr>
               <a:noFill/>
               <a:effectLst/>
@@ -1027,7 +879,6 @@
           </c:dPt>
           <c:dPt>
             <c:idx val="3"/>
-            <c:bubble3D val="0"/>
             <c:spPr>
               <a:noFill/>
               <a:effectLst/>
@@ -1082,15 +933,7 @@
             </c:numRef>
           </c:val>
         </c:ser>
-        <c:dLbls>
-          <c:showLegendKey val="0"/>
-          <c:showVal val="0"/>
-          <c:showCatName val="0"/>
-          <c:showSerName val="0"/>
-          <c:showPercent val="0"/>
-          <c:showBubbleSize val="0"/>
-          <c:showLeaderLines val="1"/>
-        </c:dLbls>
+        <c:dLbls/>
         <c:firstSliceAng val="338"/>
       </c:pieChart>
     </c:plotArea>
@@ -1100,8 +943,7 @@
       <c:overlay val="1"/>
     </c:legend>
     <c:plotVisOnly val="1"/>
-    <c:dispBlanksAs val="gap"/>
-    <c:showDLblsOverMax val="0"/>
+    <c:dispBlanksAs val="zero"/>
   </c:chart>
   <c:txPr>
     <a:bodyPr/>
@@ -1113,9 +955,7 @@
       <a:endParaRPr lang="da-DK"/>
     </a:p>
   </c:txPr>
-  <c:externalData r:id="rId1">
-    <c:autoUpdate val="0"/>
-  </c:externalData>
+  <c:externalData r:id="rId1"/>
 </c:chartSpace>
 </file>
 
@@ -1202,7 +1042,7 @@
             <a:fld id="{25D31F56-D80D-4507-AC0F-AB5E545C4181}" type="datetimeFigureOut">
               <a:rPr lang="da-DK" smtClean="0"/>
               <a:pPr/>
-              <a:t>21-05-2012</a:t>
+              <a:t>22-05-2012</a:t>
             </a:fld>
             <a:endParaRPr lang="da-DK"/>
           </a:p>
@@ -1371,7 +1211,7 @@
     </p:spTree>
     <p:extLst>
       <p:ext uri="{BB962C8B-B14F-4D97-AF65-F5344CB8AC3E}">
-        <p14:creationId xmlns:p14="http://schemas.microsoft.com/office/powerpoint/2010/main" val="1746408167"/>
+        <p14:creationId xmlns:p14="http://schemas.microsoft.com/office/powerpoint/2010/main" xmlns="" val="1746408167"/>
       </p:ext>
     </p:extLst>
   </p:cSld>
@@ -1573,7 +1413,7 @@
     </p:spTree>
     <p:extLst>
       <p:ext uri="{BB962C8B-B14F-4D97-AF65-F5344CB8AC3E}">
-        <p14:creationId xmlns:p14="http://schemas.microsoft.com/office/powerpoint/2010/main" val="1950793053"/>
+        <p14:creationId xmlns:p14="http://schemas.microsoft.com/office/powerpoint/2010/main" xmlns="" val="1950793053"/>
       </p:ext>
     </p:extLst>
   </p:cSld>
@@ -1765,7 +1605,7 @@
             <a:fld id="{1D8BD707-D9CF-40AE-B4C6-C98DA3205C09}" type="datetimeFigureOut">
               <a:rPr lang="en-US" smtClean="0"/>
               <a:pPr/>
-              <a:t>5/21/2012</a:t>
+              <a:t>5/22/2012</a:t>
             </a:fld>
             <a:endParaRPr lang="en-US"/>
           </a:p>
@@ -1932,7 +1772,7 @@
             <a:fld id="{1D8BD707-D9CF-40AE-B4C6-C98DA3205C09}" type="datetimeFigureOut">
               <a:rPr lang="en-US" smtClean="0"/>
               <a:pPr/>
-              <a:t>5/21/2012</a:t>
+              <a:t>5/22/2012</a:t>
             </a:fld>
             <a:endParaRPr lang="en-US"/>
           </a:p>
@@ -2109,7 +1949,7 @@
             <a:fld id="{1D8BD707-D9CF-40AE-B4C6-C98DA3205C09}" type="datetimeFigureOut">
               <a:rPr lang="en-US" smtClean="0"/>
               <a:pPr/>
-              <a:t>5/21/2012</a:t>
+              <a:t>5/22/2012</a:t>
             </a:fld>
             <a:endParaRPr lang="en-US"/>
           </a:p>
@@ -2276,7 +2116,7 @@
             <a:fld id="{1D8BD707-D9CF-40AE-B4C6-C98DA3205C09}" type="datetimeFigureOut">
               <a:rPr lang="en-US" smtClean="0"/>
               <a:pPr/>
-              <a:t>5/21/2012</a:t>
+              <a:t>5/22/2012</a:t>
             </a:fld>
             <a:endParaRPr lang="en-US"/>
           </a:p>
@@ -2519,7 +2359,7 @@
             <a:fld id="{1D8BD707-D9CF-40AE-B4C6-C98DA3205C09}" type="datetimeFigureOut">
               <a:rPr lang="en-US" smtClean="0"/>
               <a:pPr/>
-              <a:t>5/21/2012</a:t>
+              <a:t>5/22/2012</a:t>
             </a:fld>
             <a:endParaRPr lang="en-US"/>
           </a:p>
@@ -2804,7 +2644,7 @@
             <a:fld id="{1D8BD707-D9CF-40AE-B4C6-C98DA3205C09}" type="datetimeFigureOut">
               <a:rPr lang="en-US" smtClean="0"/>
               <a:pPr/>
-              <a:t>5/21/2012</a:t>
+              <a:t>5/22/2012</a:t>
             </a:fld>
             <a:endParaRPr lang="en-US"/>
           </a:p>
@@ -3223,7 +3063,7 @@
             <a:fld id="{1D8BD707-D9CF-40AE-B4C6-C98DA3205C09}" type="datetimeFigureOut">
               <a:rPr lang="en-US" smtClean="0"/>
               <a:pPr/>
-              <a:t>5/21/2012</a:t>
+              <a:t>5/22/2012</a:t>
             </a:fld>
             <a:endParaRPr lang="en-US"/>
           </a:p>
@@ -3338,7 +3178,7 @@
             <a:fld id="{1D8BD707-D9CF-40AE-B4C6-C98DA3205C09}" type="datetimeFigureOut">
               <a:rPr lang="en-US" smtClean="0"/>
               <a:pPr/>
-              <a:t>5/21/2012</a:t>
+              <a:t>5/22/2012</a:t>
             </a:fld>
             <a:endParaRPr lang="en-US"/>
           </a:p>
@@ -3430,7 +3270,7 @@
             <a:fld id="{1D8BD707-D9CF-40AE-B4C6-C98DA3205C09}" type="datetimeFigureOut">
               <a:rPr lang="en-US" smtClean="0"/>
               <a:pPr/>
-              <a:t>5/21/2012</a:t>
+              <a:t>5/22/2012</a:t>
             </a:fld>
             <a:endParaRPr lang="en-US"/>
           </a:p>
@@ -3704,7 +3544,7 @@
             <a:fld id="{1D8BD707-D9CF-40AE-B4C6-C98DA3205C09}" type="datetimeFigureOut">
               <a:rPr lang="en-US" smtClean="0"/>
               <a:pPr/>
-              <a:t>5/21/2012</a:t>
+              <a:t>5/22/2012</a:t>
             </a:fld>
             <a:endParaRPr lang="en-US"/>
           </a:p>
@@ -3954,7 +3794,7 @@
             <a:fld id="{1D8BD707-D9CF-40AE-B4C6-C98DA3205C09}" type="datetimeFigureOut">
               <a:rPr lang="en-US" smtClean="0"/>
               <a:pPr/>
-              <a:t>5/21/2012</a:t>
+              <a:t>5/22/2012</a:t>
             </a:fld>
             <a:endParaRPr lang="en-US"/>
           </a:p>
@@ -4164,7 +4004,7 @@
             <a:fld id="{1D8BD707-D9CF-40AE-B4C6-C98DA3205C09}" type="datetimeFigureOut">
               <a:rPr lang="en-US" smtClean="0"/>
               <a:pPr/>
-              <a:t>5/21/2012</a:t>
+              <a:t>5/22/2012</a:t>
             </a:fld>
             <a:endParaRPr lang="en-US"/>
           </a:p>
@@ -4610,7 +4450,7 @@
     </p:spTree>
     <p:extLst>
       <p:ext uri="{BB962C8B-B14F-4D97-AF65-F5344CB8AC3E}">
-        <p14:creationId xmlns:p14="http://schemas.microsoft.com/office/powerpoint/2010/main" val="3481993744"/>
+        <p14:creationId xmlns:p14="http://schemas.microsoft.com/office/powerpoint/2010/main" xmlns="" val="3481993744"/>
       </p:ext>
     </p:extLst>
   </p:cSld>
@@ -4752,7 +4592,7 @@
     </p:spTree>
     <p:extLst>
       <p:ext uri="{BB962C8B-B14F-4D97-AF65-F5344CB8AC3E}">
-        <p14:creationId xmlns:p14="http://schemas.microsoft.com/office/powerpoint/2010/main" val="167962451"/>
+        <p14:creationId xmlns:p14="http://schemas.microsoft.com/office/powerpoint/2010/main" xmlns="" val="167962451"/>
       </p:ext>
     </p:extLst>
   </p:cSld>
@@ -4914,7 +4754,7 @@
     </p:spTree>
     <p:extLst>
       <p:ext uri="{BB962C8B-B14F-4D97-AF65-F5344CB8AC3E}">
-        <p14:creationId xmlns:p14="http://schemas.microsoft.com/office/powerpoint/2010/main" val="4145891394"/>
+        <p14:creationId xmlns:p14="http://schemas.microsoft.com/office/powerpoint/2010/main" xmlns="" val="4145891394"/>
       </p:ext>
     </p:extLst>
   </p:cSld>
@@ -5075,7 +4915,7 @@
     </p:spTree>
     <p:extLst>
       <p:ext uri="{BB962C8B-B14F-4D97-AF65-F5344CB8AC3E}">
-        <p14:creationId xmlns:p14="http://schemas.microsoft.com/office/powerpoint/2010/main" val="2212600742"/>
+        <p14:creationId xmlns:p14="http://schemas.microsoft.com/office/powerpoint/2010/main" xmlns="" val="2212600742"/>
       </p:ext>
     </p:extLst>
   </p:cSld>
@@ -5211,7 +5051,7 @@
     </p:spTree>
     <p:extLst>
       <p:ext uri="{BB962C8B-B14F-4D97-AF65-F5344CB8AC3E}">
-        <p14:creationId xmlns:p14="http://schemas.microsoft.com/office/powerpoint/2010/main" val="1149839373"/>
+        <p14:creationId xmlns:p14="http://schemas.microsoft.com/office/powerpoint/2010/main" xmlns="" val="1149839373"/>
       </p:ext>
     </p:extLst>
   </p:cSld>
@@ -5275,7 +5115,7 @@
           <p:nvPr>
             <p:extLst>
               <p:ext uri="{D42A27DB-BD31-4B8C-83A1-F6EECF244321}">
-                <p14:modId xmlns:p14="http://schemas.microsoft.com/office/powerpoint/2010/main" val="228964426"/>
+                <p14:modId xmlns:p14="http://schemas.microsoft.com/office/powerpoint/2010/main" xmlns="" val="228964426"/>
               </p:ext>
             </p:extLst>
           </p:nvPr>
@@ -5293,7 +5133,7 @@
     </p:spTree>
     <p:extLst>
       <p:ext uri="{BB962C8B-B14F-4D97-AF65-F5344CB8AC3E}">
-        <p14:creationId xmlns:p14="http://schemas.microsoft.com/office/powerpoint/2010/main" val="3764213864"/>
+        <p14:creationId xmlns:p14="http://schemas.microsoft.com/office/powerpoint/2010/main" xmlns="" val="3764213864"/>
       </p:ext>
     </p:extLst>
   </p:cSld>
@@ -5357,7 +5197,7 @@
           <p:nvPr>
             <p:extLst>
               <p:ext uri="{D42A27DB-BD31-4B8C-83A1-F6EECF244321}">
-                <p14:modId xmlns:p14="http://schemas.microsoft.com/office/powerpoint/2010/main" val="2320101748"/>
+                <p14:modId xmlns:p14="http://schemas.microsoft.com/office/powerpoint/2010/main" xmlns="" val="2320101748"/>
               </p:ext>
             </p:extLst>
           </p:nvPr>
@@ -5375,7 +5215,7 @@
     </p:spTree>
     <p:extLst>
       <p:ext uri="{BB962C8B-B14F-4D97-AF65-F5344CB8AC3E}">
-        <p14:creationId xmlns:p14="http://schemas.microsoft.com/office/powerpoint/2010/main" val="996800918"/>
+        <p14:creationId xmlns:p14="http://schemas.microsoft.com/office/powerpoint/2010/main" xmlns="" val="996800918"/>
       </p:ext>
     </p:extLst>
   </p:cSld>
@@ -5439,7 +5279,7 @@
           <p:nvPr>
             <p:extLst>
               <p:ext uri="{D42A27DB-BD31-4B8C-83A1-F6EECF244321}">
-                <p14:modId xmlns:p14="http://schemas.microsoft.com/office/powerpoint/2010/main" val="896780294"/>
+                <p14:modId xmlns:p14="http://schemas.microsoft.com/office/powerpoint/2010/main" xmlns="" val="896780294"/>
               </p:ext>
             </p:extLst>
           </p:nvPr>
@@ -5457,7 +5297,7 @@
     </p:spTree>
     <p:extLst>
       <p:ext uri="{BB962C8B-B14F-4D97-AF65-F5344CB8AC3E}">
-        <p14:creationId xmlns:p14="http://schemas.microsoft.com/office/powerpoint/2010/main" val="12642191"/>
+        <p14:creationId xmlns:p14="http://schemas.microsoft.com/office/powerpoint/2010/main" xmlns="" val="12642191"/>
       </p:ext>
     </p:extLst>
   </p:cSld>
@@ -5521,7 +5361,7 @@
           <p:nvPr>
             <p:extLst>
               <p:ext uri="{D42A27DB-BD31-4B8C-83A1-F6EECF244321}">
-                <p14:modId xmlns:p14="http://schemas.microsoft.com/office/powerpoint/2010/main" val="4222226759"/>
+                <p14:modId xmlns:p14="http://schemas.microsoft.com/office/powerpoint/2010/main" xmlns="" val="4222226759"/>
               </p:ext>
             </p:extLst>
           </p:nvPr>
@@ -5539,7 +5379,7 @@
     </p:spTree>
     <p:extLst>
       <p:ext uri="{BB962C8B-B14F-4D97-AF65-F5344CB8AC3E}">
-        <p14:creationId xmlns:p14="http://schemas.microsoft.com/office/powerpoint/2010/main" val="4222572546"/>
+        <p14:creationId xmlns:p14="http://schemas.microsoft.com/office/powerpoint/2010/main" xmlns="" val="4222572546"/>
       </p:ext>
     </p:extLst>
   </p:cSld>
@@ -5603,7 +5443,7 @@
           <p:nvPr>
             <p:extLst>
               <p:ext uri="{D42A27DB-BD31-4B8C-83A1-F6EECF244321}">
-                <p14:modId xmlns:p14="http://schemas.microsoft.com/office/powerpoint/2010/main" val="443036598"/>
+                <p14:modId xmlns:p14="http://schemas.microsoft.com/office/powerpoint/2010/main" xmlns="" val="443036598"/>
               </p:ext>
             </p:extLst>
           </p:nvPr>
@@ -5621,7 +5461,7 @@
     </p:spTree>
     <p:extLst>
       <p:ext uri="{BB962C8B-B14F-4D97-AF65-F5344CB8AC3E}">
-        <p14:creationId xmlns:p14="http://schemas.microsoft.com/office/powerpoint/2010/main" val="355807101"/>
+        <p14:creationId xmlns:p14="http://schemas.microsoft.com/office/powerpoint/2010/main" xmlns="" val="355807101"/>
       </p:ext>
     </p:extLst>
   </p:cSld>
@@ -5685,7 +5525,7 @@
           <p:nvPr>
             <p:extLst>
               <p:ext uri="{D42A27DB-BD31-4B8C-83A1-F6EECF244321}">
-                <p14:modId xmlns:p14="http://schemas.microsoft.com/office/powerpoint/2010/main" val="728387088"/>
+                <p14:modId xmlns:p14="http://schemas.microsoft.com/office/powerpoint/2010/main" xmlns="" val="728387088"/>
               </p:ext>
             </p:extLst>
           </p:nvPr>
@@ -5703,7 +5543,7 @@
     </p:spTree>
     <p:extLst>
       <p:ext uri="{BB962C8B-B14F-4D97-AF65-F5344CB8AC3E}">
-        <p14:creationId xmlns:p14="http://schemas.microsoft.com/office/powerpoint/2010/main" val="3238537544"/>
+        <p14:creationId xmlns:p14="http://schemas.microsoft.com/office/powerpoint/2010/main" xmlns="" val="3238537544"/>
       </p:ext>
     </p:extLst>
   </p:cSld>
@@ -5827,7 +5667,7 @@
           <a:blip r:embed="rId2" cstate="print">
             <a:extLst>
               <a:ext uri="{28A0092B-C50C-407E-A947-70E740481C1C}">
-                <a14:useLocalDpi xmlns:a14="http://schemas.microsoft.com/office/drawing/2010/main" val="0"/>
+                <a14:useLocalDpi xmlns:a14="http://schemas.microsoft.com/office/drawing/2010/main" xmlns="" val="0"/>
               </a:ext>
             </a:extLst>
           </a:blip>
@@ -5847,7 +5687,7 @@
           <a:noFill/>
           <a:extLst>
             <a:ext uri="{909E8E84-426E-40DD-AFC4-6F175D3DCCD1}">
-              <a14:hiddenFill xmlns:a14="http://schemas.microsoft.com/office/drawing/2010/main">
+              <a14:hiddenFill xmlns:a14="http://schemas.microsoft.com/office/drawing/2010/main" xmlns="">
                 <a:solidFill>
                   <a:srgbClr val="FFFFFF"/>
                 </a:solidFill>
@@ -5859,7 +5699,7 @@
     </p:spTree>
     <p:extLst>
       <p:ext uri="{BB962C8B-B14F-4D97-AF65-F5344CB8AC3E}">
-        <p14:creationId xmlns:p14="http://schemas.microsoft.com/office/powerpoint/2010/main" val="3044713512"/>
+        <p14:creationId xmlns:p14="http://schemas.microsoft.com/office/powerpoint/2010/main" xmlns="" val="3044713512"/>
       </p:ext>
     </p:extLst>
   </p:cSld>
@@ -5929,7 +5769,7 @@
         <p:spPr/>
         <p:txBody>
           <a:bodyPr>
-            <a:normAutofit fontScale="92500" lnSpcReduction="10000"/>
+            <a:normAutofit/>
           </a:bodyPr>
           <a:lstStyle/>
           <a:p>
@@ -5950,12 +5790,9 @@
           <a:p>
             <a:r>
               <a:rPr lang="da-DK" dirty="0" smtClean="0"/>
-              <a:t>Reading </a:t>
-            </a:r>
-            <a:r>
-              <a:rPr lang="da-DK" dirty="0"/>
-              <a:t>code</a:t>
-            </a:r>
+              <a:t>Exercises</a:t>
+            </a:r>
+            <a:endParaRPr lang="da-DK" dirty="0"/>
           </a:p>
           <a:p>
             <a:pPr marL="0" indent="0">
@@ -5969,30 +5806,9 @@
           <a:p>
             <a:r>
               <a:rPr lang="da-DK" dirty="0" smtClean="0"/>
-              <a:t>Writing </a:t>
-            </a:r>
-            <a:r>
-              <a:rPr lang="da-DK" dirty="0"/>
-              <a:t>code</a:t>
-            </a:r>
-          </a:p>
-          <a:p>
-            <a:pPr lvl="1"/>
-            <a:r>
-              <a:rPr lang="da-DK" dirty="0"/>
-              <a:t>New code</a:t>
-            </a:r>
-          </a:p>
-          <a:p>
-            <a:pPr lvl="1"/>
-            <a:r>
-              <a:rPr lang="da-DK" dirty="0"/>
-              <a:t>Changing existing </a:t>
-            </a:r>
-            <a:r>
-              <a:rPr lang="da-DK" dirty="0" smtClean="0"/>
-              <a:t>code</a:t>
-            </a:r>
+              <a:t>Exercises</a:t>
+            </a:r>
+            <a:endParaRPr lang="da-DK" dirty="0" smtClean="0"/>
           </a:p>
           <a:p>
             <a:pPr marL="0" indent="0">
@@ -6016,7 +5832,7 @@
     </p:spTree>
     <p:extLst>
       <p:ext uri="{BB962C8B-B14F-4D97-AF65-F5344CB8AC3E}">
-        <p14:creationId xmlns:p14="http://schemas.microsoft.com/office/powerpoint/2010/main" val="1383946699"/>
+        <p14:creationId xmlns:p14="http://schemas.microsoft.com/office/powerpoint/2010/main" xmlns="" val="1383946699"/>
       </p:ext>
     </p:extLst>
   </p:cSld>
@@ -6143,7 +5959,7 @@
     </p:spTree>
     <p:extLst>
       <p:ext uri="{BB962C8B-B14F-4D97-AF65-F5344CB8AC3E}">
-        <p14:creationId xmlns:p14="http://schemas.microsoft.com/office/powerpoint/2010/main" val="2102622275"/>
+        <p14:creationId xmlns:p14="http://schemas.microsoft.com/office/powerpoint/2010/main" xmlns="" val="2102622275"/>
       </p:ext>
     </p:extLst>
   </p:cSld>
@@ -6262,7 +6078,7 @@
     </p:spTree>
     <p:extLst>
       <p:ext uri="{BB962C8B-B14F-4D97-AF65-F5344CB8AC3E}">
-        <p14:creationId xmlns:p14="http://schemas.microsoft.com/office/powerpoint/2010/main" val="515773726"/>
+        <p14:creationId xmlns:p14="http://schemas.microsoft.com/office/powerpoint/2010/main" xmlns="" val="515773726"/>
       </p:ext>
     </p:extLst>
   </p:cSld>
@@ -6338,8 +6154,13 @@
           <a:p>
             <a:r>
               <a:rPr lang="da-DK" dirty="0" smtClean="0"/>
-              <a:t>Breadth over Depth</a:t>
-            </a:r>
+              <a:t>Breadth over </a:t>
+            </a:r>
+            <a:r>
+              <a:rPr lang="da-DK" dirty="0" smtClean="0"/>
+              <a:t>depth</a:t>
+            </a:r>
+            <a:endParaRPr lang="da-DK" dirty="0" smtClean="0"/>
           </a:p>
           <a:p>
             <a:endParaRPr lang="da-DK" dirty="0" smtClean="0"/>
@@ -6621,7 +6442,7 @@
     </p:spTree>
     <p:extLst>
       <p:ext uri="{BB962C8B-B14F-4D97-AF65-F5344CB8AC3E}">
-        <p14:creationId xmlns:p14="http://schemas.microsoft.com/office/powerpoint/2010/main" val="578547949"/>
+        <p14:creationId xmlns:p14="http://schemas.microsoft.com/office/powerpoint/2010/main" xmlns="" val="578547949"/>
       </p:ext>
     </p:extLst>
   </p:cSld>
@@ -6639,7 +6460,7 @@
 </file>
 
 <file path=ppt/slides/slide5.xml><?xml version="1.0" encoding="utf-8"?>
-<p:sld xmlns:a="http://schemas.openxmlformats.org/drawingml/2006/main" xmlns:r="http://schemas.openxmlformats.org/officeDocument/2006/relationships" xmlns:p="http://schemas.openxmlformats.org/presentationml/2006/main">
+<p:sld xmlns:a="http://schemas.openxmlformats.org/drawingml/2006/main" xmlns:r="http://schemas.openxmlformats.org/officeDocument/2006/relationships" xmlns:p="http://schemas.openxmlformats.org/presentationml/2006/main" show="0">
   <p:cSld>
     <p:spTree>
       <p:nvGrpSpPr>
@@ -6697,8 +6518,9 @@
           <a:p>
             <a:r>
               <a:rPr lang="da-DK" dirty="0" smtClean="0"/>
-              <a:t>Pairs</a:t>
-            </a:r>
+              <a:t>Pairs </a:t>
+            </a:r>
+            <a:endParaRPr lang="da-DK" dirty="0" smtClean="0"/>
           </a:p>
           <a:p>
             <a:endParaRPr lang="da-DK" dirty="0" smtClean="0"/>
@@ -6752,13 +6574,14 @@
     </p:spTree>
     <p:extLst>
       <p:ext uri="{BB962C8B-B14F-4D97-AF65-F5344CB8AC3E}">
-        <p14:creationId xmlns:p14="http://schemas.microsoft.com/office/powerpoint/2010/main" val="4173076907"/>
+        <p14:creationId xmlns:p14="http://schemas.microsoft.com/office/powerpoint/2010/main" xmlns="" val="4173076907"/>
       </p:ext>
     </p:extLst>
   </p:cSld>
   <p:clrMapOvr>
     <a:masterClrMapping/>
   </p:clrMapOvr>
+  <p:transition/>
   <p:timing>
     <p:tnLst>
       <p:par>
@@ -6819,7 +6642,7 @@
             <p:ph idx="1"/>
             <p:extLst>
               <p:ext uri="{D42A27DB-BD31-4B8C-83A1-F6EECF244321}">
-                <p14:modId xmlns:p14="http://schemas.microsoft.com/office/powerpoint/2010/main" val="838368028"/>
+                <p14:modId xmlns:p14="http://schemas.microsoft.com/office/powerpoint/2010/main" xmlns="" val="838368028"/>
               </p:ext>
             </p:extLst>
           </p:nvPr>
@@ -7045,7 +6868,7 @@
     </p:spTree>
     <p:extLst>
       <p:ext uri="{BB962C8B-B14F-4D97-AF65-F5344CB8AC3E}">
-        <p14:creationId xmlns:p14="http://schemas.microsoft.com/office/powerpoint/2010/main" val="1308988046"/>
+        <p14:creationId xmlns:p14="http://schemas.microsoft.com/office/powerpoint/2010/main" xmlns="" val="1308988046"/>
       </p:ext>
     </p:extLst>
   </p:cSld>
@@ -7191,7 +7014,7 @@
     </p:spTree>
     <p:extLst>
       <p:ext uri="{BB962C8B-B14F-4D97-AF65-F5344CB8AC3E}">
-        <p14:creationId xmlns:p14="http://schemas.microsoft.com/office/powerpoint/2010/main" val="3595684685"/>
+        <p14:creationId xmlns:p14="http://schemas.microsoft.com/office/powerpoint/2010/main" xmlns="" val="3595684685"/>
       </p:ext>
     </p:extLst>
   </p:cSld>
@@ -7371,7 +7194,7 @@
           </a:p>
           <a:p>
             <a:r>
-              <a:rPr lang="da-DK" dirty="0" smtClean="0">
+              <a:rPr lang="da-DK" i="1" dirty="0" smtClean="0">
                 <a:solidFill>
                   <a:schemeClr val="bg1"/>
                 </a:solidFill>
@@ -7379,7 +7202,7 @@
               <a:t>No </a:t>
             </a:r>
             <a:r>
-              <a:rPr lang="da-DK" dirty="0">
+              <a:rPr lang="da-DK" i="1" dirty="0">
                 <a:solidFill>
                   <a:schemeClr val="bg1"/>
                 </a:solidFill>
@@ -7407,7 +7230,7 @@
     </p:spTree>
     <p:extLst>
       <p:ext uri="{BB962C8B-B14F-4D97-AF65-F5344CB8AC3E}">
-        <p14:creationId xmlns:p14="http://schemas.microsoft.com/office/powerpoint/2010/main" val="3062657029"/>
+        <p14:creationId xmlns:p14="http://schemas.microsoft.com/office/powerpoint/2010/main" xmlns="" val="3062657029"/>
       </p:ext>
     </p:extLst>
   </p:cSld>
@@ -7493,7 +7316,7 @@
         <p:spPr/>
         <p:txBody>
           <a:bodyPr>
-            <a:normAutofit lnSpcReduction="10000"/>
+            <a:normAutofit fontScale="92500" lnSpcReduction="10000"/>
           </a:bodyPr>
           <a:lstStyle/>
           <a:p>
@@ -7536,34 +7359,11 @@
                   <a:schemeClr val="bg1"/>
                 </a:solidFill>
               </a:rPr>
-              <a:t>Solve exercise as you normally would</a:t>
-            </a:r>
-          </a:p>
-          <a:p>
-            <a:endParaRPr lang="da-DK" dirty="0">
-              <a:solidFill>
-                <a:schemeClr val="bg1"/>
-              </a:solidFill>
-            </a:endParaRPr>
-          </a:p>
-          <a:p>
-            <a:r>
-              <a:rPr lang="da-DK" dirty="0" smtClean="0">
-                <a:solidFill>
-                  <a:schemeClr val="bg1"/>
-                </a:solidFill>
-              </a:rPr>
-              <a:t>Maybe try without mouse</a:t>
-            </a:r>
-          </a:p>
-          <a:p>
-            <a:endParaRPr lang="da-DK" dirty="0">
-              <a:solidFill>
-                <a:schemeClr val="bg1"/>
-              </a:solidFill>
-            </a:endParaRPr>
-          </a:p>
-          <a:p>
+              <a:t>Pair</a:t>
+            </a:r>
+          </a:p>
+          <a:p>
+            <a:pPr lvl="1"/>
             <a:r>
               <a:rPr lang="da-DK" dirty="0" smtClean="0">
                 <a:solidFill>
@@ -7572,18 +7372,70 @@
               </a:rPr>
               <a:t>Navigator times it</a:t>
             </a:r>
+          </a:p>
+          <a:p>
+            <a:endParaRPr lang="da-DK" dirty="0" smtClean="0">
+              <a:solidFill>
+                <a:schemeClr val="bg1"/>
+              </a:solidFill>
+            </a:endParaRPr>
+          </a:p>
+          <a:p>
+            <a:r>
+              <a:rPr lang="da-DK" dirty="0" smtClean="0">
+                <a:solidFill>
+                  <a:schemeClr val="bg1"/>
+                </a:solidFill>
+              </a:rPr>
+              <a:t>Solve </a:t>
+            </a:r>
+            <a:r>
+              <a:rPr lang="da-DK" dirty="0" smtClean="0">
+                <a:solidFill>
+                  <a:schemeClr val="bg1"/>
+                </a:solidFill>
+              </a:rPr>
+              <a:t>exercise as you normally would</a:t>
+            </a:r>
+          </a:p>
+          <a:p>
             <a:endParaRPr lang="da-DK" dirty="0">
               <a:solidFill>
                 <a:schemeClr val="bg1"/>
               </a:solidFill>
             </a:endParaRPr>
           </a:p>
+          <a:p>
+            <a:r>
+              <a:rPr lang="da-DK" dirty="0" smtClean="0">
+                <a:solidFill>
+                  <a:schemeClr val="bg1"/>
+                </a:solidFill>
+              </a:rPr>
+              <a:t>Try </a:t>
+            </a:r>
+            <a:r>
+              <a:rPr lang="da-DK" dirty="0" smtClean="0">
+                <a:solidFill>
+                  <a:schemeClr val="bg1"/>
+                </a:solidFill>
+              </a:rPr>
+              <a:t>without mouse</a:t>
+            </a:r>
+          </a:p>
+          <a:p>
+            <a:endParaRPr lang="da-DK" dirty="0" smtClean="0">
+              <a:solidFill>
+                <a:schemeClr val="bg1"/>
+              </a:solidFill>
+            </a:endParaRPr>
+          </a:p>
         </p:txBody>
       </p:sp>
     </p:spTree>
     <p:extLst>
       <p:ext uri="{BB962C8B-B14F-4D97-AF65-F5344CB8AC3E}">
-        <p14:creationId xmlns:p14="http://schemas.microsoft.com/office/powerpoint/2010/main" val="3272303398"/>
+        <p14:creationId xmlns:p14="http://schemas.microsoft.com/office/powerpoint/2010/main" xmlns="" val="3272303398"/>
       </p:ext>
     </p:extLst>
   </p:cSld>

--- a/Presentations/1 - Introduction - ReSharper Course.pptx
+++ b/Presentations/1 - Introduction - ReSharper Course.pptx
@@ -5,7 +5,7 @@
     <p:sldMasterId id="2147483648" r:id="rId1"/>
   </p:sldMasterIdLst>
   <p:notesMasterIdLst>
-    <p:notesMasterId r:id="rId23"/>
+    <p:notesMasterId r:id="rId25"/>
   </p:notesMasterIdLst>
   <p:sldIdLst>
     <p:sldId id="256" r:id="rId2"/>
@@ -27,8 +27,10 @@
     <p:sldId id="283" r:id="rId18"/>
     <p:sldId id="284" r:id="rId19"/>
     <p:sldId id="285" r:id="rId20"/>
-    <p:sldId id="264" r:id="rId21"/>
-    <p:sldId id="286" r:id="rId22"/>
+    <p:sldId id="287" r:id="rId21"/>
+    <p:sldId id="288" r:id="rId22"/>
+    <p:sldId id="264" r:id="rId23"/>
+    <p:sldId id="286" r:id="rId24"/>
   </p:sldIdLst>
   <p:sldSz cx="9144000" cy="6858000" type="screen4x3"/>
   <p:notesSz cx="6858000" cy="9144000"/>
@@ -179,6 +181,7 @@
 
 <file path=ppt/charts/chart1.xml><?xml version="1.0" encoding="utf-8"?>
 <c:chartSpace xmlns:c="http://schemas.openxmlformats.org/drawingml/2006/chart" xmlns:a="http://schemas.openxmlformats.org/drawingml/2006/main" xmlns:r="http://schemas.openxmlformats.org/officeDocument/2006/relationships">
+  <c:date1904 val="1"/>
   <c:lang val="da-DK"/>
   <c:chart>
     <c:plotArea>
@@ -297,27 +300,26 @@
             </c:numRef>
           </c:val>
         </c:ser>
-        <c:dLbls/>
         <c:marker val="1"/>
-        <c:axId val="115460736"/>
-        <c:axId val="115474816"/>
+        <c:axId val="99119872"/>
+        <c:axId val="99121408"/>
       </c:lineChart>
       <c:catAx>
-        <c:axId val="115460736"/>
+        <c:axId val="99119872"/>
         <c:scaling>
           <c:orientation val="minMax"/>
         </c:scaling>
         <c:axPos val="b"/>
         <c:numFmt formatCode="General" sourceLinked="1"/>
         <c:tickLblPos val="nextTo"/>
-        <c:crossAx val="115474816"/>
+        <c:crossAx val="99121408"/>
         <c:crosses val="autoZero"/>
         <c:auto val="1"/>
         <c:lblAlgn val="ctr"/>
         <c:lblOffset val="100"/>
       </c:catAx>
       <c:valAx>
-        <c:axId val="115474816"/>
+        <c:axId val="99121408"/>
         <c:scaling>
           <c:orientation val="minMax"/>
         </c:scaling>
@@ -325,7 +327,7 @@
         <c:majorGridlines/>
         <c:numFmt formatCode="General" sourceLinked="1"/>
         <c:tickLblPos val="none"/>
-        <c:crossAx val="115460736"/>
+        <c:crossAx val="99119872"/>
         <c:crosses val="autoZero"/>
         <c:crossBetween val="between"/>
       </c:valAx>
@@ -336,7 +338,7 @@
         <c:manualLayout>
           <c:xMode val="edge"/>
           <c:yMode val="edge"/>
-          <c:x val="5.3899562554680661E-2"/>
+          <c:x val="5.3899562554680681E-2"/>
           <c:y val="9.198891998979869E-2"/>
           <c:w val="0.30225817227392032"/>
           <c:h val="0.25004681847201526"/>
@@ -363,6 +365,7 @@
 
 <file path=ppt/charts/chart2.xml><?xml version="1.0" encoding="utf-8"?>
 <c:chartSpace xmlns:c="http://schemas.openxmlformats.org/drawingml/2006/chart" xmlns:a="http://schemas.openxmlformats.org/drawingml/2006/main" xmlns:r="http://schemas.openxmlformats.org/officeDocument/2006/relationships">
+  <c:date1904 val="1"/>
   <c:lang val="da-DK"/>
   <c:chart>
     <c:autoTitleDeleted val="1"/>
@@ -418,7 +421,6 @@
             </c:numRef>
           </c:val>
         </c:ser>
-        <c:dLbls/>
         <c:firstSliceAng val="338"/>
       </c:pieChart>
     </c:plotArea>
@@ -446,6 +448,7 @@
 
 <file path=ppt/charts/chart3.xml><?xml version="1.0" encoding="utf-8"?>
 <c:chartSpace xmlns:c="http://schemas.openxmlformats.org/drawingml/2006/chart" xmlns:a="http://schemas.openxmlformats.org/drawingml/2006/main" xmlns:r="http://schemas.openxmlformats.org/officeDocument/2006/relationships">
+  <c:date1904 val="1"/>
   <c:lang val="da-DK"/>
   <c:chart>
     <c:autoTitleDeleted val="1"/>
@@ -507,7 +510,6 @@
             </c:numRef>
           </c:val>
         </c:ser>
-        <c:dLbls/>
         <c:firstSliceAng val="338"/>
       </c:pieChart>
     </c:plotArea>
@@ -535,6 +537,7 @@
 
 <file path=ppt/charts/chart4.xml><?xml version="1.0" encoding="utf-8"?>
 <c:chartSpace xmlns:c="http://schemas.openxmlformats.org/drawingml/2006/chart" xmlns:a="http://schemas.openxmlformats.org/drawingml/2006/main" xmlns:r="http://schemas.openxmlformats.org/officeDocument/2006/relationships">
+  <c:date1904 val="1"/>
   <c:lang val="da-DK"/>
   <c:chart>
     <c:autoTitleDeleted val="1"/>
@@ -602,7 +605,6 @@
             </c:numRef>
           </c:val>
         </c:ser>
-        <c:dLbls/>
         <c:firstSliceAng val="338"/>
       </c:pieChart>
     </c:plotArea>
@@ -630,6 +632,7 @@
 
 <file path=ppt/charts/chart5.xml><?xml version="1.0" encoding="utf-8"?>
 <c:chartSpace xmlns:c="http://schemas.openxmlformats.org/drawingml/2006/chart" xmlns:a="http://schemas.openxmlformats.org/drawingml/2006/main" xmlns:r="http://schemas.openxmlformats.org/officeDocument/2006/relationships">
+  <c:date1904 val="1"/>
   <c:lang val="da-DK"/>
   <c:chart>
     <c:autoTitleDeleted val="1"/>
@@ -703,7 +706,6 @@
             </c:numRef>
           </c:val>
         </c:ser>
-        <c:dLbls/>
         <c:firstSliceAng val="338"/>
       </c:pieChart>
     </c:plotArea>
@@ -731,6 +733,7 @@
 
 <file path=ppt/charts/chart6.xml><?xml version="1.0" encoding="utf-8"?>
 <c:chartSpace xmlns:c="http://schemas.openxmlformats.org/drawingml/2006/chart" xmlns:a="http://schemas.openxmlformats.org/drawingml/2006/main" xmlns:r="http://schemas.openxmlformats.org/officeDocument/2006/relationships">
+  <c:date1904 val="1"/>
   <c:lang val="da-DK"/>
   <c:chart>
     <c:autoTitleDeleted val="1"/>
@@ -804,7 +807,6 @@
             </c:numRef>
           </c:val>
         </c:ser>
-        <c:dLbls/>
         <c:firstSliceAng val="338"/>
       </c:pieChart>
     </c:plotArea>
@@ -933,7 +935,6 @@
             </c:numRef>
           </c:val>
         </c:ser>
-        <c:dLbls/>
         <c:firstSliceAng val="338"/>
       </c:pieChart>
     </c:plotArea>
@@ -5745,29 +5746,6 @@
         </p:nvSpPr>
         <p:spPr/>
         <p:txBody>
-          <a:bodyPr/>
-          <a:lstStyle/>
-          <a:p>
-            <a:r>
-              <a:rPr lang="da-DK" dirty="0" smtClean="0"/>
-              <a:t>Rest of the day</a:t>
-            </a:r>
-            <a:endParaRPr lang="da-DK" dirty="0"/>
-          </a:p>
-        </p:txBody>
-      </p:sp>
-      <p:sp>
-        <p:nvSpPr>
-          <p:cNvPr id="3" name="Content Placeholder 2"/>
-          <p:cNvSpPr>
-            <a:spLocks noGrp="1"/>
-          </p:cNvSpPr>
-          <p:nvPr>
-            <p:ph idx="1"/>
-          </p:nvPr>
-        </p:nvSpPr>
-        <p:spPr/>
-        <p:txBody>
           <a:bodyPr>
             <a:normAutofit/>
           </a:bodyPr>
@@ -5775,6 +5753,311 @@
           <a:p>
             <a:r>
               <a:rPr lang="da-DK" dirty="0" smtClean="0"/>
+              <a:t>Reading Code</a:t>
+            </a:r>
+            <a:endParaRPr lang="da-DK" dirty="0"/>
+          </a:p>
+        </p:txBody>
+      </p:sp>
+      <p:sp>
+        <p:nvSpPr>
+          <p:cNvPr id="3" name="Content Placeholder 2"/>
+          <p:cNvSpPr>
+            <a:spLocks noGrp="1"/>
+          </p:cNvSpPr>
+          <p:nvPr>
+            <p:ph idx="1"/>
+          </p:nvPr>
+        </p:nvSpPr>
+        <p:spPr/>
+        <p:txBody>
+          <a:bodyPr>
+            <a:normAutofit/>
+          </a:bodyPr>
+          <a:lstStyle/>
+          <a:p>
+            <a:r>
+              <a:rPr lang="da-DK" dirty="0" smtClean="0"/>
+              <a:t>Amount of code </a:t>
+            </a:r>
+            <a:r>
+              <a:rPr lang="da-DK" dirty="0" smtClean="0"/>
+              <a:t>increases</a:t>
+            </a:r>
+          </a:p>
+          <a:p>
+            <a:pPr lvl="1"/>
+            <a:r>
+              <a:rPr lang="da-DK" dirty="0" smtClean="0"/>
+              <a:t>We’re expected to keep up</a:t>
+            </a:r>
+            <a:endParaRPr lang="da-DK" dirty="0" smtClean="0"/>
+          </a:p>
+          <a:p>
+            <a:endParaRPr lang="da-DK" dirty="0" smtClean="0"/>
+          </a:p>
+          <a:p>
+            <a:r>
+              <a:rPr lang="da-DK" dirty="0" smtClean="0"/>
+              <a:t>We’ll look at tools for</a:t>
+            </a:r>
+          </a:p>
+          <a:p>
+            <a:pPr lvl="1"/>
+            <a:r>
+              <a:rPr lang="da-DK" dirty="0" smtClean="0"/>
+              <a:t>Easy navigation</a:t>
+            </a:r>
+          </a:p>
+          <a:p>
+            <a:pPr lvl="1"/>
+            <a:r>
+              <a:rPr lang="da-DK" dirty="0" smtClean="0"/>
+              <a:t>Reasoning about code</a:t>
+            </a:r>
+          </a:p>
+          <a:p>
+            <a:pPr lvl="2"/>
+            <a:r>
+              <a:rPr lang="da-DK" dirty="0" smtClean="0"/>
+              <a:t>What you were thinking 6 months ago</a:t>
+            </a:r>
+            <a:r>
+              <a:rPr lang="da-DK" dirty="0" smtClean="0"/>
+              <a:t>?</a:t>
+            </a:r>
+            <a:endParaRPr lang="da-DK" dirty="0" smtClean="0"/>
+          </a:p>
+          <a:p>
+            <a:pPr lvl="2"/>
+            <a:r>
+              <a:rPr lang="da-DK" dirty="0" smtClean="0"/>
+              <a:t>Debugging</a:t>
+            </a:r>
+            <a:endParaRPr lang="da-DK" dirty="0" smtClean="0"/>
+          </a:p>
+          <a:p>
+            <a:endParaRPr lang="da-DK" dirty="0" smtClean="0"/>
+          </a:p>
+        </p:txBody>
+      </p:sp>
+    </p:spTree>
+    <p:extLst>
+      <p:ext uri="{BB962C8B-B14F-4D97-AF65-F5344CB8AC3E}">
+        <p14:creationId xmlns="" xmlns:p14="http://schemas.microsoft.com/office/powerpoint/2010/main" val="96289950"/>
+      </p:ext>
+    </p:extLst>
+  </p:cSld>
+  <p:clrMapOvr>
+    <a:masterClrMapping/>
+  </p:clrMapOvr>
+  <p:timing>
+    <p:tnLst>
+      <p:par>
+        <p:cTn id="1" dur="indefinite" restart="never" nodeType="tmRoot"/>
+      </p:par>
+    </p:tnLst>
+  </p:timing>
+</p:sld>
+</file>
+
+<file path=ppt/slides/slide21.xml><?xml version="1.0" encoding="utf-8"?>
+<p:sld xmlns:a="http://schemas.openxmlformats.org/drawingml/2006/main" xmlns:r="http://schemas.openxmlformats.org/officeDocument/2006/relationships" xmlns:p="http://schemas.openxmlformats.org/presentationml/2006/main">
+  <p:cSld>
+    <p:spTree>
+      <p:nvGrpSpPr>
+        <p:cNvPr id="1" name=""/>
+        <p:cNvGrpSpPr/>
+        <p:nvPr/>
+      </p:nvGrpSpPr>
+      <p:grpSpPr>
+        <a:xfrm>
+          <a:off x="0" y="0"/>
+          <a:ext cx="0" cy="0"/>
+          <a:chOff x="0" y="0"/>
+          <a:chExt cx="0" cy="0"/>
+        </a:xfrm>
+      </p:grpSpPr>
+      <p:sp>
+        <p:nvSpPr>
+          <p:cNvPr id="2" name="Title 1"/>
+          <p:cNvSpPr>
+            <a:spLocks noGrp="1"/>
+          </p:cNvSpPr>
+          <p:nvPr>
+            <p:ph type="title"/>
+          </p:nvPr>
+        </p:nvSpPr>
+        <p:spPr/>
+        <p:txBody>
+          <a:bodyPr>
+            <a:normAutofit/>
+          </a:bodyPr>
+          <a:lstStyle/>
+          <a:p>
+            <a:r>
+              <a:rPr lang="da-DK" dirty="0" smtClean="0"/>
+              <a:t>Writing Code</a:t>
+            </a:r>
+            <a:endParaRPr lang="da-DK" dirty="0"/>
+          </a:p>
+        </p:txBody>
+      </p:sp>
+      <p:sp>
+        <p:nvSpPr>
+          <p:cNvPr id="3" name="Content Placeholder 2"/>
+          <p:cNvSpPr>
+            <a:spLocks noGrp="1"/>
+          </p:cNvSpPr>
+          <p:nvPr>
+            <p:ph idx="1"/>
+          </p:nvPr>
+        </p:nvSpPr>
+        <p:spPr/>
+        <p:txBody>
+          <a:bodyPr>
+            <a:normAutofit/>
+          </a:bodyPr>
+          <a:lstStyle/>
+          <a:p>
+            <a:r>
+              <a:rPr lang="da-DK" dirty="0" smtClean="0"/>
+              <a:t>Increase productivity</a:t>
+            </a:r>
+          </a:p>
+          <a:p>
+            <a:pPr lvl="1"/>
+            <a:r>
+              <a:rPr lang="da-DK" dirty="0" smtClean="0"/>
+              <a:t>Done faster</a:t>
+            </a:r>
+          </a:p>
+          <a:p>
+            <a:pPr lvl="1"/>
+            <a:r>
+              <a:rPr lang="da-DK" dirty="0" smtClean="0"/>
+              <a:t>More experimentation</a:t>
+            </a:r>
+            <a:endParaRPr lang="da-DK" dirty="0" smtClean="0"/>
+          </a:p>
+          <a:p>
+            <a:endParaRPr lang="da-DK" dirty="0" smtClean="0"/>
+          </a:p>
+          <a:p>
+            <a:r>
+              <a:rPr lang="da-DK" dirty="0" smtClean="0"/>
+              <a:t>We’ll look at tools for</a:t>
+            </a:r>
+          </a:p>
+          <a:p>
+            <a:pPr lvl="1"/>
+            <a:r>
+              <a:rPr lang="da-DK" dirty="0" smtClean="0"/>
+              <a:t>Implementing new features</a:t>
+            </a:r>
+          </a:p>
+          <a:p>
+            <a:pPr lvl="1"/>
+            <a:r>
+              <a:rPr lang="da-DK" dirty="0" smtClean="0"/>
+              <a:t>Changing existing code</a:t>
+            </a:r>
+          </a:p>
+          <a:p>
+            <a:pPr lvl="1"/>
+            <a:r>
+              <a:rPr lang="da-DK" dirty="0" smtClean="0"/>
+              <a:t>Restructuring projects</a:t>
+            </a:r>
+          </a:p>
+          <a:p>
+            <a:pPr lvl="1"/>
+            <a:endParaRPr lang="da-DK" dirty="0" smtClean="0"/>
+          </a:p>
+          <a:p>
+            <a:endParaRPr lang="da-DK" dirty="0" smtClean="0"/>
+          </a:p>
+        </p:txBody>
+      </p:sp>
+    </p:spTree>
+    <p:extLst>
+      <p:ext uri="{BB962C8B-B14F-4D97-AF65-F5344CB8AC3E}">
+        <p14:creationId xmlns="" xmlns:p14="http://schemas.microsoft.com/office/powerpoint/2010/main" val="96289950"/>
+      </p:ext>
+    </p:extLst>
+  </p:cSld>
+  <p:clrMapOvr>
+    <a:masterClrMapping/>
+  </p:clrMapOvr>
+  <p:timing>
+    <p:tnLst>
+      <p:par>
+        <p:cTn id="1" dur="indefinite" restart="never" nodeType="tmRoot"/>
+      </p:par>
+    </p:tnLst>
+  </p:timing>
+</p:sld>
+</file>
+
+<file path=ppt/slides/slide22.xml><?xml version="1.0" encoding="utf-8"?>
+<p:sld xmlns:a="http://schemas.openxmlformats.org/drawingml/2006/main" xmlns:r="http://schemas.openxmlformats.org/officeDocument/2006/relationships" xmlns:p="http://schemas.openxmlformats.org/presentationml/2006/main">
+  <p:cSld>
+    <p:spTree>
+      <p:nvGrpSpPr>
+        <p:cNvPr id="1" name=""/>
+        <p:cNvGrpSpPr/>
+        <p:nvPr/>
+      </p:nvGrpSpPr>
+      <p:grpSpPr>
+        <a:xfrm>
+          <a:off x="0" y="0"/>
+          <a:ext cx="0" cy="0"/>
+          <a:chOff x="0" y="0"/>
+          <a:chExt cx="0" cy="0"/>
+        </a:xfrm>
+      </p:grpSpPr>
+      <p:sp>
+        <p:nvSpPr>
+          <p:cNvPr id="2" name="Title 1"/>
+          <p:cNvSpPr>
+            <a:spLocks noGrp="1"/>
+          </p:cNvSpPr>
+          <p:nvPr>
+            <p:ph type="title"/>
+          </p:nvPr>
+        </p:nvSpPr>
+        <p:spPr/>
+        <p:txBody>
+          <a:bodyPr/>
+          <a:lstStyle/>
+          <a:p>
+            <a:r>
+              <a:rPr lang="da-DK" dirty="0" smtClean="0"/>
+              <a:t>Rest of the day</a:t>
+            </a:r>
+            <a:endParaRPr lang="da-DK" dirty="0"/>
+          </a:p>
+        </p:txBody>
+      </p:sp>
+      <p:sp>
+        <p:nvSpPr>
+          <p:cNvPr id="3" name="Content Placeholder 2"/>
+          <p:cNvSpPr>
+            <a:spLocks noGrp="1"/>
+          </p:cNvSpPr>
+          <p:nvPr>
+            <p:ph idx="1"/>
+          </p:nvPr>
+        </p:nvSpPr>
+        <p:spPr/>
+        <p:txBody>
+          <a:bodyPr>
+            <a:normAutofit/>
+          </a:bodyPr>
+          <a:lstStyle/>
+          <a:p>
+            <a:r>
+              <a:rPr lang="da-DK" dirty="0" smtClean="0"/>
               <a:t>ReSharper Demo</a:t>
             </a:r>
           </a:p>
@@ -5808,7 +6091,6 @@
               <a:rPr lang="da-DK" dirty="0" smtClean="0"/>
               <a:t>Exercises</a:t>
             </a:r>
-            <a:endParaRPr lang="da-DK" dirty="0" smtClean="0"/>
           </a:p>
           <a:p>
             <a:pPr marL="0" indent="0">
@@ -5849,7 +6131,7 @@
 </p:sld>
 </file>
 
-<file path=ppt/slides/slide21.xml><?xml version="1.0" encoding="utf-8"?>
+<file path=ppt/slides/slide23.xml><?xml version="1.0" encoding="utf-8"?>
 <p:sld xmlns:a="http://schemas.openxmlformats.org/drawingml/2006/main" xmlns:r="http://schemas.openxmlformats.org/officeDocument/2006/relationships" xmlns:p="http://schemas.openxmlformats.org/presentationml/2006/main">
   <p:cSld>
     <p:bg>
@@ -6154,13 +6436,8 @@
           <a:p>
             <a:r>
               <a:rPr lang="da-DK" dirty="0" smtClean="0"/>
-              <a:t>Breadth over </a:t>
-            </a:r>
-            <a:r>
-              <a:rPr lang="da-DK" dirty="0" smtClean="0"/>
-              <a:t>depth</a:t>
-            </a:r>
-            <a:endParaRPr lang="da-DK" dirty="0" smtClean="0"/>
+              <a:t>Breadth over depth</a:t>
+            </a:r>
           </a:p>
           <a:p>
             <a:endParaRPr lang="da-DK" dirty="0" smtClean="0"/>
@@ -6460,7 +6737,7 @@
 </file>
 
 <file path=ppt/slides/slide5.xml><?xml version="1.0" encoding="utf-8"?>
-<p:sld xmlns:a="http://schemas.openxmlformats.org/drawingml/2006/main" xmlns:r="http://schemas.openxmlformats.org/officeDocument/2006/relationships" xmlns:p="http://schemas.openxmlformats.org/presentationml/2006/main" show="0">
+<p:sld xmlns:a="http://schemas.openxmlformats.org/drawingml/2006/main" xmlns:r="http://schemas.openxmlformats.org/officeDocument/2006/relationships" xmlns:p="http://schemas.openxmlformats.org/presentationml/2006/main">
   <p:cSld>
     <p:spTree>
       <p:nvGrpSpPr>
@@ -6520,7 +6797,6 @@
               <a:rPr lang="da-DK" dirty="0" smtClean="0"/>
               <a:t>Pairs </a:t>
             </a:r>
-            <a:endParaRPr lang="da-DK" dirty="0" smtClean="0"/>
           </a:p>
           <a:p>
             <a:endParaRPr lang="da-DK" dirty="0" smtClean="0"/>
@@ -7387,40 +7663,24 @@
                   <a:schemeClr val="bg1"/>
                 </a:solidFill>
               </a:rPr>
-              <a:t>Solve </a:t>
-            </a:r>
+              <a:t>Solve exercise as you normally would</a:t>
+            </a:r>
+          </a:p>
+          <a:p>
+            <a:endParaRPr lang="da-DK" dirty="0">
+              <a:solidFill>
+                <a:schemeClr val="bg1"/>
+              </a:solidFill>
+            </a:endParaRPr>
+          </a:p>
+          <a:p>
             <a:r>
               <a:rPr lang="da-DK" dirty="0" smtClean="0">
                 <a:solidFill>
                   <a:schemeClr val="bg1"/>
                 </a:solidFill>
               </a:rPr>
-              <a:t>exercise as you normally would</a:t>
-            </a:r>
-          </a:p>
-          <a:p>
-            <a:endParaRPr lang="da-DK" dirty="0">
-              <a:solidFill>
-                <a:schemeClr val="bg1"/>
-              </a:solidFill>
-            </a:endParaRPr>
-          </a:p>
-          <a:p>
-            <a:r>
-              <a:rPr lang="da-DK" dirty="0" smtClean="0">
-                <a:solidFill>
-                  <a:schemeClr val="bg1"/>
-                </a:solidFill>
-              </a:rPr>
-              <a:t>Try </a:t>
-            </a:r>
-            <a:r>
-              <a:rPr lang="da-DK" dirty="0" smtClean="0">
-                <a:solidFill>
-                  <a:schemeClr val="bg1"/>
-                </a:solidFill>
-              </a:rPr>
-              <a:t>without mouse</a:t>
+              <a:t>Try without mouse</a:t>
             </a:r>
           </a:p>
           <a:p>

--- a/Presentations/1 - Introduction - ReSharper Course.pptx
+++ b/Presentations/1 - Introduction - ReSharper Course.pptx
@@ -301,25 +301,25 @@
           </c:val>
         </c:ser>
         <c:marker val="1"/>
-        <c:axId val="99119872"/>
-        <c:axId val="99121408"/>
+        <c:axId val="49842432"/>
+        <c:axId val="49844224"/>
       </c:lineChart>
       <c:catAx>
-        <c:axId val="99119872"/>
+        <c:axId val="49842432"/>
         <c:scaling>
           <c:orientation val="minMax"/>
         </c:scaling>
         <c:axPos val="b"/>
         <c:numFmt formatCode="General" sourceLinked="1"/>
         <c:tickLblPos val="nextTo"/>
-        <c:crossAx val="99121408"/>
+        <c:crossAx val="49844224"/>
         <c:crosses val="autoZero"/>
         <c:auto val="1"/>
         <c:lblAlgn val="ctr"/>
         <c:lblOffset val="100"/>
       </c:catAx>
       <c:valAx>
-        <c:axId val="99121408"/>
+        <c:axId val="49844224"/>
         <c:scaling>
           <c:orientation val="minMax"/>
         </c:scaling>
@@ -327,7 +327,7 @@
         <c:majorGridlines/>
         <c:numFmt formatCode="General" sourceLinked="1"/>
         <c:tickLblPos val="none"/>
-        <c:crossAx val="99119872"/>
+        <c:crossAx val="49842432"/>
         <c:crosses val="autoZero"/>
         <c:crossBetween val="between"/>
       </c:valAx>
@@ -338,7 +338,7 @@
         <c:manualLayout>
           <c:xMode val="edge"/>
           <c:yMode val="edge"/>
-          <c:x val="5.3899562554680681E-2"/>
+          <c:x val="5.3899562554680695E-2"/>
           <c:y val="9.198891998979869E-2"/>
           <c:w val="0.30225817227392032"/>
           <c:h val="0.25004681847201526"/>
@@ -426,7 +426,6 @@
     </c:plotArea>
     <c:legend>
       <c:legendPos val="r"/>
-      <c:layout/>
       <c:overlay val="1"/>
     </c:legend>
     <c:plotVisOnly val="1"/>
@@ -515,7 +514,6 @@
     </c:plotArea>
     <c:legend>
       <c:legendPos val="r"/>
-      <c:layout/>
       <c:overlay val="1"/>
     </c:legend>
     <c:plotVisOnly val="1"/>
@@ -610,7 +608,6 @@
     </c:plotArea>
     <c:legend>
       <c:legendPos val="r"/>
-      <c:layout/>
       <c:overlay val="1"/>
     </c:legend>
     <c:plotVisOnly val="1"/>
@@ -711,7 +708,6 @@
     </c:plotArea>
     <c:legend>
       <c:legendPos val="r"/>
-      <c:layout/>
       <c:overlay val="1"/>
     </c:legend>
     <c:plotVisOnly val="1"/>
@@ -812,7 +808,6 @@
     </c:plotArea>
     <c:legend>
       <c:legendPos val="r"/>
-      <c:layout/>
       <c:overlay val="1"/>
     </c:legend>
     <c:plotVisOnly val="1"/>
@@ -940,7 +935,6 @@
     </c:plotArea>
     <c:legend>
       <c:legendPos val="r"/>
-      <c:layout/>
       <c:overlay val="1"/>
     </c:legend>
     <c:plotVisOnly val="1"/>
@@ -1043,7 +1037,7 @@
             <a:fld id="{25D31F56-D80D-4507-AC0F-AB5E545C4181}" type="datetimeFigureOut">
               <a:rPr lang="da-DK" smtClean="0"/>
               <a:pPr/>
-              <a:t>22-05-2012</a:t>
+              <a:t>23-05-2012</a:t>
             </a:fld>
             <a:endParaRPr lang="da-DK"/>
           </a:p>
@@ -1606,7 +1600,7 @@
             <a:fld id="{1D8BD707-D9CF-40AE-B4C6-C98DA3205C09}" type="datetimeFigureOut">
               <a:rPr lang="en-US" smtClean="0"/>
               <a:pPr/>
-              <a:t>5/22/2012</a:t>
+              <a:t>5/23/2012</a:t>
             </a:fld>
             <a:endParaRPr lang="en-US"/>
           </a:p>
@@ -1773,7 +1767,7 @@
             <a:fld id="{1D8BD707-D9CF-40AE-B4C6-C98DA3205C09}" type="datetimeFigureOut">
               <a:rPr lang="en-US" smtClean="0"/>
               <a:pPr/>
-              <a:t>5/22/2012</a:t>
+              <a:t>5/23/2012</a:t>
             </a:fld>
             <a:endParaRPr lang="en-US"/>
           </a:p>
@@ -1950,7 +1944,7 @@
             <a:fld id="{1D8BD707-D9CF-40AE-B4C6-C98DA3205C09}" type="datetimeFigureOut">
               <a:rPr lang="en-US" smtClean="0"/>
               <a:pPr/>
-              <a:t>5/22/2012</a:t>
+              <a:t>5/23/2012</a:t>
             </a:fld>
             <a:endParaRPr lang="en-US"/>
           </a:p>
@@ -2117,7 +2111,7 @@
             <a:fld id="{1D8BD707-D9CF-40AE-B4C6-C98DA3205C09}" type="datetimeFigureOut">
               <a:rPr lang="en-US" smtClean="0"/>
               <a:pPr/>
-              <a:t>5/22/2012</a:t>
+              <a:t>5/23/2012</a:t>
             </a:fld>
             <a:endParaRPr lang="en-US"/>
           </a:p>
@@ -2360,7 +2354,7 @@
             <a:fld id="{1D8BD707-D9CF-40AE-B4C6-C98DA3205C09}" type="datetimeFigureOut">
               <a:rPr lang="en-US" smtClean="0"/>
               <a:pPr/>
-              <a:t>5/22/2012</a:t>
+              <a:t>5/23/2012</a:t>
             </a:fld>
             <a:endParaRPr lang="en-US"/>
           </a:p>
@@ -2645,7 +2639,7 @@
             <a:fld id="{1D8BD707-D9CF-40AE-B4C6-C98DA3205C09}" type="datetimeFigureOut">
               <a:rPr lang="en-US" smtClean="0"/>
               <a:pPr/>
-              <a:t>5/22/2012</a:t>
+              <a:t>5/23/2012</a:t>
             </a:fld>
             <a:endParaRPr lang="en-US"/>
           </a:p>
@@ -3064,7 +3058,7 @@
             <a:fld id="{1D8BD707-D9CF-40AE-B4C6-C98DA3205C09}" type="datetimeFigureOut">
               <a:rPr lang="en-US" smtClean="0"/>
               <a:pPr/>
-              <a:t>5/22/2012</a:t>
+              <a:t>5/23/2012</a:t>
             </a:fld>
             <a:endParaRPr lang="en-US"/>
           </a:p>
@@ -3179,7 +3173,7 @@
             <a:fld id="{1D8BD707-D9CF-40AE-B4C6-C98DA3205C09}" type="datetimeFigureOut">
               <a:rPr lang="en-US" smtClean="0"/>
               <a:pPr/>
-              <a:t>5/22/2012</a:t>
+              <a:t>5/23/2012</a:t>
             </a:fld>
             <a:endParaRPr lang="en-US"/>
           </a:p>
@@ -3271,7 +3265,7 @@
             <a:fld id="{1D8BD707-D9CF-40AE-B4C6-C98DA3205C09}" type="datetimeFigureOut">
               <a:rPr lang="en-US" smtClean="0"/>
               <a:pPr/>
-              <a:t>5/22/2012</a:t>
+              <a:t>5/23/2012</a:t>
             </a:fld>
             <a:endParaRPr lang="en-US"/>
           </a:p>
@@ -3545,7 +3539,7 @@
             <a:fld id="{1D8BD707-D9CF-40AE-B4C6-C98DA3205C09}" type="datetimeFigureOut">
               <a:rPr lang="en-US" smtClean="0"/>
               <a:pPr/>
-              <a:t>5/22/2012</a:t>
+              <a:t>5/23/2012</a:t>
             </a:fld>
             <a:endParaRPr lang="en-US"/>
           </a:p>
@@ -3795,7 +3789,7 @@
             <a:fld id="{1D8BD707-D9CF-40AE-B4C6-C98DA3205C09}" type="datetimeFigureOut">
               <a:rPr lang="en-US" smtClean="0"/>
               <a:pPr/>
-              <a:t>5/22/2012</a:t>
+              <a:t>5/23/2012</a:t>
             </a:fld>
             <a:endParaRPr lang="en-US"/>
           </a:p>
@@ -4005,7 +3999,7 @@
             <a:fld id="{1D8BD707-D9CF-40AE-B4C6-C98DA3205C09}" type="datetimeFigureOut">
               <a:rPr lang="en-US" smtClean="0"/>
               <a:pPr/>
-              <a:t>5/22/2012</a:t>
+              <a:t>5/23/2012</a:t>
             </a:fld>
             <a:endParaRPr lang="en-US"/>
           </a:p>
@@ -5049,6 +5043,32 @@
           </a:p>
         </p:txBody>
       </p:sp>
+      <p:pic>
+        <p:nvPicPr>
+          <p:cNvPr id="1026" name="Picture 2" descr="C:\Users\RasmusKL\Desktop\Dropbox\Presentations\Stockphotos\baby-with-computer.jpg"/>
+          <p:cNvPicPr>
+            <a:picLocks noChangeAspect="1" noChangeArrowheads="1"/>
+          </p:cNvPicPr>
+          <p:nvPr/>
+        </p:nvPicPr>
+        <p:blipFill>
+          <a:blip r:embed="rId3" cstate="print"/>
+          <a:srcRect/>
+          <a:stretch>
+            <a:fillRect/>
+          </a:stretch>
+        </p:blipFill>
+        <p:spPr bwMode="auto">
+          <a:xfrm>
+            <a:off x="5029200" y="2133600"/>
+            <a:ext cx="3697288" cy="2772966"/>
+          </a:xfrm>
+          <a:prstGeom prst="rect">
+            <a:avLst/>
+          </a:prstGeom>
+          <a:noFill/>
+        </p:spPr>
+      </p:pic>
     </p:spTree>
     <p:extLst>
       <p:ext uri="{BB962C8B-B14F-4D97-AF65-F5344CB8AC3E}">
@@ -5640,18 +5660,53 @@
           </a:p>
           <a:p>
             <a:r>
-              <a:rPr lang="da-DK" dirty="0" smtClean="0"/>
-              <a:t>JetBrains Academy Expert</a:t>
-            </a:r>
-          </a:p>
-          <a:p>
+              <a:rPr lang="da-DK" dirty="0" err="1" smtClean="0"/>
+              <a:t>Active</a:t>
+            </a:r>
+            <a:r>
+              <a:rPr lang="da-DK" dirty="0" smtClean="0"/>
+              <a:t> in </a:t>
+            </a:r>
+            <a:r>
+              <a:rPr lang="da-DK" dirty="0" err="1" smtClean="0"/>
+              <a:t>Community</a:t>
+            </a:r>
+            <a:endParaRPr lang="da-DK" dirty="0" smtClean="0"/>
+          </a:p>
+          <a:p>
+            <a:endParaRPr lang="da-DK" dirty="0" smtClean="0"/>
+          </a:p>
+          <a:p>
+            <a:r>
+              <a:rPr lang="da-DK" dirty="0" err="1" smtClean="0"/>
+              <a:t>JetBrains</a:t>
+            </a:r>
+            <a:r>
+              <a:rPr lang="da-DK" dirty="0" smtClean="0"/>
+              <a:t> </a:t>
+            </a:r>
+            <a:r>
+              <a:rPr lang="da-DK" dirty="0" smtClean="0"/>
+              <a:t>Academy </a:t>
+            </a:r>
+            <a:r>
+              <a:rPr lang="da-DK" dirty="0" smtClean="0"/>
+              <a:t>Expert</a:t>
+            </a:r>
+          </a:p>
+          <a:p>
+            <a:endParaRPr lang="da-DK" dirty="0" smtClean="0"/>
+          </a:p>
+          <a:p>
+            <a:pPr>
+              <a:buNone/>
+            </a:pPr>
             <a:endParaRPr lang="da-DK" dirty="0"/>
           </a:p>
           <a:p>
-            <a:r>
-              <a:rPr lang="da-DK" dirty="0" smtClean="0"/>
-              <a:t>Core Group member of ANUG + CNUG</a:t>
-            </a:r>
+            <a:pPr>
+              <a:buNone/>
+            </a:pPr>
             <a:endParaRPr lang="da-DK" dirty="0"/>
           </a:p>
         </p:txBody>
@@ -5778,11 +5833,7 @@
           <a:p>
             <a:r>
               <a:rPr lang="da-DK" dirty="0" smtClean="0"/>
-              <a:t>Amount of code </a:t>
-            </a:r>
-            <a:r>
-              <a:rPr lang="da-DK" dirty="0" smtClean="0"/>
-              <a:t>increases</a:t>
+              <a:t>Amount of code increases</a:t>
             </a:r>
           </a:p>
           <a:p>
@@ -5791,12 +5842,11 @@
               <a:rPr lang="da-DK" dirty="0" smtClean="0"/>
               <a:t>We’re expected to keep up</a:t>
             </a:r>
+          </a:p>
+          <a:p>
             <a:endParaRPr lang="da-DK" dirty="0" smtClean="0"/>
           </a:p>
           <a:p>
-            <a:endParaRPr lang="da-DK" dirty="0" smtClean="0"/>
-          </a:p>
-          <a:p>
             <a:r>
               <a:rPr lang="da-DK" dirty="0" smtClean="0"/>
               <a:t>We’ll look at tools for</a:t>
@@ -5820,13 +5870,8 @@
             <a:pPr lvl="2"/>
             <a:r>
               <a:rPr lang="da-DK" dirty="0" smtClean="0"/>
-              <a:t>What you were thinking 6 months ago</a:t>
-            </a:r>
-            <a:r>
-              <a:rPr lang="da-DK" dirty="0" smtClean="0"/>
-              <a:t>?</a:t>
-            </a:r>
-            <a:endParaRPr lang="da-DK" dirty="0" smtClean="0"/>
+              <a:t>What you were thinking 6 months ago?</a:t>
+            </a:r>
           </a:p>
           <a:p>
             <a:pPr lvl="2"/>
@@ -5834,7 +5879,6 @@
               <a:rPr lang="da-DK" dirty="0" smtClean="0"/>
               <a:t>Debugging</a:t>
             </a:r>
-            <a:endParaRPr lang="da-DK" dirty="0" smtClean="0"/>
           </a:p>
           <a:p>
             <a:endParaRPr lang="da-DK" dirty="0" smtClean="0"/>
@@ -5938,7 +5982,6 @@
               <a:rPr lang="da-DK" dirty="0" smtClean="0"/>
               <a:t>More experimentation</a:t>
             </a:r>
-            <a:endParaRPr lang="da-DK" dirty="0" smtClean="0"/>
           </a:p>
           <a:p>
             <a:endParaRPr lang="da-DK" dirty="0" smtClean="0"/>
@@ -6435,8 +6478,28 @@
           <a:lstStyle/>
           <a:p>
             <a:r>
-              <a:rPr lang="da-DK" dirty="0" smtClean="0"/>
-              <a:t>Breadth over depth</a:t>
+              <a:rPr lang="da-DK" dirty="0" err="1" smtClean="0"/>
+              <a:t>Focus</a:t>
+            </a:r>
+            <a:r>
+              <a:rPr lang="da-DK" dirty="0" smtClean="0"/>
+              <a:t> </a:t>
+            </a:r>
+            <a:r>
+              <a:rPr lang="da-DK" dirty="0" err="1" smtClean="0"/>
+              <a:t>on</a:t>
+            </a:r>
+            <a:r>
+              <a:rPr lang="da-DK" dirty="0" smtClean="0"/>
+              <a:t> general </a:t>
+            </a:r>
+            <a:r>
+              <a:rPr lang="da-DK" dirty="0" err="1" smtClean="0"/>
+              <a:t>important</a:t>
+            </a:r>
+            <a:r>
+              <a:rPr lang="da-DK" dirty="0" smtClean="0"/>
+              <a:t> features</a:t>
             </a:r>
           </a:p>
           <a:p>
@@ -6793,15 +6856,17 @@
           </a:bodyPr>
           <a:lstStyle/>
           <a:p>
-            <a:r>
-              <a:rPr lang="da-DK" dirty="0" smtClean="0"/>
+            <a:endParaRPr lang="da-DK" smtClean="0"/>
+          </a:p>
+          <a:p>
+            <a:r>
+              <a:rPr lang="da-DK" smtClean="0"/>
               <a:t>Pairs </a:t>
             </a:r>
-          </a:p>
-          <a:p>
             <a:endParaRPr lang="da-DK" dirty="0" smtClean="0"/>
           </a:p>
           <a:p>
+            <a:pPr lvl="1"/>
             <a:r>
               <a:rPr lang="da-DK" dirty="0" smtClean="0"/>
               <a:t>Driver</a:t>
@@ -6811,31 +6876,45 @@
             <a:pPr lvl="1"/>
             <a:r>
               <a:rPr lang="da-DK" dirty="0" smtClean="0"/>
-              <a:t>Solves the exercise</a:t>
-            </a:r>
-          </a:p>
-          <a:p>
+              <a:t>Navigator</a:t>
+            </a:r>
             <a:endParaRPr lang="da-DK" dirty="0" smtClean="0"/>
           </a:p>
           <a:p>
-            <a:r>
-              <a:rPr lang="da-DK" dirty="0" smtClean="0"/>
-              <a:t>Navigator</a:t>
-            </a:r>
-          </a:p>
-          <a:p>
-            <a:pPr lvl="1"/>
+            <a:pPr lvl="2"/>
             <a:r>
               <a:rPr lang="da-DK" dirty="0" smtClean="0"/>
               <a:t>Provides guidance and overview</a:t>
             </a:r>
           </a:p>
           <a:p>
-            <a:pPr lvl="1"/>
-            <a:r>
-              <a:rPr lang="da-DK" dirty="0" smtClean="0"/>
-              <a:t>Shortcut helper</a:t>
-            </a:r>
+            <a:pPr lvl="2"/>
+            <a:r>
+              <a:rPr lang="da-DK" dirty="0" err="1" smtClean="0"/>
+              <a:t>Shortcut</a:t>
+            </a:r>
+            <a:r>
+              <a:rPr lang="da-DK" dirty="0" smtClean="0"/>
+              <a:t> </a:t>
+            </a:r>
+            <a:r>
+              <a:rPr lang="da-DK" dirty="0" err="1" smtClean="0"/>
+              <a:t>helper</a:t>
+            </a:r>
+            <a:endParaRPr lang="da-DK" dirty="0" smtClean="0"/>
+          </a:p>
+          <a:p>
+            <a:pPr lvl="2"/>
+            <a:endParaRPr lang="da-DK" dirty="0" smtClean="0"/>
+          </a:p>
+          <a:p>
+            <a:r>
+              <a:rPr lang="da-DK" dirty="0" smtClean="0"/>
+              <a:t>Solo</a:t>
+            </a:r>
+          </a:p>
+          <a:p>
+            <a:endParaRPr lang="da-DK" dirty="0" smtClean="0"/>
           </a:p>
           <a:p>
             <a:pPr lvl="1"/>
@@ -7470,21 +7549,92 @@
           </a:p>
           <a:p>
             <a:r>
+              <a:rPr lang="da-DK" i="1" dirty="0" err="1" smtClean="0">
+                <a:solidFill>
+                  <a:schemeClr val="bg1"/>
+                </a:solidFill>
+              </a:rPr>
+              <a:t>No</a:t>
+            </a:r>
+            <a:r>
               <a:rPr lang="da-DK" i="1" dirty="0" smtClean="0">
                 <a:solidFill>
                   <a:schemeClr val="bg1"/>
                 </a:solidFill>
               </a:rPr>
-              <a:t>No </a:t>
-            </a:r>
-            <a:r>
-              <a:rPr lang="da-DK" i="1" dirty="0">
+              <a:t> </a:t>
+            </a:r>
+            <a:r>
+              <a:rPr lang="da-DK" i="1" dirty="0" err="1" smtClean="0">
                 <a:solidFill>
                   <a:schemeClr val="bg1"/>
                 </a:solidFill>
               </a:rPr>
               <a:t>ReSharper</a:t>
             </a:r>
+            <a:r>
+              <a:rPr lang="da-DK" i="1" dirty="0" smtClean="0">
+                <a:solidFill>
+                  <a:schemeClr val="bg1"/>
+                </a:solidFill>
+              </a:rPr>
+              <a:t> (for </a:t>
+            </a:r>
+            <a:r>
+              <a:rPr lang="da-DK" i="1" dirty="0" err="1" smtClean="0">
+                <a:solidFill>
+                  <a:schemeClr val="bg1"/>
+                </a:solidFill>
+              </a:rPr>
+              <a:t>me</a:t>
+            </a:r>
+            <a:r>
+              <a:rPr lang="da-DK" i="1" dirty="0" smtClean="0">
+                <a:solidFill>
+                  <a:schemeClr val="bg1"/>
+                </a:solidFill>
+              </a:rPr>
+              <a:t>, not </a:t>
+            </a:r>
+            <a:r>
+              <a:rPr lang="da-DK" i="1" dirty="0" err="1" smtClean="0">
+                <a:solidFill>
+                  <a:schemeClr val="bg1"/>
+                </a:solidFill>
+              </a:rPr>
+              <a:t>you</a:t>
+            </a:r>
+            <a:r>
+              <a:rPr lang="da-DK" i="1" dirty="0" smtClean="0">
+                <a:solidFill>
+                  <a:schemeClr val="bg1"/>
+                </a:solidFill>
+              </a:rPr>
+              <a:t> </a:t>
+            </a:r>
+            <a:r>
+              <a:rPr lang="da-DK" dirty="0" smtClean="0">
+                <a:solidFill>
+                  <a:schemeClr val="bg1"/>
+                </a:solidFill>
+                <a:sym typeface="Wingdings" pitchFamily="2" charset="2"/>
+              </a:rPr>
+              <a:t></a:t>
+            </a:r>
+            <a:r>
+              <a:rPr lang="da-DK" i="1" dirty="0" smtClean="0">
+                <a:solidFill>
+                  <a:schemeClr val="bg1"/>
+                </a:solidFill>
+                <a:sym typeface="Wingdings" pitchFamily="2" charset="2"/>
+              </a:rPr>
+              <a:t>)</a:t>
+            </a:r>
+            <a:endParaRPr lang="da-DK" i="1" dirty="0">
+              <a:solidFill>
+                <a:schemeClr val="bg1"/>
+              </a:solidFill>
+            </a:endParaRPr>
           </a:p>
           <a:p>
             <a:endParaRPr lang="da-DK" dirty="0" smtClean="0">

--- a/Presentations/1 - Introduction - ReSharper Course.pptx
+++ b/Presentations/1 - Introduction - ReSharper Course.pptx
@@ -131,7 +131,7 @@
   </p:defaultTextStyle>
   <p:extLst>
     <p:ext uri="{521415D9-36F7-43E2-AB2F-B90AF26B5E84}">
-      <p14:sectionLst xmlns:p14="http://schemas.microsoft.com/office/powerpoint/2010/main" xmlns="">
+      <p14:sectionLst xmlns:p14="http://schemas.microsoft.com/office/powerpoint/2010/main">
         <p14:section name="Introduction" id="{39D98063-5C61-484A-A1C2-F0AEF4936815}">
           <p14:sldIdLst>
             <p14:sldId id="256"/>
@@ -165,6 +165,8 @@
             <p14:sldId id="283"/>
             <p14:sldId id="284"/>
             <p14:sldId id="285"/>
+            <p14:sldId id="287"/>
+            <p14:sldId id="288"/>
           </p14:sldIdLst>
         </p14:section>
         <p14:section name="Agenda" id="{52521F17-2C58-47AD-BC70-5EA618F03BA1}">
@@ -181,13 +183,24 @@
 
 <file path=ppt/charts/chart1.xml><?xml version="1.0" encoding="utf-8"?>
 <c:chartSpace xmlns:c="http://schemas.openxmlformats.org/drawingml/2006/chart" xmlns:a="http://schemas.openxmlformats.org/drawingml/2006/main" xmlns:r="http://schemas.openxmlformats.org/officeDocument/2006/relationships">
-  <c:date1904 val="1"/>
+  <c:date1904 val="0"/>
   <c:lang val="da-DK"/>
+  <c:roundedCorners val="0"/>
+  <mc:AlternateContent xmlns:mc="http://schemas.openxmlformats.org/markup-compatibility/2006">
+    <mc:Choice xmlns:c14="http://schemas.microsoft.com/office/drawing/2007/8/2/chart" Requires="c14">
+      <c14:style val="102"/>
+    </mc:Choice>
+    <mc:Fallback>
+      <c:style val="2"/>
+    </mc:Fallback>
+  </mc:AlternateContent>
   <c:chart>
+    <c:autoTitleDeleted val="0"/>
     <c:plotArea>
       <c:layout/>
       <c:lineChart>
         <c:grouping val="standard"/>
+        <c:varyColors val="0"/>
         <c:ser>
           <c:idx val="0"/>
           <c:order val="0"/>
@@ -243,6 +256,7 @@
               </c:numCache>
             </c:numRef>
           </c:val>
+          <c:smooth val="0"/>
         </c:ser>
         <c:ser>
           <c:idx val="1"/>
@@ -299,35 +313,52 @@
               </c:numCache>
             </c:numRef>
           </c:val>
+          <c:smooth val="0"/>
         </c:ser>
+        <c:dLbls>
+          <c:showLegendKey val="0"/>
+          <c:showVal val="0"/>
+          <c:showCatName val="0"/>
+          <c:showSerName val="0"/>
+          <c:showPercent val="0"/>
+          <c:showBubbleSize val="0"/>
+        </c:dLbls>
         <c:marker val="1"/>
-        <c:axId val="49842432"/>
-        <c:axId val="49844224"/>
+        <c:smooth val="0"/>
+        <c:axId val="4728320"/>
+        <c:axId val="4729856"/>
       </c:lineChart>
       <c:catAx>
-        <c:axId val="49842432"/>
+        <c:axId val="4728320"/>
         <c:scaling>
           <c:orientation val="minMax"/>
         </c:scaling>
+        <c:delete val="0"/>
         <c:axPos val="b"/>
         <c:numFmt formatCode="General" sourceLinked="1"/>
+        <c:majorTickMark val="out"/>
+        <c:minorTickMark val="none"/>
         <c:tickLblPos val="nextTo"/>
-        <c:crossAx val="49844224"/>
+        <c:crossAx val="4729856"/>
         <c:crosses val="autoZero"/>
         <c:auto val="1"/>
         <c:lblAlgn val="ctr"/>
         <c:lblOffset val="100"/>
+        <c:noMultiLvlLbl val="0"/>
       </c:catAx>
       <c:valAx>
-        <c:axId val="49844224"/>
+        <c:axId val="4729856"/>
         <c:scaling>
           <c:orientation val="minMax"/>
         </c:scaling>
+        <c:delete val="0"/>
         <c:axPos val="l"/>
         <c:majorGridlines/>
         <c:numFmt formatCode="General" sourceLinked="1"/>
+        <c:majorTickMark val="out"/>
+        <c:minorTickMark val="none"/>
         <c:tickLblPos val="none"/>
-        <c:crossAx val="49842432"/>
+        <c:crossAx val="4728320"/>
         <c:crosses val="autoZero"/>
         <c:crossBetween val="between"/>
       </c:valAx>
@@ -348,6 +379,7 @@
     </c:legend>
     <c:plotVisOnly val="1"/>
     <c:dispBlanksAs val="zero"/>
+    <c:showDLblsOverMax val="0"/>
   </c:chart>
   <c:txPr>
     <a:bodyPr/>
@@ -359,14 +391,25 @@
       <a:endParaRPr lang="da-DK"/>
     </a:p>
   </c:txPr>
-  <c:externalData r:id="rId1"/>
+  <c:externalData r:id="rId1">
+    <c:autoUpdate val="0"/>
+  </c:externalData>
 </c:chartSpace>
 </file>
 
 <file path=ppt/charts/chart2.xml><?xml version="1.0" encoding="utf-8"?>
 <c:chartSpace xmlns:c="http://schemas.openxmlformats.org/drawingml/2006/chart" xmlns:a="http://schemas.openxmlformats.org/drawingml/2006/main" xmlns:r="http://schemas.openxmlformats.org/officeDocument/2006/relationships">
-  <c:date1904 val="1"/>
+  <c:date1904 val="0"/>
   <c:lang val="da-DK"/>
+  <c:roundedCorners val="0"/>
+  <mc:AlternateContent xmlns:mc="http://schemas.openxmlformats.org/markup-compatibility/2006">
+    <mc:Choice xmlns:c14="http://schemas.microsoft.com/office/drawing/2007/8/2/chart" Requires="c14">
+      <c14:style val="102"/>
+    </mc:Choice>
+    <mc:Fallback>
+      <c:style val="2"/>
+    </mc:Fallback>
+  </mc:AlternateContent>
   <c:chart>
     <c:autoTitleDeleted val="1"/>
     <c:plotArea>
@@ -421,6 +464,15 @@
             </c:numRef>
           </c:val>
         </c:ser>
+        <c:dLbls>
+          <c:showLegendKey val="0"/>
+          <c:showVal val="0"/>
+          <c:showCatName val="0"/>
+          <c:showSerName val="0"/>
+          <c:showPercent val="0"/>
+          <c:showBubbleSize val="0"/>
+          <c:showLeaderLines val="1"/>
+        </c:dLbls>
         <c:firstSliceAng val="338"/>
       </c:pieChart>
     </c:plotArea>
@@ -430,6 +482,7 @@
     </c:legend>
     <c:plotVisOnly val="1"/>
     <c:dispBlanksAs val="zero"/>
+    <c:showDLblsOverMax val="0"/>
   </c:chart>
   <c:txPr>
     <a:bodyPr/>
@@ -441,14 +494,25 @@
       <a:endParaRPr lang="da-DK"/>
     </a:p>
   </c:txPr>
-  <c:externalData r:id="rId1"/>
+  <c:externalData r:id="rId1">
+    <c:autoUpdate val="0"/>
+  </c:externalData>
 </c:chartSpace>
 </file>
 
 <file path=ppt/charts/chart3.xml><?xml version="1.0" encoding="utf-8"?>
 <c:chartSpace xmlns:c="http://schemas.openxmlformats.org/drawingml/2006/chart" xmlns:a="http://schemas.openxmlformats.org/drawingml/2006/main" xmlns:r="http://schemas.openxmlformats.org/officeDocument/2006/relationships">
-  <c:date1904 val="1"/>
+  <c:date1904 val="0"/>
   <c:lang val="da-DK"/>
+  <c:roundedCorners val="0"/>
+  <mc:AlternateContent xmlns:mc="http://schemas.openxmlformats.org/markup-compatibility/2006">
+    <mc:Choice xmlns:c14="http://schemas.microsoft.com/office/drawing/2007/8/2/chart" Requires="c14">
+      <c14:style val="102"/>
+    </mc:Choice>
+    <mc:Fallback>
+      <c:style val="2"/>
+    </mc:Fallback>
+  </mc:AlternateContent>
   <c:chart>
     <c:autoTitleDeleted val="1"/>
     <c:plotArea>
@@ -509,6 +573,15 @@
             </c:numRef>
           </c:val>
         </c:ser>
+        <c:dLbls>
+          <c:showLegendKey val="0"/>
+          <c:showVal val="0"/>
+          <c:showCatName val="0"/>
+          <c:showSerName val="0"/>
+          <c:showPercent val="0"/>
+          <c:showBubbleSize val="0"/>
+          <c:showLeaderLines val="1"/>
+        </c:dLbls>
         <c:firstSliceAng val="338"/>
       </c:pieChart>
     </c:plotArea>
@@ -518,6 +591,7 @@
     </c:legend>
     <c:plotVisOnly val="1"/>
     <c:dispBlanksAs val="zero"/>
+    <c:showDLblsOverMax val="0"/>
   </c:chart>
   <c:txPr>
     <a:bodyPr/>
@@ -529,14 +603,25 @@
       <a:endParaRPr lang="da-DK"/>
     </a:p>
   </c:txPr>
-  <c:externalData r:id="rId1"/>
+  <c:externalData r:id="rId1">
+    <c:autoUpdate val="0"/>
+  </c:externalData>
 </c:chartSpace>
 </file>
 
 <file path=ppt/charts/chart4.xml><?xml version="1.0" encoding="utf-8"?>
 <c:chartSpace xmlns:c="http://schemas.openxmlformats.org/drawingml/2006/chart" xmlns:a="http://schemas.openxmlformats.org/drawingml/2006/main" xmlns:r="http://schemas.openxmlformats.org/officeDocument/2006/relationships">
-  <c:date1904 val="1"/>
+  <c:date1904 val="0"/>
   <c:lang val="da-DK"/>
+  <c:roundedCorners val="0"/>
+  <mc:AlternateContent xmlns:mc="http://schemas.openxmlformats.org/markup-compatibility/2006">
+    <mc:Choice xmlns:c14="http://schemas.microsoft.com/office/drawing/2007/8/2/chart" Requires="c14">
+      <c14:style val="102"/>
+    </mc:Choice>
+    <mc:Fallback>
+      <c:style val="2"/>
+    </mc:Fallback>
+  </mc:AlternateContent>
   <c:chart>
     <c:autoTitleDeleted val="1"/>
     <c:plotArea>
@@ -603,6 +688,15 @@
             </c:numRef>
           </c:val>
         </c:ser>
+        <c:dLbls>
+          <c:showLegendKey val="0"/>
+          <c:showVal val="0"/>
+          <c:showCatName val="0"/>
+          <c:showSerName val="0"/>
+          <c:showPercent val="0"/>
+          <c:showBubbleSize val="0"/>
+          <c:showLeaderLines val="1"/>
+        </c:dLbls>
         <c:firstSliceAng val="338"/>
       </c:pieChart>
     </c:plotArea>
@@ -612,6 +706,7 @@
     </c:legend>
     <c:plotVisOnly val="1"/>
     <c:dispBlanksAs val="zero"/>
+    <c:showDLblsOverMax val="0"/>
   </c:chart>
   <c:txPr>
     <a:bodyPr/>
@@ -623,14 +718,25 @@
       <a:endParaRPr lang="da-DK"/>
     </a:p>
   </c:txPr>
-  <c:externalData r:id="rId1"/>
+  <c:externalData r:id="rId1">
+    <c:autoUpdate val="0"/>
+  </c:externalData>
 </c:chartSpace>
 </file>
 
 <file path=ppt/charts/chart5.xml><?xml version="1.0" encoding="utf-8"?>
 <c:chartSpace xmlns:c="http://schemas.openxmlformats.org/drawingml/2006/chart" xmlns:a="http://schemas.openxmlformats.org/drawingml/2006/main" xmlns:r="http://schemas.openxmlformats.org/officeDocument/2006/relationships">
-  <c:date1904 val="1"/>
+  <c:date1904 val="0"/>
   <c:lang val="da-DK"/>
+  <c:roundedCorners val="0"/>
+  <mc:AlternateContent xmlns:mc="http://schemas.openxmlformats.org/markup-compatibility/2006">
+    <mc:Choice xmlns:c14="http://schemas.microsoft.com/office/drawing/2007/8/2/chart" Requires="c14">
+      <c14:style val="102"/>
+    </mc:Choice>
+    <mc:Fallback>
+      <c:style val="2"/>
+    </mc:Fallback>
+  </mc:AlternateContent>
   <c:chart>
     <c:autoTitleDeleted val="1"/>
     <c:plotArea>
@@ -703,6 +809,15 @@
             </c:numRef>
           </c:val>
         </c:ser>
+        <c:dLbls>
+          <c:showLegendKey val="0"/>
+          <c:showVal val="0"/>
+          <c:showCatName val="0"/>
+          <c:showSerName val="0"/>
+          <c:showPercent val="0"/>
+          <c:showBubbleSize val="0"/>
+          <c:showLeaderLines val="1"/>
+        </c:dLbls>
         <c:firstSliceAng val="338"/>
       </c:pieChart>
     </c:plotArea>
@@ -712,6 +827,7 @@
     </c:legend>
     <c:plotVisOnly val="1"/>
     <c:dispBlanksAs val="zero"/>
+    <c:showDLblsOverMax val="0"/>
   </c:chart>
   <c:txPr>
     <a:bodyPr/>
@@ -723,14 +839,25 @@
       <a:endParaRPr lang="da-DK"/>
     </a:p>
   </c:txPr>
-  <c:externalData r:id="rId1"/>
+  <c:externalData r:id="rId1">
+    <c:autoUpdate val="0"/>
+  </c:externalData>
 </c:chartSpace>
 </file>
 
 <file path=ppt/charts/chart6.xml><?xml version="1.0" encoding="utf-8"?>
 <c:chartSpace xmlns:c="http://schemas.openxmlformats.org/drawingml/2006/chart" xmlns:a="http://schemas.openxmlformats.org/drawingml/2006/main" xmlns:r="http://schemas.openxmlformats.org/officeDocument/2006/relationships">
-  <c:date1904 val="1"/>
+  <c:date1904 val="0"/>
   <c:lang val="da-DK"/>
+  <c:roundedCorners val="0"/>
+  <mc:AlternateContent xmlns:mc="http://schemas.openxmlformats.org/markup-compatibility/2006">
+    <mc:Choice xmlns:c14="http://schemas.microsoft.com/office/drawing/2007/8/2/chart" Requires="c14">
+      <c14:style val="102"/>
+    </mc:Choice>
+    <mc:Fallback>
+      <c:style val="2"/>
+    </mc:Fallback>
+  </mc:AlternateContent>
   <c:chart>
     <c:autoTitleDeleted val="1"/>
     <c:plotArea>
@@ -803,6 +930,15 @@
             </c:numRef>
           </c:val>
         </c:ser>
+        <c:dLbls>
+          <c:showLegendKey val="0"/>
+          <c:showVal val="0"/>
+          <c:showCatName val="0"/>
+          <c:showSerName val="0"/>
+          <c:showPercent val="0"/>
+          <c:showBubbleSize val="0"/>
+          <c:showLeaderLines val="1"/>
+        </c:dLbls>
         <c:firstSliceAng val="338"/>
       </c:pieChart>
     </c:plotArea>
@@ -812,6 +948,7 @@
     </c:legend>
     <c:plotVisOnly val="1"/>
     <c:dispBlanksAs val="zero"/>
+    <c:showDLblsOverMax val="0"/>
   </c:chart>
   <c:txPr>
     <a:bodyPr/>
@@ -823,13 +960,25 @@
       <a:endParaRPr lang="da-DK"/>
     </a:p>
   </c:txPr>
-  <c:externalData r:id="rId1"/>
+  <c:externalData r:id="rId1">
+    <c:autoUpdate val="0"/>
+  </c:externalData>
 </c:chartSpace>
 </file>
 
 <file path=ppt/charts/chart7.xml><?xml version="1.0" encoding="utf-8"?>
 <c:chartSpace xmlns:c="http://schemas.openxmlformats.org/drawingml/2006/chart" xmlns:a="http://schemas.openxmlformats.org/drawingml/2006/main" xmlns:r="http://schemas.openxmlformats.org/officeDocument/2006/relationships">
+  <c:date1904 val="0"/>
   <c:lang val="da-DK"/>
+  <c:roundedCorners val="0"/>
+  <mc:AlternateContent xmlns:mc="http://schemas.openxmlformats.org/markup-compatibility/2006">
+    <mc:Choice xmlns:c14="http://schemas.microsoft.com/office/drawing/2007/8/2/chart" Requires="c14">
+      <c14:style val="102"/>
+    </mc:Choice>
+    <mc:Fallback>
+      <c:style val="2"/>
+    </mc:Fallback>
+  </mc:AlternateContent>
   <c:chart>
     <c:autoTitleDeleted val="1"/>
     <c:plotArea>
@@ -862,6 +1011,7 @@
           </c:spPr>
           <c:dPt>
             <c:idx val="2"/>
+            <c:bubble3D val="0"/>
             <c:spPr>
               <a:noFill/>
               <a:effectLst/>
@@ -876,6 +1026,7 @@
           </c:dPt>
           <c:dPt>
             <c:idx val="3"/>
+            <c:bubble3D val="0"/>
             <c:spPr>
               <a:noFill/>
               <a:effectLst/>
@@ -930,6 +1081,15 @@
             </c:numRef>
           </c:val>
         </c:ser>
+        <c:dLbls>
+          <c:showLegendKey val="0"/>
+          <c:showVal val="0"/>
+          <c:showCatName val="0"/>
+          <c:showSerName val="0"/>
+          <c:showPercent val="0"/>
+          <c:showBubbleSize val="0"/>
+          <c:showLeaderLines val="1"/>
+        </c:dLbls>
         <c:firstSliceAng val="338"/>
       </c:pieChart>
     </c:plotArea>
@@ -939,6 +1099,7 @@
     </c:legend>
     <c:plotVisOnly val="1"/>
     <c:dispBlanksAs val="zero"/>
+    <c:showDLblsOverMax val="0"/>
   </c:chart>
   <c:txPr>
     <a:bodyPr/>
@@ -950,7 +1111,9 @@
       <a:endParaRPr lang="da-DK"/>
     </a:p>
   </c:txPr>
-  <c:externalData r:id="rId1"/>
+  <c:externalData r:id="rId1">
+    <c:autoUpdate val="0"/>
+  </c:externalData>
 </c:chartSpace>
 </file>
 
@@ -1037,7 +1200,7 @@
             <a:fld id="{25D31F56-D80D-4507-AC0F-AB5E545C4181}" type="datetimeFigureOut">
               <a:rPr lang="da-DK" smtClean="0"/>
               <a:pPr/>
-              <a:t>23-05-2012</a:t>
+              <a:t>14-11-2012</a:t>
             </a:fld>
             <a:endParaRPr lang="da-DK"/>
           </a:p>
@@ -1206,7 +1369,7 @@
     </p:spTree>
     <p:extLst>
       <p:ext uri="{BB962C8B-B14F-4D97-AF65-F5344CB8AC3E}">
-        <p14:creationId xmlns:p14="http://schemas.microsoft.com/office/powerpoint/2010/main" xmlns="" val="1746408167"/>
+        <p14:creationId xmlns:p14="http://schemas.microsoft.com/office/powerpoint/2010/main" val="1746408167"/>
       </p:ext>
     </p:extLst>
   </p:cSld>
@@ -1408,7 +1571,7 @@
     </p:spTree>
     <p:extLst>
       <p:ext uri="{BB962C8B-B14F-4D97-AF65-F5344CB8AC3E}">
-        <p14:creationId xmlns:p14="http://schemas.microsoft.com/office/powerpoint/2010/main" xmlns="" val="1950793053"/>
+        <p14:creationId xmlns:p14="http://schemas.microsoft.com/office/powerpoint/2010/main" val="1950793053"/>
       </p:ext>
     </p:extLst>
   </p:cSld>
@@ -1600,7 +1763,7 @@
             <a:fld id="{1D8BD707-D9CF-40AE-B4C6-C98DA3205C09}" type="datetimeFigureOut">
               <a:rPr lang="en-US" smtClean="0"/>
               <a:pPr/>
-              <a:t>5/23/2012</a:t>
+              <a:t>11/14/2012</a:t>
             </a:fld>
             <a:endParaRPr lang="en-US"/>
           </a:p>
@@ -1767,7 +1930,7 @@
             <a:fld id="{1D8BD707-D9CF-40AE-B4C6-C98DA3205C09}" type="datetimeFigureOut">
               <a:rPr lang="en-US" smtClean="0"/>
               <a:pPr/>
-              <a:t>5/23/2012</a:t>
+              <a:t>11/14/2012</a:t>
             </a:fld>
             <a:endParaRPr lang="en-US"/>
           </a:p>
@@ -1944,7 +2107,7 @@
             <a:fld id="{1D8BD707-D9CF-40AE-B4C6-C98DA3205C09}" type="datetimeFigureOut">
               <a:rPr lang="en-US" smtClean="0"/>
               <a:pPr/>
-              <a:t>5/23/2012</a:t>
+              <a:t>11/14/2012</a:t>
             </a:fld>
             <a:endParaRPr lang="en-US"/>
           </a:p>
@@ -2111,7 +2274,7 @@
             <a:fld id="{1D8BD707-D9CF-40AE-B4C6-C98DA3205C09}" type="datetimeFigureOut">
               <a:rPr lang="en-US" smtClean="0"/>
               <a:pPr/>
-              <a:t>5/23/2012</a:t>
+              <a:t>11/14/2012</a:t>
             </a:fld>
             <a:endParaRPr lang="en-US"/>
           </a:p>
@@ -2354,7 +2517,7 @@
             <a:fld id="{1D8BD707-D9CF-40AE-B4C6-C98DA3205C09}" type="datetimeFigureOut">
               <a:rPr lang="en-US" smtClean="0"/>
               <a:pPr/>
-              <a:t>5/23/2012</a:t>
+              <a:t>11/14/2012</a:t>
             </a:fld>
             <a:endParaRPr lang="en-US"/>
           </a:p>
@@ -2639,7 +2802,7 @@
             <a:fld id="{1D8BD707-D9CF-40AE-B4C6-C98DA3205C09}" type="datetimeFigureOut">
               <a:rPr lang="en-US" smtClean="0"/>
               <a:pPr/>
-              <a:t>5/23/2012</a:t>
+              <a:t>11/14/2012</a:t>
             </a:fld>
             <a:endParaRPr lang="en-US"/>
           </a:p>
@@ -3058,7 +3221,7 @@
             <a:fld id="{1D8BD707-D9CF-40AE-B4C6-C98DA3205C09}" type="datetimeFigureOut">
               <a:rPr lang="en-US" smtClean="0"/>
               <a:pPr/>
-              <a:t>5/23/2012</a:t>
+              <a:t>11/14/2012</a:t>
             </a:fld>
             <a:endParaRPr lang="en-US"/>
           </a:p>
@@ -3173,7 +3336,7 @@
             <a:fld id="{1D8BD707-D9CF-40AE-B4C6-C98DA3205C09}" type="datetimeFigureOut">
               <a:rPr lang="en-US" smtClean="0"/>
               <a:pPr/>
-              <a:t>5/23/2012</a:t>
+              <a:t>11/14/2012</a:t>
             </a:fld>
             <a:endParaRPr lang="en-US"/>
           </a:p>
@@ -3265,7 +3428,7 @@
             <a:fld id="{1D8BD707-D9CF-40AE-B4C6-C98DA3205C09}" type="datetimeFigureOut">
               <a:rPr lang="en-US" smtClean="0"/>
               <a:pPr/>
-              <a:t>5/23/2012</a:t>
+              <a:t>11/14/2012</a:t>
             </a:fld>
             <a:endParaRPr lang="en-US"/>
           </a:p>
@@ -3539,7 +3702,7 @@
             <a:fld id="{1D8BD707-D9CF-40AE-B4C6-C98DA3205C09}" type="datetimeFigureOut">
               <a:rPr lang="en-US" smtClean="0"/>
               <a:pPr/>
-              <a:t>5/23/2012</a:t>
+              <a:t>11/14/2012</a:t>
             </a:fld>
             <a:endParaRPr lang="en-US"/>
           </a:p>
@@ -3789,7 +3952,7 @@
             <a:fld id="{1D8BD707-D9CF-40AE-B4C6-C98DA3205C09}" type="datetimeFigureOut">
               <a:rPr lang="en-US" smtClean="0"/>
               <a:pPr/>
-              <a:t>5/23/2012</a:t>
+              <a:t>11/14/2012</a:t>
             </a:fld>
             <a:endParaRPr lang="en-US"/>
           </a:p>
@@ -3999,7 +4162,7 @@
             <a:fld id="{1D8BD707-D9CF-40AE-B4C6-C98DA3205C09}" type="datetimeFigureOut">
               <a:rPr lang="en-US" smtClean="0"/>
               <a:pPr/>
-              <a:t>5/23/2012</a:t>
+              <a:t>11/14/2012</a:t>
             </a:fld>
             <a:endParaRPr lang="en-US"/>
           </a:p>
@@ -4380,7 +4543,12 @@
             <p:ph type="ctrTitle"/>
           </p:nvPr>
         </p:nvSpPr>
-        <p:spPr/>
+        <p:spPr>
+          <a:xfrm>
+            <a:off x="685800" y="2263775"/>
+            <a:ext cx="7772400" cy="1470025"/>
+          </a:xfrm>
+        </p:spPr>
         <p:txBody>
           <a:bodyPr/>
           <a:lstStyle/>
@@ -4410,7 +4578,7 @@
           <a:p>
             <a:r>
               <a:rPr lang="da-DK" dirty="0" smtClean="0"/>
-              <a:t>Making Waves @ Oslo 2012</a:t>
+              <a:t>Introduction</a:t>
             </a:r>
             <a:endParaRPr lang="da-DK" dirty="0"/>
           </a:p>
@@ -4445,7 +4613,7 @@
     </p:spTree>
     <p:extLst>
       <p:ext uri="{BB962C8B-B14F-4D97-AF65-F5344CB8AC3E}">
-        <p14:creationId xmlns:p14="http://schemas.microsoft.com/office/powerpoint/2010/main" xmlns="" val="3481993744"/>
+        <p14:creationId xmlns:p14="http://schemas.microsoft.com/office/powerpoint/2010/main" val="3481993744"/>
       </p:ext>
     </p:extLst>
   </p:cSld>
@@ -4587,7 +4755,7 @@
     </p:spTree>
     <p:extLst>
       <p:ext uri="{BB962C8B-B14F-4D97-AF65-F5344CB8AC3E}">
-        <p14:creationId xmlns:p14="http://schemas.microsoft.com/office/powerpoint/2010/main" xmlns="" val="167962451"/>
+        <p14:creationId xmlns:p14="http://schemas.microsoft.com/office/powerpoint/2010/main" val="167962451"/>
       </p:ext>
     </p:extLst>
   </p:cSld>
@@ -4749,7 +4917,7 @@
     </p:spTree>
     <p:extLst>
       <p:ext uri="{BB962C8B-B14F-4D97-AF65-F5344CB8AC3E}">
-        <p14:creationId xmlns:p14="http://schemas.microsoft.com/office/powerpoint/2010/main" xmlns="" val="4145891394"/>
+        <p14:creationId xmlns:p14="http://schemas.microsoft.com/office/powerpoint/2010/main" val="4145891394"/>
       </p:ext>
     </p:extLst>
   </p:cSld>
@@ -4910,7 +5078,7 @@
     </p:spTree>
     <p:extLst>
       <p:ext uri="{BB962C8B-B14F-4D97-AF65-F5344CB8AC3E}">
-        <p14:creationId xmlns:p14="http://schemas.microsoft.com/office/powerpoint/2010/main" xmlns="" val="2212600742"/>
+        <p14:creationId xmlns:p14="http://schemas.microsoft.com/office/powerpoint/2010/main" val="2212600742"/>
       </p:ext>
     </p:extLst>
   </p:cSld>
@@ -5072,7 +5240,7 @@
     </p:spTree>
     <p:extLst>
       <p:ext uri="{BB962C8B-B14F-4D97-AF65-F5344CB8AC3E}">
-        <p14:creationId xmlns:p14="http://schemas.microsoft.com/office/powerpoint/2010/main" xmlns="" val="1149839373"/>
+        <p14:creationId xmlns:p14="http://schemas.microsoft.com/office/powerpoint/2010/main" val="1149839373"/>
       </p:ext>
     </p:extLst>
   </p:cSld>
@@ -5090,7 +5258,7 @@
 </file>
 
 <file path=ppt/slides/slide14.xml><?xml version="1.0" encoding="utf-8"?>
-<p:sld xmlns:a="http://schemas.openxmlformats.org/drawingml/2006/main" xmlns:r="http://schemas.openxmlformats.org/officeDocument/2006/relationships" xmlns:p="http://schemas.openxmlformats.org/presentationml/2006/main">
+<p:sld xmlns:a="http://schemas.openxmlformats.org/drawingml/2006/main" xmlns:r="http://schemas.openxmlformats.org/officeDocument/2006/relationships" xmlns:p="http://schemas.openxmlformats.org/presentationml/2006/main" show="0">
   <p:cSld>
     <p:spTree>
       <p:nvGrpSpPr>
@@ -5136,7 +5304,7 @@
           <p:nvPr>
             <p:extLst>
               <p:ext uri="{D42A27DB-BD31-4B8C-83A1-F6EECF244321}">
-                <p14:modId xmlns:p14="http://schemas.microsoft.com/office/powerpoint/2010/main" xmlns="" val="228964426"/>
+                <p14:modId xmlns:p14="http://schemas.microsoft.com/office/powerpoint/2010/main" val="228964426"/>
               </p:ext>
             </p:extLst>
           </p:nvPr>
@@ -5154,13 +5322,21 @@
     </p:spTree>
     <p:extLst>
       <p:ext uri="{BB962C8B-B14F-4D97-AF65-F5344CB8AC3E}">
-        <p14:creationId xmlns:p14="http://schemas.microsoft.com/office/powerpoint/2010/main" xmlns="" val="3764213864"/>
+        <p14:creationId xmlns:p14="http://schemas.microsoft.com/office/powerpoint/2010/main" val="3764213864"/>
       </p:ext>
     </p:extLst>
   </p:cSld>
   <p:clrMapOvr>
     <a:masterClrMapping/>
   </p:clrMapOvr>
+  <mc:AlternateContent xmlns:mc="http://schemas.openxmlformats.org/markup-compatibility/2006" xmlns:p14="http://schemas.microsoft.com/office/powerpoint/2010/main">
+    <mc:Choice Requires="p14">
+      <p:transition spd="slow" p14:dur="2000"/>
+    </mc:Choice>
+    <mc:Fallback xmlns="">
+      <p:transition spd="slow"/>
+    </mc:Fallback>
+  </mc:AlternateContent>
   <p:timing>
     <p:tnLst>
       <p:par>
@@ -5172,7 +5348,7 @@
 </file>
 
 <file path=ppt/slides/slide15.xml><?xml version="1.0" encoding="utf-8"?>
-<p:sld xmlns:a="http://schemas.openxmlformats.org/drawingml/2006/main" xmlns:r="http://schemas.openxmlformats.org/officeDocument/2006/relationships" xmlns:p="http://schemas.openxmlformats.org/presentationml/2006/main">
+<p:sld xmlns:a="http://schemas.openxmlformats.org/drawingml/2006/main" xmlns:r="http://schemas.openxmlformats.org/officeDocument/2006/relationships" xmlns:p="http://schemas.openxmlformats.org/presentationml/2006/main" show="0">
   <p:cSld>
     <p:spTree>
       <p:nvGrpSpPr>
@@ -5218,7 +5394,7 @@
           <p:nvPr>
             <p:extLst>
               <p:ext uri="{D42A27DB-BD31-4B8C-83A1-F6EECF244321}">
-                <p14:modId xmlns:p14="http://schemas.microsoft.com/office/powerpoint/2010/main" xmlns="" val="2320101748"/>
+                <p14:modId xmlns:p14="http://schemas.microsoft.com/office/powerpoint/2010/main" val="2320101748"/>
               </p:ext>
             </p:extLst>
           </p:nvPr>
@@ -5236,13 +5412,21 @@
     </p:spTree>
     <p:extLst>
       <p:ext uri="{BB962C8B-B14F-4D97-AF65-F5344CB8AC3E}">
-        <p14:creationId xmlns:p14="http://schemas.microsoft.com/office/powerpoint/2010/main" xmlns="" val="996800918"/>
+        <p14:creationId xmlns:p14="http://schemas.microsoft.com/office/powerpoint/2010/main" val="996800918"/>
       </p:ext>
     </p:extLst>
   </p:cSld>
   <p:clrMapOvr>
     <a:masterClrMapping/>
   </p:clrMapOvr>
+  <mc:AlternateContent xmlns:mc="http://schemas.openxmlformats.org/markup-compatibility/2006" xmlns:p14="http://schemas.microsoft.com/office/powerpoint/2010/main">
+    <mc:Choice Requires="p14">
+      <p:transition spd="slow" p14:dur="2000"/>
+    </mc:Choice>
+    <mc:Fallback xmlns="">
+      <p:transition spd="slow"/>
+    </mc:Fallback>
+  </mc:AlternateContent>
   <p:timing>
     <p:tnLst>
       <p:par>
@@ -5254,7 +5438,7 @@
 </file>
 
 <file path=ppt/slides/slide16.xml><?xml version="1.0" encoding="utf-8"?>
-<p:sld xmlns:a="http://schemas.openxmlformats.org/drawingml/2006/main" xmlns:r="http://schemas.openxmlformats.org/officeDocument/2006/relationships" xmlns:p="http://schemas.openxmlformats.org/presentationml/2006/main">
+<p:sld xmlns:a="http://schemas.openxmlformats.org/drawingml/2006/main" xmlns:r="http://schemas.openxmlformats.org/officeDocument/2006/relationships" xmlns:p="http://schemas.openxmlformats.org/presentationml/2006/main" show="0">
   <p:cSld>
     <p:spTree>
       <p:nvGrpSpPr>
@@ -5300,7 +5484,7 @@
           <p:nvPr>
             <p:extLst>
               <p:ext uri="{D42A27DB-BD31-4B8C-83A1-F6EECF244321}">
-                <p14:modId xmlns:p14="http://schemas.microsoft.com/office/powerpoint/2010/main" xmlns="" val="896780294"/>
+                <p14:modId xmlns:p14="http://schemas.microsoft.com/office/powerpoint/2010/main" val="896780294"/>
               </p:ext>
             </p:extLst>
           </p:nvPr>
@@ -5318,13 +5502,21 @@
     </p:spTree>
     <p:extLst>
       <p:ext uri="{BB962C8B-B14F-4D97-AF65-F5344CB8AC3E}">
-        <p14:creationId xmlns:p14="http://schemas.microsoft.com/office/powerpoint/2010/main" xmlns="" val="12642191"/>
+        <p14:creationId xmlns:p14="http://schemas.microsoft.com/office/powerpoint/2010/main" val="12642191"/>
       </p:ext>
     </p:extLst>
   </p:cSld>
   <p:clrMapOvr>
     <a:masterClrMapping/>
   </p:clrMapOvr>
+  <mc:AlternateContent xmlns:mc="http://schemas.openxmlformats.org/markup-compatibility/2006" xmlns:p14="http://schemas.microsoft.com/office/powerpoint/2010/main">
+    <mc:Choice Requires="p14">
+      <p:transition spd="slow" p14:dur="2000"/>
+    </mc:Choice>
+    <mc:Fallback xmlns="">
+      <p:transition spd="slow"/>
+    </mc:Fallback>
+  </mc:AlternateContent>
   <p:timing>
     <p:tnLst>
       <p:par>
@@ -5336,7 +5528,7 @@
 </file>
 
 <file path=ppt/slides/slide17.xml><?xml version="1.0" encoding="utf-8"?>
-<p:sld xmlns:a="http://schemas.openxmlformats.org/drawingml/2006/main" xmlns:r="http://schemas.openxmlformats.org/officeDocument/2006/relationships" xmlns:p="http://schemas.openxmlformats.org/presentationml/2006/main">
+<p:sld xmlns:a="http://schemas.openxmlformats.org/drawingml/2006/main" xmlns:r="http://schemas.openxmlformats.org/officeDocument/2006/relationships" xmlns:p="http://schemas.openxmlformats.org/presentationml/2006/main" show="0">
   <p:cSld>
     <p:spTree>
       <p:nvGrpSpPr>
@@ -5382,7 +5574,7 @@
           <p:nvPr>
             <p:extLst>
               <p:ext uri="{D42A27DB-BD31-4B8C-83A1-F6EECF244321}">
-                <p14:modId xmlns:p14="http://schemas.microsoft.com/office/powerpoint/2010/main" xmlns="" val="4222226759"/>
+                <p14:modId xmlns:p14="http://schemas.microsoft.com/office/powerpoint/2010/main" val="4222226759"/>
               </p:ext>
             </p:extLst>
           </p:nvPr>
@@ -5400,13 +5592,21 @@
     </p:spTree>
     <p:extLst>
       <p:ext uri="{BB962C8B-B14F-4D97-AF65-F5344CB8AC3E}">
-        <p14:creationId xmlns:p14="http://schemas.microsoft.com/office/powerpoint/2010/main" xmlns="" val="4222572546"/>
+        <p14:creationId xmlns:p14="http://schemas.microsoft.com/office/powerpoint/2010/main" val="4222572546"/>
       </p:ext>
     </p:extLst>
   </p:cSld>
   <p:clrMapOvr>
     <a:masterClrMapping/>
   </p:clrMapOvr>
+  <mc:AlternateContent xmlns:mc="http://schemas.openxmlformats.org/markup-compatibility/2006" xmlns:p14="http://schemas.microsoft.com/office/powerpoint/2010/main">
+    <mc:Choice Requires="p14">
+      <p:transition spd="slow" p14:dur="2000"/>
+    </mc:Choice>
+    <mc:Fallback xmlns="">
+      <p:transition spd="slow"/>
+    </mc:Fallback>
+  </mc:AlternateContent>
   <p:timing>
     <p:tnLst>
       <p:par>
@@ -5464,7 +5664,7 @@
           <p:nvPr>
             <p:extLst>
               <p:ext uri="{D42A27DB-BD31-4B8C-83A1-F6EECF244321}">
-                <p14:modId xmlns:p14="http://schemas.microsoft.com/office/powerpoint/2010/main" xmlns="" val="443036598"/>
+                <p14:modId xmlns:p14="http://schemas.microsoft.com/office/powerpoint/2010/main" val="443036598"/>
               </p:ext>
             </p:extLst>
           </p:nvPr>
@@ -5482,7 +5682,7 @@
     </p:spTree>
     <p:extLst>
       <p:ext uri="{BB962C8B-B14F-4D97-AF65-F5344CB8AC3E}">
-        <p14:creationId xmlns:p14="http://schemas.microsoft.com/office/powerpoint/2010/main" xmlns="" val="355807101"/>
+        <p14:creationId xmlns:p14="http://schemas.microsoft.com/office/powerpoint/2010/main" val="355807101"/>
       </p:ext>
     </p:extLst>
   </p:cSld>
@@ -5546,7 +5746,7 @@
           <p:nvPr>
             <p:extLst>
               <p:ext uri="{D42A27DB-BD31-4B8C-83A1-F6EECF244321}">
-                <p14:modId xmlns:p14="http://schemas.microsoft.com/office/powerpoint/2010/main" xmlns="" val="728387088"/>
+                <p14:modId xmlns:p14="http://schemas.microsoft.com/office/powerpoint/2010/main" val="728387088"/>
               </p:ext>
             </p:extLst>
           </p:nvPr>
@@ -5564,7 +5764,7 @@
     </p:spTree>
     <p:extLst>
       <p:ext uri="{BB962C8B-B14F-4D97-AF65-F5344CB8AC3E}">
-        <p14:creationId xmlns:p14="http://schemas.microsoft.com/office/powerpoint/2010/main" xmlns="" val="3238537544"/>
+        <p14:creationId xmlns:p14="http://schemas.microsoft.com/office/powerpoint/2010/main" val="3238537544"/>
       </p:ext>
     </p:extLst>
   </p:cSld>
@@ -5683,15 +5883,7 @@
             </a:r>
             <a:r>
               <a:rPr lang="da-DK" dirty="0" smtClean="0"/>
-              <a:t> </a:t>
-            </a:r>
-            <a:r>
-              <a:rPr lang="da-DK" dirty="0" smtClean="0"/>
-              <a:t>Academy </a:t>
-            </a:r>
-            <a:r>
-              <a:rPr lang="da-DK" dirty="0" smtClean="0"/>
-              <a:t>Expert</a:t>
+              <a:t> Academy Expert</a:t>
             </a:r>
           </a:p>
           <a:p>
@@ -5723,7 +5915,7 @@
           <a:blip r:embed="rId2" cstate="print">
             <a:extLst>
               <a:ext uri="{28A0092B-C50C-407E-A947-70E740481C1C}">
-                <a14:useLocalDpi xmlns:a14="http://schemas.microsoft.com/office/drawing/2010/main" xmlns="" val="0"/>
+                <a14:useLocalDpi xmlns:a14="http://schemas.microsoft.com/office/drawing/2010/main" val="0"/>
               </a:ext>
             </a:extLst>
           </a:blip>
@@ -5743,7 +5935,7 @@
           <a:noFill/>
           <a:extLst>
             <a:ext uri="{909E8E84-426E-40DD-AFC4-6F175D3DCCD1}">
-              <a14:hiddenFill xmlns:a14="http://schemas.microsoft.com/office/drawing/2010/main" xmlns="">
+              <a14:hiddenFill xmlns:a14="http://schemas.microsoft.com/office/drawing/2010/main">
                 <a:solidFill>
                   <a:srgbClr val="FFFFFF"/>
                 </a:solidFill>
@@ -5755,7 +5947,7 @@
     </p:spTree>
     <p:extLst>
       <p:ext uri="{BB962C8B-B14F-4D97-AF65-F5344CB8AC3E}">
-        <p14:creationId xmlns:p14="http://schemas.microsoft.com/office/powerpoint/2010/main" xmlns="" val="3044713512"/>
+        <p14:creationId xmlns:p14="http://schemas.microsoft.com/office/powerpoint/2010/main" val="3044713512"/>
       </p:ext>
     </p:extLst>
   </p:cSld>
@@ -5888,7 +6080,7 @@
     </p:spTree>
     <p:extLst>
       <p:ext uri="{BB962C8B-B14F-4D97-AF65-F5344CB8AC3E}">
-        <p14:creationId xmlns="" xmlns:p14="http://schemas.microsoft.com/office/powerpoint/2010/main" val="96289950"/>
+        <p14:creationId xmlns:p14="http://schemas.microsoft.com/office/powerpoint/2010/main" val="96289950"/>
       </p:ext>
     </p:extLst>
   </p:cSld>
@@ -6025,7 +6217,7 @@
     </p:spTree>
     <p:extLst>
       <p:ext uri="{BB962C8B-B14F-4D97-AF65-F5344CB8AC3E}">
-        <p14:creationId xmlns="" xmlns:p14="http://schemas.microsoft.com/office/powerpoint/2010/main" val="96289950"/>
+        <p14:creationId xmlns:p14="http://schemas.microsoft.com/office/powerpoint/2010/main" val="96289950"/>
       </p:ext>
     </p:extLst>
   </p:cSld>
@@ -6109,16 +6301,16 @@
               <a:buNone/>
             </a:pPr>
             <a:r>
-              <a:rPr lang="da-DK" b="1" dirty="0" smtClean="0"/>
+              <a:rPr lang="da-DK" b="1" smtClean="0"/>
               <a:t>Break</a:t>
             </a:r>
+            <a:endParaRPr lang="da-DK" b="1" dirty="0" smtClean="0"/>
           </a:p>
           <a:p>
             <a:r>
               <a:rPr lang="da-DK" dirty="0" smtClean="0"/>
               <a:t>Exercises</a:t>
             </a:r>
-            <a:endParaRPr lang="da-DK" dirty="0"/>
           </a:p>
           <a:p>
             <a:pPr marL="0" indent="0">
@@ -6128,21 +6320,6 @@
               <a:rPr lang="da-DK" b="1" dirty="0" smtClean="0"/>
               <a:t>Break</a:t>
             </a:r>
-          </a:p>
-          <a:p>
-            <a:r>
-              <a:rPr lang="da-DK" dirty="0" smtClean="0"/>
-              <a:t>Exercises</a:t>
-            </a:r>
-          </a:p>
-          <a:p>
-            <a:pPr marL="0" indent="0">
-              <a:buNone/>
-            </a:pPr>
-            <a:r>
-              <a:rPr lang="da-DK" b="1" dirty="0" smtClean="0"/>
-              <a:t>Break</a:t>
-            </a:r>
             <a:endParaRPr lang="da-DK" b="1" dirty="0"/>
           </a:p>
           <a:p>
@@ -6157,7 +6334,7 @@
     </p:spTree>
     <p:extLst>
       <p:ext uri="{BB962C8B-B14F-4D97-AF65-F5344CB8AC3E}">
-        <p14:creationId xmlns:p14="http://schemas.microsoft.com/office/powerpoint/2010/main" xmlns="" val="1383946699"/>
+        <p14:creationId xmlns:p14="http://schemas.microsoft.com/office/powerpoint/2010/main" val="1383946699"/>
       </p:ext>
     </p:extLst>
   </p:cSld>
@@ -6284,7 +6461,7 @@
     </p:spTree>
     <p:extLst>
       <p:ext uri="{BB962C8B-B14F-4D97-AF65-F5344CB8AC3E}">
-        <p14:creationId xmlns:p14="http://schemas.microsoft.com/office/powerpoint/2010/main" xmlns="" val="2102622275"/>
+        <p14:creationId xmlns:p14="http://schemas.microsoft.com/office/powerpoint/2010/main" val="2102622275"/>
       </p:ext>
     </p:extLst>
   </p:cSld>
@@ -6403,7 +6580,7 @@
     </p:spTree>
     <p:extLst>
       <p:ext uri="{BB962C8B-B14F-4D97-AF65-F5344CB8AC3E}">
-        <p14:creationId xmlns:p14="http://schemas.microsoft.com/office/powerpoint/2010/main" xmlns="" val="515773726"/>
+        <p14:creationId xmlns:p14="http://schemas.microsoft.com/office/powerpoint/2010/main" val="515773726"/>
       </p:ext>
     </p:extLst>
   </p:cSld>
@@ -6782,7 +6959,7 @@
     </p:spTree>
     <p:extLst>
       <p:ext uri="{BB962C8B-B14F-4D97-AF65-F5344CB8AC3E}">
-        <p14:creationId xmlns:p14="http://schemas.microsoft.com/office/powerpoint/2010/main" xmlns="" val="578547949"/>
+        <p14:creationId xmlns:p14="http://schemas.microsoft.com/office/powerpoint/2010/main" val="578547949"/>
       </p:ext>
     </p:extLst>
   </p:cSld>
@@ -6878,7 +7055,6 @@
               <a:rPr lang="da-DK" dirty="0" smtClean="0"/>
               <a:t>Navigator</a:t>
             </a:r>
-            <a:endParaRPr lang="da-DK" dirty="0" smtClean="0"/>
           </a:p>
           <a:p>
             <a:pPr lvl="2"/>
@@ -6929,7 +7105,7 @@
     </p:spTree>
     <p:extLst>
       <p:ext uri="{BB962C8B-B14F-4D97-AF65-F5344CB8AC3E}">
-        <p14:creationId xmlns:p14="http://schemas.microsoft.com/office/powerpoint/2010/main" xmlns="" val="4173076907"/>
+        <p14:creationId xmlns:p14="http://schemas.microsoft.com/office/powerpoint/2010/main" val="4173076907"/>
       </p:ext>
     </p:extLst>
   </p:cSld>
@@ -6997,7 +7173,7 @@
             <p:ph idx="1"/>
             <p:extLst>
               <p:ext uri="{D42A27DB-BD31-4B8C-83A1-F6EECF244321}">
-                <p14:modId xmlns:p14="http://schemas.microsoft.com/office/powerpoint/2010/main" xmlns="" val="838368028"/>
+                <p14:modId xmlns:p14="http://schemas.microsoft.com/office/powerpoint/2010/main" val="838368028"/>
               </p:ext>
             </p:extLst>
           </p:nvPr>
@@ -7223,7 +7399,7 @@
     </p:spTree>
     <p:extLst>
       <p:ext uri="{BB962C8B-B14F-4D97-AF65-F5344CB8AC3E}">
-        <p14:creationId xmlns:p14="http://schemas.microsoft.com/office/powerpoint/2010/main" xmlns="" val="1308988046"/>
+        <p14:creationId xmlns:p14="http://schemas.microsoft.com/office/powerpoint/2010/main" val="1308988046"/>
       </p:ext>
     </p:extLst>
   </p:cSld>
@@ -7369,7 +7545,7 @@
     </p:spTree>
     <p:extLst>
       <p:ext uri="{BB962C8B-B14F-4D97-AF65-F5344CB8AC3E}">
-        <p14:creationId xmlns:p14="http://schemas.microsoft.com/office/powerpoint/2010/main" xmlns="" val="3595684685"/>
+        <p14:creationId xmlns:p14="http://schemas.microsoft.com/office/powerpoint/2010/main" val="3595684685"/>
       </p:ext>
     </p:extLst>
   </p:cSld>
@@ -7656,7 +7832,7 @@
     </p:spTree>
     <p:extLst>
       <p:ext uri="{BB962C8B-B14F-4D97-AF65-F5344CB8AC3E}">
-        <p14:creationId xmlns:p14="http://schemas.microsoft.com/office/powerpoint/2010/main" xmlns="" val="3062657029"/>
+        <p14:creationId xmlns:p14="http://schemas.microsoft.com/office/powerpoint/2010/main" val="3062657029"/>
       </p:ext>
     </p:extLst>
   </p:cSld>
@@ -7845,7 +8021,7 @@
     </p:spTree>
     <p:extLst>
       <p:ext uri="{BB962C8B-B14F-4D97-AF65-F5344CB8AC3E}">
-        <p14:creationId xmlns:p14="http://schemas.microsoft.com/office/powerpoint/2010/main" xmlns="" val="3272303398"/>
+        <p14:creationId xmlns:p14="http://schemas.microsoft.com/office/powerpoint/2010/main" val="3272303398"/>
       </p:ext>
     </p:extLst>
   </p:cSld>

--- a/Presentations/1 - Introduction - ReSharper Course.pptx
+++ b/Presentations/1 - Introduction - ReSharper Course.pptx
@@ -325,11 +325,11 @@
         </c:dLbls>
         <c:marker val="1"/>
         <c:smooth val="0"/>
-        <c:axId val="4728320"/>
-        <c:axId val="4729856"/>
+        <c:axId val="6156672"/>
+        <c:axId val="6158208"/>
       </c:lineChart>
       <c:catAx>
-        <c:axId val="4728320"/>
+        <c:axId val="6156672"/>
         <c:scaling>
           <c:orientation val="minMax"/>
         </c:scaling>
@@ -339,7 +339,7 @@
         <c:majorTickMark val="out"/>
         <c:minorTickMark val="none"/>
         <c:tickLblPos val="nextTo"/>
-        <c:crossAx val="4729856"/>
+        <c:crossAx val="6158208"/>
         <c:crosses val="autoZero"/>
         <c:auto val="1"/>
         <c:lblAlgn val="ctr"/>
@@ -347,7 +347,7 @@
         <c:noMultiLvlLbl val="0"/>
       </c:catAx>
       <c:valAx>
-        <c:axId val="4729856"/>
+        <c:axId val="6158208"/>
         <c:scaling>
           <c:orientation val="minMax"/>
         </c:scaling>
@@ -358,7 +358,7 @@
         <c:majorTickMark val="out"/>
         <c:minorTickMark val="none"/>
         <c:tickLblPos val="none"/>
-        <c:crossAx val="4728320"/>
+        <c:crossAx val="6156672"/>
         <c:crosses val="autoZero"/>
         <c:crossBetween val="between"/>
       </c:valAx>
